--- a/Slides/On-Campus/02_01_turing_expressions_and_functions.pptx
+++ b/Slides/On-Campus/02_01_turing_expressions_and_functions.pptx
@@ -5,14 +5,14 @@
     <p:sldMasterId id="2147483648" r:id="rId1"/>
   </p:sldMasterIdLst>
   <p:notesMasterIdLst>
-    <p:notesMasterId r:id="rId20"/>
+    <p:notesMasterId r:id="rId21"/>
   </p:notesMasterIdLst>
   <p:handoutMasterIdLst>
-    <p:handoutMasterId r:id="rId21"/>
+    <p:handoutMasterId r:id="rId22"/>
   </p:handoutMasterIdLst>
   <p:sldIdLst>
     <p:sldId id="256" r:id="rId2"/>
-    <p:sldId id="266" r:id="rId3"/>
+    <p:sldId id="274" r:id="rId3"/>
     <p:sldId id="267" r:id="rId4"/>
     <p:sldId id="268" r:id="rId5"/>
     <p:sldId id="269" r:id="rId6"/>
@@ -20,15 +20,16 @@
     <p:sldId id="271" r:id="rId8"/>
     <p:sldId id="272" r:id="rId9"/>
     <p:sldId id="273" r:id="rId10"/>
-    <p:sldId id="257" r:id="rId11"/>
-    <p:sldId id="258" r:id="rId12"/>
-    <p:sldId id="259" r:id="rId13"/>
-    <p:sldId id="260" r:id="rId14"/>
-    <p:sldId id="262" r:id="rId15"/>
-    <p:sldId id="263" r:id="rId16"/>
-    <p:sldId id="264" r:id="rId17"/>
-    <p:sldId id="261" r:id="rId18"/>
-    <p:sldId id="265" r:id="rId19"/>
+    <p:sldId id="275" r:id="rId11"/>
+    <p:sldId id="257" r:id="rId12"/>
+    <p:sldId id="258" r:id="rId13"/>
+    <p:sldId id="259" r:id="rId14"/>
+    <p:sldId id="260" r:id="rId15"/>
+    <p:sldId id="262" r:id="rId16"/>
+    <p:sldId id="263" r:id="rId17"/>
+    <p:sldId id="264" r:id="rId18"/>
+    <p:sldId id="261" r:id="rId19"/>
+    <p:sldId id="265" r:id="rId20"/>
   </p:sldIdLst>
   <p:sldSz cx="13817600" cy="7772400"/>
   <p:notesSz cx="6858000" cy="9144000"/>
@@ -231,7 +232,7 @@
           <a:p>
             <a:fld id="{4D7E51A5-B478-1E40-8CBB-0DAA8831E99D}" type="datetimeFigureOut">
               <a:rPr lang="en-US" smtClean="0"/>
-              <a:t>8/18/21</a:t>
+              <a:t>8/29/21</a:t>
             </a:fld>
             <a:endParaRPr lang="en-US"/>
           </a:p>
@@ -396,7 +397,7 @@
           <a:p>
             <a:fld id="{D0ED587F-861E-6740-9643-E3DDAE89B8D6}" type="datetimeFigureOut">
               <a:rPr lang="en-US" smtClean="0"/>
-              <a:t>8/18/21</a:t>
+              <a:t>8/29/21</a:t>
             </a:fld>
             <a:endParaRPr lang="en-US"/>
           </a:p>
@@ -8275,7 +8276,7 @@
           <p:cNvPr id="4" name="Title 3">
             <a:extLst>
               <a:ext uri="{FF2B5EF4-FFF2-40B4-BE49-F238E27FC236}">
-                <a16:creationId xmlns:a16="http://schemas.microsoft.com/office/drawing/2014/main" id="{CC72A7FB-614B-CA42-8F8E-5BD6AD95791F}"/>
+                <a16:creationId xmlns:a16="http://schemas.microsoft.com/office/drawing/2014/main" id="{372885B0-1DD0-3844-8E37-40DCB97DB013}"/>
               </a:ext>
             </a:extLst>
           </p:cNvPr>
@@ -8293,7 +8294,7 @@
           <a:p>
             <a:r>
               <a:rPr lang="en-US" dirty="0"/>
-              <a:t>Python</a:t>
+              <a:t>Now to your first code</a:t>
             </a:r>
           </a:p>
         </p:txBody>
@@ -8303,7 +8304,7 @@
           <p:cNvPr id="5" name="Text Placeholder 4">
             <a:extLst>
               <a:ext uri="{FF2B5EF4-FFF2-40B4-BE49-F238E27FC236}">
-                <a16:creationId xmlns:a16="http://schemas.microsoft.com/office/drawing/2014/main" id="{E1F6B818-3B65-9646-A3BE-7BBC984CABB7}"/>
+                <a16:creationId xmlns:a16="http://schemas.microsoft.com/office/drawing/2014/main" id="{3E6A1F8D-50E3-2A4D-85A7-3767F1F7A496}"/>
               </a:ext>
             </a:extLst>
           </p:cNvPr>
@@ -8314,444 +8315,19 @@
             <p:ph type="body" sz="quarter" idx="10"/>
           </p:nvPr>
         </p:nvSpPr>
-        <p:spPr>
-          <a:xfrm>
-            <a:off x="628072" y="1463722"/>
-            <a:ext cx="6280725" cy="5295809"/>
-          </a:xfrm>
-        </p:spPr>
+        <p:spPr/>
         <p:txBody>
           <a:bodyPr/>
           <a:lstStyle/>
           <a:p>
-            <a:r>
-              <a:rPr lang="en-US" dirty="0"/>
-              <a:t>Line by line</a:t>
-            </a:r>
-          </a:p>
-          <a:p>
-            <a:r>
-              <a:rPr lang="en-US" dirty="0"/>
-              <a:t>Each line is an instruction</a:t>
-            </a:r>
-          </a:p>
-          <a:p>
-            <a:r>
-              <a:rPr lang="en-US" dirty="0"/>
-              <a:t>Basic expressions</a:t>
-            </a:r>
-          </a:p>
-          <a:p>
-            <a:pPr lvl="1"/>
-            <a:r>
-              <a:rPr lang="en-US" dirty="0"/>
-              <a:t>Store values</a:t>
-            </a:r>
-          </a:p>
-          <a:p>
-            <a:pPr lvl="1"/>
-            <a:r>
-              <a:rPr lang="en-US" dirty="0"/>
-              <a:t>Perform arithmetic on values</a:t>
-            </a:r>
-          </a:p>
-          <a:p>
-            <a:pPr lvl="1"/>
-            <a:r>
-              <a:rPr lang="en-US" dirty="0"/>
-              <a:t>Call other functions on and using values</a:t>
-            </a:r>
-          </a:p>
-          <a:p>
-            <a:r>
-              <a:rPr lang="en-US" dirty="0"/>
-              <a:t>Basic Operations</a:t>
-            </a:r>
-          </a:p>
-          <a:p>
-            <a:pPr lvl="1"/>
-            <a:r>
-              <a:rPr lang="en-US" dirty="0"/>
-              <a:t>+ (add numbers  or concatenate  Strings)</a:t>
-            </a:r>
-          </a:p>
-          <a:p>
-            <a:pPr lvl="1"/>
-            <a:r>
-              <a:rPr lang="en-US" dirty="0"/>
-              <a:t>-  (subtract numbers)</a:t>
-            </a:r>
-          </a:p>
-          <a:p>
-            <a:pPr lvl="1"/>
-            <a:r>
-              <a:rPr lang="en-US" dirty="0"/>
-              <a:t>* (multiply numbers)</a:t>
-            </a:r>
-          </a:p>
-          <a:p>
-            <a:pPr lvl="1"/>
-            <a:r>
-              <a:rPr lang="en-US" dirty="0"/>
-              <a:t>/ (divide numbers) </a:t>
-            </a:r>
-          </a:p>
-          <a:p>
-            <a:pPr lvl="1"/>
-            <a:r>
-              <a:rPr lang="en-US" dirty="0"/>
-              <a:t>= (set value </a:t>
-            </a:r>
-            <a:r>
-              <a:rPr lang="en-US"/>
-              <a:t>to a </a:t>
-            </a:r>
-            <a:r>
-              <a:rPr lang="en-US" dirty="0"/>
-              <a:t>variable)</a:t>
-            </a:r>
-          </a:p>
-          <a:p>
-            <a:pPr lvl="1"/>
-            <a:r>
-              <a:rPr lang="en-US" dirty="0"/>
-              <a:t>We will cover **  and % more next </a:t>
-            </a:r>
-            <a:r>
-              <a:rPr lang="en-US" dirty="0" err="1"/>
-              <a:t>uni</a:t>
-            </a:r>
-            <a:endParaRPr lang="en-US" dirty="0"/>
-          </a:p>
-        </p:txBody>
-      </p:sp>
-      <p:sp>
-        <p:nvSpPr>
-          <p:cNvPr id="6" name="Rectangle 5">
-            <a:extLst>
-              <a:ext uri="{FF2B5EF4-FFF2-40B4-BE49-F238E27FC236}">
-                <a16:creationId xmlns:a16="http://schemas.microsoft.com/office/drawing/2014/main" id="{72C2B307-EEEC-9945-B2E6-2D1E3EBB5B22}"/>
-              </a:ext>
-            </a:extLst>
-          </p:cNvPr>
-          <p:cNvSpPr/>
-          <p:nvPr/>
-        </p:nvSpPr>
-        <p:spPr>
-          <a:xfrm>
-            <a:off x="6908797" y="1654693"/>
-            <a:ext cx="6551661" cy="1169551"/>
-          </a:xfrm>
-          <a:prstGeom prst="rect">
-            <a:avLst/>
-          </a:prstGeom>
-          <a:ln>
-            <a:solidFill>
-              <a:schemeClr val="tx2"/>
-            </a:solidFill>
-          </a:ln>
-        </p:spPr>
-        <p:txBody>
-          <a:bodyPr wrap="square">
-            <a:spAutoFit/>
-          </a:bodyPr>
-          <a:lstStyle/>
-          <a:p>
-            <a:r>
-              <a:rPr lang="en-US" sz="1400" dirty="0">
-                <a:latin typeface="Consolas" panose="020B0609020204030204" pitchFamily="49" charset="0"/>
-                <a:cs typeface="Consolas" panose="020B0609020204030204" pitchFamily="49" charset="0"/>
-              </a:rPr>
-              <a:t>computer = </a:t>
-            </a:r>
-            <a:r>
-              <a:rPr lang="en-US" sz="1400" dirty="0">
-                <a:solidFill>
-                  <a:srgbClr val="6A8759"/>
-                </a:solidFill>
-                <a:latin typeface="Consolas" panose="020B0609020204030204" pitchFamily="49" charset="0"/>
-                <a:cs typeface="Consolas" panose="020B0609020204030204" pitchFamily="49" charset="0"/>
-              </a:rPr>
-              <a:t>"Bombe Machine"  </a:t>
-            </a:r>
-            <a:r>
-              <a:rPr lang="en-US" sz="1400" dirty="0">
-                <a:solidFill>
-                  <a:srgbClr val="808080"/>
-                </a:solidFill>
-                <a:latin typeface="Consolas" panose="020B0609020204030204" pitchFamily="49" charset="0"/>
-                <a:cs typeface="Consolas" panose="020B0609020204030204" pitchFamily="49" charset="0"/>
-              </a:rPr>
-              <a:t># assignment of string to variable</a:t>
-            </a:r>
-            <a:br>
-              <a:rPr lang="en-US" sz="1400" dirty="0">
-                <a:solidFill>
-                  <a:srgbClr val="808080"/>
-                </a:solidFill>
-                <a:latin typeface="Consolas" panose="020B0609020204030204" pitchFamily="49" charset="0"/>
-                <a:cs typeface="Consolas" panose="020B0609020204030204" pitchFamily="49" charset="0"/>
-              </a:rPr>
-            </a:br>
-            <a:r>
-              <a:rPr lang="en-US" sz="1400" dirty="0">
-                <a:latin typeface="Consolas" panose="020B0609020204030204" pitchFamily="49" charset="0"/>
-                <a:cs typeface="Consolas" panose="020B0609020204030204" pitchFamily="49" charset="0"/>
-              </a:rPr>
-              <a:t>code = </a:t>
-            </a:r>
-            <a:r>
-              <a:rPr lang="en-US" sz="1400" dirty="0">
-                <a:solidFill>
-                  <a:srgbClr val="6897BB"/>
-                </a:solidFill>
-                <a:latin typeface="Consolas" panose="020B0609020204030204" pitchFamily="49" charset="0"/>
-                <a:cs typeface="Consolas" panose="020B0609020204030204" pitchFamily="49" charset="0"/>
-              </a:rPr>
-              <a:t>10  </a:t>
-            </a:r>
-            <a:r>
-              <a:rPr lang="en-US" sz="1400" dirty="0">
-                <a:solidFill>
-                  <a:srgbClr val="808080"/>
-                </a:solidFill>
-                <a:latin typeface="Consolas" panose="020B0609020204030204" pitchFamily="49" charset="0"/>
-                <a:cs typeface="Consolas" panose="020B0609020204030204" pitchFamily="49" charset="0"/>
-              </a:rPr>
-              <a:t># whole number - called "int"</a:t>
-            </a:r>
-            <a:br>
-              <a:rPr lang="en-US" sz="1400" dirty="0">
-                <a:solidFill>
-                  <a:srgbClr val="808080"/>
-                </a:solidFill>
-                <a:latin typeface="Consolas" panose="020B0609020204030204" pitchFamily="49" charset="0"/>
-                <a:cs typeface="Consolas" panose="020B0609020204030204" pitchFamily="49" charset="0"/>
-              </a:rPr>
-            </a:br>
-            <a:r>
-              <a:rPr lang="en-US" sz="1400" dirty="0">
-                <a:latin typeface="Consolas" panose="020B0609020204030204" pitchFamily="49" charset="0"/>
-                <a:cs typeface="Consolas" panose="020B0609020204030204" pitchFamily="49" charset="0"/>
-              </a:rPr>
-              <a:t>formula = (code * </a:t>
-            </a:r>
-            <a:r>
-              <a:rPr lang="en-US" sz="1400" dirty="0">
-                <a:solidFill>
-                  <a:srgbClr val="6897BB"/>
-                </a:solidFill>
-                <a:latin typeface="Consolas" panose="020B0609020204030204" pitchFamily="49" charset="0"/>
-                <a:cs typeface="Consolas" panose="020B0609020204030204" pitchFamily="49" charset="0"/>
-              </a:rPr>
-              <a:t>3</a:t>
-            </a:r>
-            <a:r>
-              <a:rPr lang="en-US" sz="1400" dirty="0">
-                <a:latin typeface="Consolas" panose="020B0609020204030204" pitchFamily="49" charset="0"/>
-                <a:cs typeface="Consolas" panose="020B0609020204030204" pitchFamily="49" charset="0"/>
-              </a:rPr>
-              <a:t>/</a:t>
-            </a:r>
-            <a:r>
-              <a:rPr lang="en-US" sz="1400" dirty="0">
-                <a:solidFill>
-                  <a:srgbClr val="6897BB"/>
-                </a:solidFill>
-                <a:latin typeface="Consolas" panose="020B0609020204030204" pitchFamily="49" charset="0"/>
-                <a:cs typeface="Consolas" panose="020B0609020204030204" pitchFamily="49" charset="0"/>
-              </a:rPr>
-              <a:t>2</a:t>
-            </a:r>
-            <a:r>
-              <a:rPr lang="en-US" sz="1400" dirty="0">
-                <a:latin typeface="Consolas" panose="020B0609020204030204" pitchFamily="49" charset="0"/>
-                <a:cs typeface="Consolas" panose="020B0609020204030204" pitchFamily="49" charset="0"/>
-              </a:rPr>
-              <a:t>) – </a:t>
-            </a:r>
-            <a:r>
-              <a:rPr lang="en-US" sz="1400" dirty="0">
-                <a:solidFill>
-                  <a:srgbClr val="6897BB"/>
-                </a:solidFill>
-                <a:latin typeface="Consolas" panose="020B0609020204030204" pitchFamily="49" charset="0"/>
-                <a:cs typeface="Consolas" panose="020B0609020204030204" pitchFamily="49" charset="0"/>
-              </a:rPr>
-              <a:t>2.1 </a:t>
-            </a:r>
-            <a:r>
-              <a:rPr lang="en-US" sz="1400" dirty="0">
-                <a:solidFill>
-                  <a:srgbClr val="808080"/>
-                </a:solidFill>
-                <a:latin typeface="Consolas" panose="020B0609020204030204" pitchFamily="49" charset="0"/>
-                <a:cs typeface="Consolas" panose="020B0609020204030204" pitchFamily="49" charset="0"/>
-              </a:rPr>
-              <a:t># now a floating point number</a:t>
-            </a:r>
-            <a:br>
-              <a:rPr lang="en-US" sz="1400" dirty="0">
-                <a:solidFill>
-                  <a:srgbClr val="808080"/>
-                </a:solidFill>
-                <a:latin typeface="Consolas" panose="020B0609020204030204" pitchFamily="49" charset="0"/>
-                <a:cs typeface="Consolas" panose="020B0609020204030204" pitchFamily="49" charset="0"/>
-              </a:rPr>
-            </a:br>
-            <a:r>
-              <a:rPr lang="en-US" sz="1400" dirty="0">
-                <a:solidFill>
-                  <a:srgbClr val="8888C6"/>
-                </a:solidFill>
-                <a:latin typeface="Consolas" panose="020B0609020204030204" pitchFamily="49" charset="0"/>
-                <a:cs typeface="Consolas" panose="020B0609020204030204" pitchFamily="49" charset="0"/>
-              </a:rPr>
-              <a:t>print</a:t>
-            </a:r>
-            <a:r>
-              <a:rPr lang="en-US" sz="1400" dirty="0">
-                <a:latin typeface="Consolas" panose="020B0609020204030204" pitchFamily="49" charset="0"/>
-                <a:cs typeface="Consolas" panose="020B0609020204030204" pitchFamily="49" charset="0"/>
-              </a:rPr>
-              <a:t>(</a:t>
-            </a:r>
-            <a:r>
-              <a:rPr lang="en-US" sz="1400" dirty="0">
-                <a:solidFill>
-                  <a:srgbClr val="6A8759"/>
-                </a:solidFill>
-                <a:latin typeface="Consolas" panose="020B0609020204030204" pitchFamily="49" charset="0"/>
-                <a:cs typeface="Consolas" panose="020B0609020204030204" pitchFamily="49" charset="0"/>
-              </a:rPr>
-              <a:t>"The code to the " </a:t>
-            </a:r>
-            <a:r>
-              <a:rPr lang="en-US" sz="1400" dirty="0">
-                <a:latin typeface="Consolas" panose="020B0609020204030204" pitchFamily="49" charset="0"/>
-                <a:cs typeface="Consolas" panose="020B0609020204030204" pitchFamily="49" charset="0"/>
-              </a:rPr>
-              <a:t>+ computer + </a:t>
-            </a:r>
-            <a:r>
-              <a:rPr lang="en-US" sz="1400" dirty="0">
-                <a:solidFill>
-                  <a:srgbClr val="6A8759"/>
-                </a:solidFill>
-                <a:latin typeface="Consolas" panose="020B0609020204030204" pitchFamily="49" charset="0"/>
-                <a:cs typeface="Consolas" panose="020B0609020204030204" pitchFamily="49" charset="0"/>
-              </a:rPr>
-              <a:t>" is "</a:t>
-            </a:r>
-            <a:r>
-              <a:rPr lang="en-US" sz="1400" dirty="0">
-                <a:solidFill>
-                  <a:srgbClr val="CC7832"/>
-                </a:solidFill>
-                <a:latin typeface="Consolas" panose="020B0609020204030204" pitchFamily="49" charset="0"/>
-                <a:cs typeface="Consolas" panose="020B0609020204030204" pitchFamily="49" charset="0"/>
-              </a:rPr>
-              <a:t>, </a:t>
-            </a:r>
-            <a:r>
-              <a:rPr lang="en-US" sz="1400" dirty="0">
-                <a:solidFill>
-                  <a:srgbClr val="AA4926"/>
-                </a:solidFill>
-                <a:latin typeface="Consolas" panose="020B0609020204030204" pitchFamily="49" charset="0"/>
-                <a:cs typeface="Consolas" panose="020B0609020204030204" pitchFamily="49" charset="0"/>
-              </a:rPr>
-              <a:t>end</a:t>
-            </a:r>
-            <a:r>
-              <a:rPr lang="en-US" sz="1400" dirty="0">
-                <a:latin typeface="Consolas" panose="020B0609020204030204" pitchFamily="49" charset="0"/>
-                <a:cs typeface="Consolas" panose="020B0609020204030204" pitchFamily="49" charset="0"/>
-              </a:rPr>
-              <a:t>=</a:t>
-            </a:r>
-            <a:r>
-              <a:rPr lang="en-US" sz="1400" dirty="0">
-                <a:solidFill>
-                  <a:srgbClr val="6A8759"/>
-                </a:solidFill>
-                <a:latin typeface="Consolas" panose="020B0609020204030204" pitchFamily="49" charset="0"/>
-                <a:cs typeface="Consolas" panose="020B0609020204030204" pitchFamily="49" charset="0"/>
-              </a:rPr>
-              <a:t>''</a:t>
-            </a:r>
-            <a:r>
-              <a:rPr lang="en-US" sz="1400" dirty="0">
-                <a:latin typeface="Consolas" panose="020B0609020204030204" pitchFamily="49" charset="0"/>
-                <a:cs typeface="Consolas" panose="020B0609020204030204" pitchFamily="49" charset="0"/>
-              </a:rPr>
-              <a:t>)</a:t>
-            </a:r>
-            <a:br>
-              <a:rPr lang="en-US" sz="1400" dirty="0">
-                <a:latin typeface="Consolas" panose="020B0609020204030204" pitchFamily="49" charset="0"/>
-                <a:cs typeface="Consolas" panose="020B0609020204030204" pitchFamily="49" charset="0"/>
-              </a:rPr>
-            </a:br>
-            <a:r>
-              <a:rPr lang="en-US" sz="1400" dirty="0">
-                <a:solidFill>
-                  <a:srgbClr val="8888C6"/>
-                </a:solidFill>
-                <a:latin typeface="Consolas" panose="020B0609020204030204" pitchFamily="49" charset="0"/>
-                <a:cs typeface="Consolas" panose="020B0609020204030204" pitchFamily="49" charset="0"/>
-              </a:rPr>
-              <a:t>print</a:t>
-            </a:r>
-            <a:r>
-              <a:rPr lang="en-US" sz="1400" dirty="0">
-                <a:latin typeface="Consolas" panose="020B0609020204030204" pitchFamily="49" charset="0"/>
-                <a:cs typeface="Consolas" panose="020B0609020204030204" pitchFamily="49" charset="0"/>
-              </a:rPr>
-              <a:t>(formula)</a:t>
-            </a:r>
-          </a:p>
-        </p:txBody>
-      </p:sp>
-      <p:sp>
-        <p:nvSpPr>
-          <p:cNvPr id="7" name="TextBox 6">
-            <a:extLst>
-              <a:ext uri="{FF2B5EF4-FFF2-40B4-BE49-F238E27FC236}">
-                <a16:creationId xmlns:a16="http://schemas.microsoft.com/office/drawing/2014/main" id="{B4246FDE-3EB0-834C-A6DA-BED73A68982E}"/>
-              </a:ext>
-            </a:extLst>
-          </p:cNvPr>
-          <p:cNvSpPr txBox="1"/>
-          <p:nvPr/>
-        </p:nvSpPr>
-        <p:spPr>
-          <a:xfrm>
-            <a:off x="7763921" y="3015215"/>
-            <a:ext cx="4570482" cy="400110"/>
-          </a:xfrm>
-          <a:prstGeom prst="rect">
-            <a:avLst/>
-          </a:prstGeom>
-          <a:noFill/>
-        </p:spPr>
-        <p:txBody>
-          <a:bodyPr wrap="none" rtlCol="0">
-            <a:spAutoFit/>
-          </a:bodyPr>
-          <a:lstStyle/>
-          <a:p>
-            <a:r>
-              <a:rPr lang="en-US" dirty="0"/>
-              <a:t>The code to the Bomb Machine is 12.9</a:t>
-            </a:r>
+            <a:endParaRPr lang="en-US"/>
           </a:p>
         </p:txBody>
       </p:sp>
     </p:spTree>
     <p:extLst>
       <p:ext uri="{BB962C8B-B14F-4D97-AF65-F5344CB8AC3E}">
-        <p14:creationId xmlns:p14="http://schemas.microsoft.com/office/powerpoint/2010/main" val="3675223695"/>
+        <p14:creationId xmlns:p14="http://schemas.microsoft.com/office/powerpoint/2010/main" val="2755191711"/>
       </p:ext>
     </p:extLst>
   </p:cSld>
@@ -8792,10 +8368,10 @@
       </p:grpSpPr>
       <p:sp>
         <p:nvSpPr>
-          <p:cNvPr id="2" name="Title 1">
+          <p:cNvPr id="4" name="Title 3">
             <a:extLst>
               <a:ext uri="{FF2B5EF4-FFF2-40B4-BE49-F238E27FC236}">
-                <a16:creationId xmlns:a16="http://schemas.microsoft.com/office/drawing/2014/main" id="{3BA0DA21-C744-354A-BD95-1A2EE5CE35C0}"/>
+                <a16:creationId xmlns:a16="http://schemas.microsoft.com/office/drawing/2014/main" id="{CC72A7FB-614B-CA42-8F8E-5BD6AD95791F}"/>
               </a:ext>
             </a:extLst>
           </p:cNvPr>
@@ -8813,17 +8389,17 @@
           <a:p>
             <a:r>
               <a:rPr lang="en-US" dirty="0"/>
-              <a:t>Types in Python</a:t>
+              <a:t>Python</a:t>
             </a:r>
           </a:p>
         </p:txBody>
       </p:sp>
       <p:sp>
         <p:nvSpPr>
-          <p:cNvPr id="3" name="Text Placeholder 2">
+          <p:cNvPr id="5" name="Text Placeholder 4">
             <a:extLst>
               <a:ext uri="{FF2B5EF4-FFF2-40B4-BE49-F238E27FC236}">
-                <a16:creationId xmlns:a16="http://schemas.microsoft.com/office/drawing/2014/main" id="{084C065B-9047-CE46-83FD-A71EE5F3167F}"/>
+                <a16:creationId xmlns:a16="http://schemas.microsoft.com/office/drawing/2014/main" id="{E1F6B818-3B65-9646-A3BE-7BBC984CABB7}"/>
               </a:ext>
             </a:extLst>
           </p:cNvPr>
@@ -8836,8 +8412,8 @@
         </p:nvSpPr>
         <p:spPr>
           <a:xfrm>
-            <a:off x="628075" y="1776682"/>
-            <a:ext cx="6280725" cy="4547079"/>
+            <a:off x="628072" y="1463722"/>
+            <a:ext cx="6280725" cy="5295809"/>
           </a:xfrm>
         </p:spPr>
         <p:txBody>
@@ -8846,87 +8422,98 @@
           <a:p>
             <a:r>
               <a:rPr lang="en-US" dirty="0"/>
-              <a:t>Python using ”implicit”/weak typing</a:t>
+              <a:t>Line by line</a:t>
+            </a:r>
+          </a:p>
+          <a:p>
+            <a:r>
+              <a:rPr lang="en-US" dirty="0"/>
+              <a:t>Each line is an instruction</a:t>
+            </a:r>
+          </a:p>
+          <a:p>
+            <a:r>
+              <a:rPr lang="en-US" dirty="0"/>
+              <a:t>Basic expressions</a:t>
             </a:r>
           </a:p>
           <a:p>
             <a:pPr lvl="1"/>
             <a:r>
               <a:rPr lang="en-US" dirty="0"/>
-              <a:t>figures out types for you! </a:t>
+              <a:t>Store values</a:t>
             </a:r>
           </a:p>
           <a:p>
             <a:pPr lvl="1"/>
             <a:r>
               <a:rPr lang="en-US" dirty="0"/>
-              <a:t>Unlike Explicit/Strongly Typed Languages (java) </a:t>
-            </a:r>
-          </a:p>
-          <a:p>
+              <a:t>Perform arithmetic on values</a:t>
+            </a:r>
+          </a:p>
+          <a:p>
+            <a:pPr lvl="1"/>
             <a:r>
               <a:rPr lang="en-US" dirty="0"/>
-              <a:t>Somethings  you  want  to specify type</a:t>
+              <a:t>Call other functions on and using values</a:t>
+            </a:r>
+          </a:p>
+          <a:p>
+            <a:r>
+              <a:rPr lang="en-US" dirty="0"/>
+              <a:t>Basic Operations</a:t>
             </a:r>
           </a:p>
           <a:p>
             <a:pPr lvl="1"/>
             <a:r>
               <a:rPr lang="en-US" dirty="0"/>
-              <a:t>int  - whole numbers only</a:t>
+              <a:t>+ (add numbers  or concatenate  Strings)</a:t>
             </a:r>
           </a:p>
           <a:p>
             <a:pPr lvl="1"/>
             <a:r>
               <a:rPr lang="en-US" dirty="0"/>
-              <a:t>float – floating point/decimal numbers</a:t>
+              <a:t>-  (subtract numbers)</a:t>
             </a:r>
           </a:p>
           <a:p>
             <a:pPr lvl="1"/>
             <a:r>
               <a:rPr lang="en-US" dirty="0"/>
-              <a:t>str – strings (more later)</a:t>
-            </a:r>
-          </a:p>
-          <a:p>
+              <a:t>* (multiply numbers)</a:t>
+            </a:r>
+          </a:p>
+          <a:p>
+            <a:pPr lvl="1"/>
             <a:r>
               <a:rPr lang="en-US" dirty="0"/>
-              <a:t>Most useful on getting client  input</a:t>
+              <a:t>/ (divide numbers) </a:t>
             </a:r>
           </a:p>
           <a:p>
             <a:pPr lvl="1"/>
             <a:r>
-              <a:rPr lang="en-US" dirty="0">
-                <a:latin typeface="Consolas" panose="020B0609020204030204" pitchFamily="49" charset="0"/>
-                <a:cs typeface="Consolas" panose="020B0609020204030204" pitchFamily="49" charset="0"/>
-              </a:rPr>
-              <a:t>answer = int(input(“get the answer”))</a:t>
+              <a:rPr lang="en-US" dirty="0"/>
+              <a:t>= (set value to a variable)</a:t>
             </a:r>
           </a:p>
           <a:p>
             <a:pPr lvl="1"/>
             <a:r>
               <a:rPr lang="en-US" dirty="0"/>
-              <a:t>This code is also dangerous! </a:t>
-            </a:r>
-          </a:p>
-          <a:p>
-            <a:r>
-              <a:rPr lang="en-US" dirty="0"/>
-              <a:t>Last Example Again</a:t>
+              <a:t>We will cover **  and % more next unit</a:t>
             </a:r>
           </a:p>
         </p:txBody>
       </p:sp>
       <p:sp>
         <p:nvSpPr>
-          <p:cNvPr id="4" name="Rectangle 3">
+          <p:cNvPr id="6" name="Rectangle 5">
             <a:extLst>
               <a:ext uri="{FF2B5EF4-FFF2-40B4-BE49-F238E27FC236}">
-                <a16:creationId xmlns:a16="http://schemas.microsoft.com/office/drawing/2014/main" id="{ACA70A7C-E8F6-4344-A46C-482BD4DF24D1}"/>
+                <a16:creationId xmlns:a16="http://schemas.microsoft.com/office/drawing/2014/main" id="{72C2B307-EEEC-9945-B2E6-2D1E3EBB5B22}"/>
               </a:ext>
             </a:extLst>
           </p:cNvPr>
@@ -8935,8 +8522,8 @@
         </p:nvSpPr>
         <p:spPr>
           <a:xfrm>
-            <a:off x="6987823" y="1654693"/>
-            <a:ext cx="6472636" cy="1169551"/>
+            <a:off x="6908797" y="1654693"/>
+            <a:ext cx="6551661" cy="1169551"/>
           </a:xfrm>
           <a:prstGeom prst="rect">
             <a:avLst/>
@@ -9084,7 +8671,7 @@
                 <a:latin typeface="Consolas" panose="020B0609020204030204" pitchFamily="49" charset="0"/>
                 <a:cs typeface="Consolas" panose="020B0609020204030204" pitchFamily="49" charset="0"/>
               </a:rPr>
-              <a:t># now a floating-point number</a:t>
+              <a:t># now a floating point number</a:t>
             </a:r>
             <a:br>
               <a:rPr lang="en-US" sz="1400" dirty="0">
@@ -9197,38 +8784,24 @@
                 <a:latin typeface="Consolas" panose="020B0609020204030204" pitchFamily="49" charset="0"/>
                 <a:cs typeface="Consolas" panose="020B0609020204030204" pitchFamily="49" charset="0"/>
               </a:rPr>
-              <a:t>print(int(</a:t>
-            </a:r>
-            <a:r>
-              <a:rPr lang="en-US" sz="1400" dirty="0">
-                <a:latin typeface="Consolas" panose="020B0609020204030204" pitchFamily="49" charset="0"/>
-                <a:cs typeface="Consolas" panose="020B0609020204030204" pitchFamily="49" charset="0"/>
-              </a:rPr>
-              <a:t>formula</a:t>
-            </a:r>
-            <a:r>
-              <a:rPr lang="en-US" sz="1400" dirty="0">
-                <a:solidFill>
-                  <a:srgbClr val="8888C6"/>
-                </a:solidFill>
-                <a:latin typeface="Consolas" panose="020B0609020204030204" pitchFamily="49" charset="0"/>
-                <a:cs typeface="Consolas" panose="020B0609020204030204" pitchFamily="49" charset="0"/>
-              </a:rPr>
-              <a:t>))</a:t>
-            </a:r>
-            <a:endParaRPr lang="en-US" sz="1400" dirty="0">
-              <a:latin typeface="Consolas" panose="020B0609020204030204" pitchFamily="49" charset="0"/>
-              <a:cs typeface="Consolas" panose="020B0609020204030204" pitchFamily="49" charset="0"/>
-            </a:endParaRPr>
+              <a:t>print</a:t>
+            </a:r>
+            <a:r>
+              <a:rPr lang="en-US" sz="1400" dirty="0">
+                <a:latin typeface="Consolas" panose="020B0609020204030204" pitchFamily="49" charset="0"/>
+                <a:cs typeface="Consolas" panose="020B0609020204030204" pitchFamily="49" charset="0"/>
+              </a:rPr>
+              <a:t>(formula)</a:t>
+            </a:r>
           </a:p>
         </p:txBody>
       </p:sp>
       <p:sp>
         <p:nvSpPr>
-          <p:cNvPr id="5" name="TextBox 4">
+          <p:cNvPr id="7" name="TextBox 6">
             <a:extLst>
               <a:ext uri="{FF2B5EF4-FFF2-40B4-BE49-F238E27FC236}">
-                <a16:creationId xmlns:a16="http://schemas.microsoft.com/office/drawing/2014/main" id="{051460E5-373C-0744-B91C-2C55CCD0B7D6}"/>
+                <a16:creationId xmlns:a16="http://schemas.microsoft.com/office/drawing/2014/main" id="{B4246FDE-3EB0-834C-A6DA-BED73A68982E}"/>
               </a:ext>
             </a:extLst>
           </p:cNvPr>
@@ -9238,7 +8811,7 @@
         <p:spPr>
           <a:xfrm>
             <a:off x="7763921" y="3015215"/>
-            <a:ext cx="4357283" cy="400110"/>
+            <a:ext cx="4570482" cy="400110"/>
           </a:xfrm>
           <a:prstGeom prst="rect">
             <a:avLst/>
@@ -9253,42 +8826,7 @@
           <a:p>
             <a:r>
               <a:rPr lang="en-US" dirty="0"/>
-              <a:t>The code to the Bomb Machine is 12</a:t>
-            </a:r>
-          </a:p>
-        </p:txBody>
-      </p:sp>
-      <p:sp>
-        <p:nvSpPr>
-          <p:cNvPr id="6" name="TextBox 5">
-            <a:extLst>
-              <a:ext uri="{FF2B5EF4-FFF2-40B4-BE49-F238E27FC236}">
-                <a16:creationId xmlns:a16="http://schemas.microsoft.com/office/drawing/2014/main" id="{E9D401AE-F42E-824E-ADDA-F8EFEF520777}"/>
-              </a:ext>
-            </a:extLst>
-          </p:cNvPr>
-          <p:cNvSpPr txBox="1"/>
-          <p:nvPr/>
-        </p:nvSpPr>
-        <p:spPr>
-          <a:xfrm>
-            <a:off x="9096016" y="3406241"/>
-            <a:ext cx="1693092" cy="400110"/>
-          </a:xfrm>
-          <a:prstGeom prst="rect">
-            <a:avLst/>
-          </a:prstGeom>
-          <a:noFill/>
-        </p:spPr>
-        <p:txBody>
-          <a:bodyPr wrap="none" rtlCol="0">
-            <a:spAutoFit/>
-          </a:bodyPr>
-          <a:lstStyle/>
-          <a:p>
-            <a:r>
-              <a:rPr lang="en-US" dirty="0"/>
-              <a:t>Notice: no .9!</a:t>
+              <a:t>The code to the Bomb Machine is 12.9</a:t>
             </a:r>
           </a:p>
         </p:txBody>
@@ -9296,7 +8834,7 @@
     </p:spTree>
     <p:extLst>
       <p:ext uri="{BB962C8B-B14F-4D97-AF65-F5344CB8AC3E}">
-        <p14:creationId xmlns:p14="http://schemas.microsoft.com/office/powerpoint/2010/main" val="1080862108"/>
+        <p14:creationId xmlns:p14="http://schemas.microsoft.com/office/powerpoint/2010/main" val="3675223695"/>
       </p:ext>
     </p:extLst>
   </p:cSld>
@@ -9340,6 +8878,551 @@
           <p:cNvPr id="2" name="Title 1">
             <a:extLst>
               <a:ext uri="{FF2B5EF4-FFF2-40B4-BE49-F238E27FC236}">
+                <a16:creationId xmlns:a16="http://schemas.microsoft.com/office/drawing/2014/main" id="{3BA0DA21-C744-354A-BD95-1A2EE5CE35C0}"/>
+              </a:ext>
+            </a:extLst>
+          </p:cNvPr>
+          <p:cNvSpPr>
+            <a:spLocks noGrp="1"/>
+          </p:cNvSpPr>
+          <p:nvPr>
+            <p:ph type="title"/>
+          </p:nvPr>
+        </p:nvSpPr>
+        <p:spPr/>
+        <p:txBody>
+          <a:bodyPr/>
+          <a:lstStyle/>
+          <a:p>
+            <a:r>
+              <a:rPr lang="en-US" dirty="0"/>
+              <a:t>Types in Python</a:t>
+            </a:r>
+          </a:p>
+        </p:txBody>
+      </p:sp>
+      <p:sp>
+        <p:nvSpPr>
+          <p:cNvPr id="3" name="Text Placeholder 2">
+            <a:extLst>
+              <a:ext uri="{FF2B5EF4-FFF2-40B4-BE49-F238E27FC236}">
+                <a16:creationId xmlns:a16="http://schemas.microsoft.com/office/drawing/2014/main" id="{084C065B-9047-CE46-83FD-A71EE5F3167F}"/>
+              </a:ext>
+            </a:extLst>
+          </p:cNvPr>
+          <p:cNvSpPr>
+            <a:spLocks noGrp="1"/>
+          </p:cNvSpPr>
+          <p:nvPr>
+            <p:ph type="body" sz="quarter" idx="10"/>
+          </p:nvPr>
+        </p:nvSpPr>
+        <p:spPr>
+          <a:xfrm>
+            <a:off x="628075" y="1776682"/>
+            <a:ext cx="6280725" cy="4547079"/>
+          </a:xfrm>
+        </p:spPr>
+        <p:txBody>
+          <a:bodyPr/>
+          <a:lstStyle/>
+          <a:p>
+            <a:r>
+              <a:rPr lang="en-US" dirty="0"/>
+              <a:t>Python using ”implicit”/weak typing</a:t>
+            </a:r>
+          </a:p>
+          <a:p>
+            <a:pPr lvl="1"/>
+            <a:r>
+              <a:rPr lang="en-US" dirty="0"/>
+              <a:t>figures out types for you! </a:t>
+            </a:r>
+          </a:p>
+          <a:p>
+            <a:pPr lvl="1"/>
+            <a:r>
+              <a:rPr lang="en-US" dirty="0"/>
+              <a:t>Unlike Explicit/Strongly Typed Languages (java) </a:t>
+            </a:r>
+          </a:p>
+          <a:p>
+            <a:r>
+              <a:rPr lang="en-US" dirty="0"/>
+              <a:t>Somethings  you  want  to specify type</a:t>
+            </a:r>
+          </a:p>
+          <a:p>
+            <a:pPr lvl="1"/>
+            <a:r>
+              <a:rPr lang="en-US" dirty="0"/>
+              <a:t>int  - whole numbers only</a:t>
+            </a:r>
+          </a:p>
+          <a:p>
+            <a:pPr lvl="1"/>
+            <a:r>
+              <a:rPr lang="en-US" dirty="0"/>
+              <a:t>float – floating point/decimal numbers</a:t>
+            </a:r>
+          </a:p>
+          <a:p>
+            <a:pPr lvl="1"/>
+            <a:r>
+              <a:rPr lang="en-US" dirty="0"/>
+              <a:t>str – strings (more later)</a:t>
+            </a:r>
+          </a:p>
+          <a:p>
+            <a:r>
+              <a:rPr lang="en-US" dirty="0"/>
+              <a:t>Most useful on getting client  input</a:t>
+            </a:r>
+          </a:p>
+          <a:p>
+            <a:pPr lvl="1"/>
+            <a:r>
+              <a:rPr lang="en-US" dirty="0">
+                <a:latin typeface="Consolas" panose="020B0609020204030204" pitchFamily="49" charset="0"/>
+                <a:cs typeface="Consolas" panose="020B0609020204030204" pitchFamily="49" charset="0"/>
+              </a:rPr>
+              <a:t>answer = int(input(“get the answer”))</a:t>
+            </a:r>
+          </a:p>
+          <a:p>
+            <a:pPr lvl="1"/>
+            <a:r>
+              <a:rPr lang="en-US" dirty="0"/>
+              <a:t>This code is also dangerous! </a:t>
+            </a:r>
+          </a:p>
+          <a:p>
+            <a:r>
+              <a:rPr lang="en-US" dirty="0"/>
+              <a:t>Last Example Again</a:t>
+            </a:r>
+          </a:p>
+        </p:txBody>
+      </p:sp>
+      <p:sp>
+        <p:nvSpPr>
+          <p:cNvPr id="4" name="Rectangle 3">
+            <a:extLst>
+              <a:ext uri="{FF2B5EF4-FFF2-40B4-BE49-F238E27FC236}">
+                <a16:creationId xmlns:a16="http://schemas.microsoft.com/office/drawing/2014/main" id="{ACA70A7C-E8F6-4344-A46C-482BD4DF24D1}"/>
+              </a:ext>
+            </a:extLst>
+          </p:cNvPr>
+          <p:cNvSpPr/>
+          <p:nvPr/>
+        </p:nvSpPr>
+        <p:spPr>
+          <a:xfrm>
+            <a:off x="6987823" y="1654693"/>
+            <a:ext cx="6472636" cy="1169551"/>
+          </a:xfrm>
+          <a:prstGeom prst="rect">
+            <a:avLst/>
+          </a:prstGeom>
+          <a:ln>
+            <a:solidFill>
+              <a:schemeClr val="tx2"/>
+            </a:solidFill>
+          </a:ln>
+        </p:spPr>
+        <p:txBody>
+          <a:bodyPr wrap="square">
+            <a:spAutoFit/>
+          </a:bodyPr>
+          <a:lstStyle/>
+          <a:p>
+            <a:r>
+              <a:rPr lang="en-US" sz="1400" dirty="0">
+                <a:latin typeface="Consolas" panose="020B0609020204030204" pitchFamily="49" charset="0"/>
+                <a:cs typeface="Consolas" panose="020B0609020204030204" pitchFamily="49" charset="0"/>
+              </a:rPr>
+              <a:t>computer = </a:t>
+            </a:r>
+            <a:r>
+              <a:rPr lang="en-US" sz="1400" dirty="0">
+                <a:solidFill>
+                  <a:srgbClr val="6A8759"/>
+                </a:solidFill>
+                <a:latin typeface="Consolas" panose="020B0609020204030204" pitchFamily="49" charset="0"/>
+                <a:cs typeface="Consolas" panose="020B0609020204030204" pitchFamily="49" charset="0"/>
+              </a:rPr>
+              <a:t>"Bombe Machine"  </a:t>
+            </a:r>
+            <a:r>
+              <a:rPr lang="en-US" sz="1400" dirty="0">
+                <a:solidFill>
+                  <a:srgbClr val="808080"/>
+                </a:solidFill>
+                <a:latin typeface="Consolas" panose="020B0609020204030204" pitchFamily="49" charset="0"/>
+                <a:cs typeface="Consolas" panose="020B0609020204030204" pitchFamily="49" charset="0"/>
+              </a:rPr>
+              <a:t># assignment of string to variable</a:t>
+            </a:r>
+            <a:br>
+              <a:rPr lang="en-US" sz="1400" dirty="0">
+                <a:solidFill>
+                  <a:srgbClr val="808080"/>
+                </a:solidFill>
+                <a:latin typeface="Consolas" panose="020B0609020204030204" pitchFamily="49" charset="0"/>
+                <a:cs typeface="Consolas" panose="020B0609020204030204" pitchFamily="49" charset="0"/>
+              </a:rPr>
+            </a:br>
+            <a:r>
+              <a:rPr lang="en-US" sz="1400" dirty="0">
+                <a:latin typeface="Consolas" panose="020B0609020204030204" pitchFamily="49" charset="0"/>
+                <a:cs typeface="Consolas" panose="020B0609020204030204" pitchFamily="49" charset="0"/>
+              </a:rPr>
+              <a:t>code = </a:t>
+            </a:r>
+            <a:r>
+              <a:rPr lang="en-US" sz="1400" dirty="0">
+                <a:solidFill>
+                  <a:srgbClr val="6897BB"/>
+                </a:solidFill>
+                <a:latin typeface="Consolas" panose="020B0609020204030204" pitchFamily="49" charset="0"/>
+                <a:cs typeface="Consolas" panose="020B0609020204030204" pitchFamily="49" charset="0"/>
+              </a:rPr>
+              <a:t>10  </a:t>
+            </a:r>
+            <a:r>
+              <a:rPr lang="en-US" sz="1400" dirty="0">
+                <a:solidFill>
+                  <a:srgbClr val="808080"/>
+                </a:solidFill>
+                <a:latin typeface="Consolas" panose="020B0609020204030204" pitchFamily="49" charset="0"/>
+                <a:cs typeface="Consolas" panose="020B0609020204030204" pitchFamily="49" charset="0"/>
+              </a:rPr>
+              <a:t># whole number - called "int"</a:t>
+            </a:r>
+            <a:br>
+              <a:rPr lang="en-US" sz="1400" dirty="0">
+                <a:solidFill>
+                  <a:srgbClr val="808080"/>
+                </a:solidFill>
+                <a:latin typeface="Consolas" panose="020B0609020204030204" pitchFamily="49" charset="0"/>
+                <a:cs typeface="Consolas" panose="020B0609020204030204" pitchFamily="49" charset="0"/>
+              </a:rPr>
+            </a:br>
+            <a:r>
+              <a:rPr lang="en-US" sz="1400" dirty="0">
+                <a:latin typeface="Consolas" panose="020B0609020204030204" pitchFamily="49" charset="0"/>
+                <a:cs typeface="Consolas" panose="020B0609020204030204" pitchFamily="49" charset="0"/>
+              </a:rPr>
+              <a:t>formula = (code * </a:t>
+            </a:r>
+            <a:r>
+              <a:rPr lang="en-US" sz="1400" dirty="0">
+                <a:solidFill>
+                  <a:srgbClr val="6897BB"/>
+                </a:solidFill>
+                <a:latin typeface="Consolas" panose="020B0609020204030204" pitchFamily="49" charset="0"/>
+                <a:cs typeface="Consolas" panose="020B0609020204030204" pitchFamily="49" charset="0"/>
+              </a:rPr>
+              <a:t>3</a:t>
+            </a:r>
+            <a:r>
+              <a:rPr lang="en-US" sz="1400" dirty="0">
+                <a:latin typeface="Consolas" panose="020B0609020204030204" pitchFamily="49" charset="0"/>
+                <a:cs typeface="Consolas" panose="020B0609020204030204" pitchFamily="49" charset="0"/>
+              </a:rPr>
+              <a:t>/</a:t>
+            </a:r>
+            <a:r>
+              <a:rPr lang="en-US" sz="1400" dirty="0">
+                <a:solidFill>
+                  <a:srgbClr val="6897BB"/>
+                </a:solidFill>
+                <a:latin typeface="Consolas" panose="020B0609020204030204" pitchFamily="49" charset="0"/>
+                <a:cs typeface="Consolas" panose="020B0609020204030204" pitchFamily="49" charset="0"/>
+              </a:rPr>
+              <a:t>2</a:t>
+            </a:r>
+            <a:r>
+              <a:rPr lang="en-US" sz="1400" dirty="0">
+                <a:latin typeface="Consolas" panose="020B0609020204030204" pitchFamily="49" charset="0"/>
+                <a:cs typeface="Consolas" panose="020B0609020204030204" pitchFamily="49" charset="0"/>
+              </a:rPr>
+              <a:t>) – </a:t>
+            </a:r>
+            <a:r>
+              <a:rPr lang="en-US" sz="1400" dirty="0">
+                <a:solidFill>
+                  <a:srgbClr val="6897BB"/>
+                </a:solidFill>
+                <a:latin typeface="Consolas" panose="020B0609020204030204" pitchFamily="49" charset="0"/>
+                <a:cs typeface="Consolas" panose="020B0609020204030204" pitchFamily="49" charset="0"/>
+              </a:rPr>
+              <a:t>2.1 </a:t>
+            </a:r>
+            <a:r>
+              <a:rPr lang="en-US" sz="1400" dirty="0">
+                <a:solidFill>
+                  <a:srgbClr val="808080"/>
+                </a:solidFill>
+                <a:latin typeface="Consolas" panose="020B0609020204030204" pitchFamily="49" charset="0"/>
+                <a:cs typeface="Consolas" panose="020B0609020204030204" pitchFamily="49" charset="0"/>
+              </a:rPr>
+              <a:t># now a floating-point number</a:t>
+            </a:r>
+            <a:br>
+              <a:rPr lang="en-US" sz="1400" dirty="0">
+                <a:solidFill>
+                  <a:srgbClr val="808080"/>
+                </a:solidFill>
+                <a:latin typeface="Consolas" panose="020B0609020204030204" pitchFamily="49" charset="0"/>
+                <a:cs typeface="Consolas" panose="020B0609020204030204" pitchFamily="49" charset="0"/>
+              </a:rPr>
+            </a:br>
+            <a:r>
+              <a:rPr lang="en-US" sz="1400" dirty="0">
+                <a:solidFill>
+                  <a:srgbClr val="8888C6"/>
+                </a:solidFill>
+                <a:latin typeface="Consolas" panose="020B0609020204030204" pitchFamily="49" charset="0"/>
+                <a:cs typeface="Consolas" panose="020B0609020204030204" pitchFamily="49" charset="0"/>
+              </a:rPr>
+              <a:t>print</a:t>
+            </a:r>
+            <a:r>
+              <a:rPr lang="en-US" sz="1400" dirty="0">
+                <a:latin typeface="Consolas" panose="020B0609020204030204" pitchFamily="49" charset="0"/>
+                <a:cs typeface="Consolas" panose="020B0609020204030204" pitchFamily="49" charset="0"/>
+              </a:rPr>
+              <a:t>(</a:t>
+            </a:r>
+            <a:r>
+              <a:rPr lang="en-US" sz="1400" dirty="0">
+                <a:solidFill>
+                  <a:srgbClr val="6A8759"/>
+                </a:solidFill>
+                <a:latin typeface="Consolas" panose="020B0609020204030204" pitchFamily="49" charset="0"/>
+                <a:cs typeface="Consolas" panose="020B0609020204030204" pitchFamily="49" charset="0"/>
+              </a:rPr>
+              <a:t>"The code to the " </a:t>
+            </a:r>
+            <a:r>
+              <a:rPr lang="en-US" sz="1400" dirty="0">
+                <a:latin typeface="Consolas" panose="020B0609020204030204" pitchFamily="49" charset="0"/>
+                <a:cs typeface="Consolas" panose="020B0609020204030204" pitchFamily="49" charset="0"/>
+              </a:rPr>
+              <a:t>+ computer + </a:t>
+            </a:r>
+            <a:r>
+              <a:rPr lang="en-US" sz="1400" dirty="0">
+                <a:solidFill>
+                  <a:srgbClr val="6A8759"/>
+                </a:solidFill>
+                <a:latin typeface="Consolas" panose="020B0609020204030204" pitchFamily="49" charset="0"/>
+                <a:cs typeface="Consolas" panose="020B0609020204030204" pitchFamily="49" charset="0"/>
+              </a:rPr>
+              <a:t>" is "</a:t>
+            </a:r>
+            <a:r>
+              <a:rPr lang="en-US" sz="1400" dirty="0">
+                <a:solidFill>
+                  <a:srgbClr val="CC7832"/>
+                </a:solidFill>
+                <a:latin typeface="Consolas" panose="020B0609020204030204" pitchFamily="49" charset="0"/>
+                <a:cs typeface="Consolas" panose="020B0609020204030204" pitchFamily="49" charset="0"/>
+              </a:rPr>
+              <a:t>, </a:t>
+            </a:r>
+            <a:r>
+              <a:rPr lang="en-US" sz="1400" dirty="0">
+                <a:solidFill>
+                  <a:srgbClr val="AA4926"/>
+                </a:solidFill>
+                <a:latin typeface="Consolas" panose="020B0609020204030204" pitchFamily="49" charset="0"/>
+                <a:cs typeface="Consolas" panose="020B0609020204030204" pitchFamily="49" charset="0"/>
+              </a:rPr>
+              <a:t>end</a:t>
+            </a:r>
+            <a:r>
+              <a:rPr lang="en-US" sz="1400" dirty="0">
+                <a:latin typeface="Consolas" panose="020B0609020204030204" pitchFamily="49" charset="0"/>
+                <a:cs typeface="Consolas" panose="020B0609020204030204" pitchFamily="49" charset="0"/>
+              </a:rPr>
+              <a:t>=</a:t>
+            </a:r>
+            <a:r>
+              <a:rPr lang="en-US" sz="1400" dirty="0">
+                <a:solidFill>
+                  <a:srgbClr val="6A8759"/>
+                </a:solidFill>
+                <a:latin typeface="Consolas" panose="020B0609020204030204" pitchFamily="49" charset="0"/>
+                <a:cs typeface="Consolas" panose="020B0609020204030204" pitchFamily="49" charset="0"/>
+              </a:rPr>
+              <a:t>''</a:t>
+            </a:r>
+            <a:r>
+              <a:rPr lang="en-US" sz="1400" dirty="0">
+                <a:latin typeface="Consolas" panose="020B0609020204030204" pitchFamily="49" charset="0"/>
+                <a:cs typeface="Consolas" panose="020B0609020204030204" pitchFamily="49" charset="0"/>
+              </a:rPr>
+              <a:t>)</a:t>
+            </a:r>
+            <a:br>
+              <a:rPr lang="en-US" sz="1400" dirty="0">
+                <a:latin typeface="Consolas" panose="020B0609020204030204" pitchFamily="49" charset="0"/>
+                <a:cs typeface="Consolas" panose="020B0609020204030204" pitchFamily="49" charset="0"/>
+              </a:rPr>
+            </a:br>
+            <a:r>
+              <a:rPr lang="en-US" sz="1400" dirty="0">
+                <a:solidFill>
+                  <a:srgbClr val="8888C6"/>
+                </a:solidFill>
+                <a:latin typeface="Consolas" panose="020B0609020204030204" pitchFamily="49" charset="0"/>
+                <a:cs typeface="Consolas" panose="020B0609020204030204" pitchFamily="49" charset="0"/>
+              </a:rPr>
+              <a:t>print(int(</a:t>
+            </a:r>
+            <a:r>
+              <a:rPr lang="en-US" sz="1400" dirty="0">
+                <a:latin typeface="Consolas" panose="020B0609020204030204" pitchFamily="49" charset="0"/>
+                <a:cs typeface="Consolas" panose="020B0609020204030204" pitchFamily="49" charset="0"/>
+              </a:rPr>
+              <a:t>formula</a:t>
+            </a:r>
+            <a:r>
+              <a:rPr lang="en-US" sz="1400" dirty="0">
+                <a:solidFill>
+                  <a:srgbClr val="8888C6"/>
+                </a:solidFill>
+                <a:latin typeface="Consolas" panose="020B0609020204030204" pitchFamily="49" charset="0"/>
+                <a:cs typeface="Consolas" panose="020B0609020204030204" pitchFamily="49" charset="0"/>
+              </a:rPr>
+              <a:t>))</a:t>
+            </a:r>
+            <a:endParaRPr lang="en-US" sz="1400" dirty="0">
+              <a:latin typeface="Consolas" panose="020B0609020204030204" pitchFamily="49" charset="0"/>
+              <a:cs typeface="Consolas" panose="020B0609020204030204" pitchFamily="49" charset="0"/>
+            </a:endParaRPr>
+          </a:p>
+        </p:txBody>
+      </p:sp>
+      <p:sp>
+        <p:nvSpPr>
+          <p:cNvPr id="5" name="TextBox 4">
+            <a:extLst>
+              <a:ext uri="{FF2B5EF4-FFF2-40B4-BE49-F238E27FC236}">
+                <a16:creationId xmlns:a16="http://schemas.microsoft.com/office/drawing/2014/main" id="{051460E5-373C-0744-B91C-2C55CCD0B7D6}"/>
+              </a:ext>
+            </a:extLst>
+          </p:cNvPr>
+          <p:cNvSpPr txBox="1"/>
+          <p:nvPr/>
+        </p:nvSpPr>
+        <p:spPr>
+          <a:xfrm>
+            <a:off x="7763921" y="3015215"/>
+            <a:ext cx="4357283" cy="400110"/>
+          </a:xfrm>
+          <a:prstGeom prst="rect">
+            <a:avLst/>
+          </a:prstGeom>
+          <a:noFill/>
+        </p:spPr>
+        <p:txBody>
+          <a:bodyPr wrap="none" rtlCol="0">
+            <a:spAutoFit/>
+          </a:bodyPr>
+          <a:lstStyle/>
+          <a:p>
+            <a:r>
+              <a:rPr lang="en-US" dirty="0"/>
+              <a:t>The code to the Bomb Machine is 12</a:t>
+            </a:r>
+          </a:p>
+        </p:txBody>
+      </p:sp>
+      <p:sp>
+        <p:nvSpPr>
+          <p:cNvPr id="6" name="TextBox 5">
+            <a:extLst>
+              <a:ext uri="{FF2B5EF4-FFF2-40B4-BE49-F238E27FC236}">
+                <a16:creationId xmlns:a16="http://schemas.microsoft.com/office/drawing/2014/main" id="{E9D401AE-F42E-824E-ADDA-F8EFEF520777}"/>
+              </a:ext>
+            </a:extLst>
+          </p:cNvPr>
+          <p:cNvSpPr txBox="1"/>
+          <p:nvPr/>
+        </p:nvSpPr>
+        <p:spPr>
+          <a:xfrm>
+            <a:off x="9096016" y="3406241"/>
+            <a:ext cx="1693092" cy="400110"/>
+          </a:xfrm>
+          <a:prstGeom prst="rect">
+            <a:avLst/>
+          </a:prstGeom>
+          <a:noFill/>
+        </p:spPr>
+        <p:txBody>
+          <a:bodyPr wrap="none" rtlCol="0">
+            <a:spAutoFit/>
+          </a:bodyPr>
+          <a:lstStyle/>
+          <a:p>
+            <a:r>
+              <a:rPr lang="en-US" dirty="0"/>
+              <a:t>Notice: no .9!</a:t>
+            </a:r>
+          </a:p>
+        </p:txBody>
+      </p:sp>
+    </p:spTree>
+    <p:extLst>
+      <p:ext uri="{BB962C8B-B14F-4D97-AF65-F5344CB8AC3E}">
+        <p14:creationId xmlns:p14="http://schemas.microsoft.com/office/powerpoint/2010/main" val="1080862108"/>
+      </p:ext>
+    </p:extLst>
+  </p:cSld>
+  <p:clrMapOvr>
+    <a:masterClrMapping/>
+  </p:clrMapOvr>
+  <mc:AlternateContent xmlns:mc="http://schemas.openxmlformats.org/markup-compatibility/2006" xmlns:p14="http://schemas.microsoft.com/office/powerpoint/2010/main">
+    <mc:Choice Requires="p14">
+      <p:transition p14:dur="300">
+        <p:fade/>
+      </p:transition>
+    </mc:Choice>
+    <mc:Fallback xmlns="">
+      <p:transition>
+        <p:fade/>
+      </p:transition>
+    </mc:Fallback>
+  </mc:AlternateContent>
+</p:sld>
+</file>
+
+<file path=ppt/slides/slide13.xml><?xml version="1.0" encoding="utf-8"?>
+<p:sld xmlns:a="http://schemas.openxmlformats.org/drawingml/2006/main" xmlns:r="http://schemas.openxmlformats.org/officeDocument/2006/relationships" xmlns:p="http://schemas.openxmlformats.org/presentationml/2006/main">
+  <p:cSld>
+    <p:spTree>
+      <p:nvGrpSpPr>
+        <p:cNvPr id="1" name=""/>
+        <p:cNvGrpSpPr/>
+        <p:nvPr/>
+      </p:nvGrpSpPr>
+      <p:grpSpPr>
+        <a:xfrm>
+          <a:off x="0" y="0"/>
+          <a:ext cx="0" cy="0"/>
+          <a:chOff x="0" y="0"/>
+          <a:chExt cx="0" cy="0"/>
+        </a:xfrm>
+      </p:grpSpPr>
+      <p:sp>
+        <p:nvSpPr>
+          <p:cNvPr id="2" name="Title 1">
+            <a:extLst>
+              <a:ext uri="{FF2B5EF4-FFF2-40B4-BE49-F238E27FC236}">
                 <a16:creationId xmlns:a16="http://schemas.microsoft.com/office/drawing/2014/main" id="{F5D4C5F2-E384-C640-B3EE-E937DF5B0BE9}"/>
               </a:ext>
             </a:extLst>
@@ -10089,7 +10172,7 @@
 </p:sld>
 </file>
 
-<file path=ppt/slides/slide13.xml><?xml version="1.0" encoding="utf-8"?>
+<file path=ppt/slides/slide14.xml><?xml version="1.0" encoding="utf-8"?>
 <p:sld xmlns:a="http://schemas.openxmlformats.org/drawingml/2006/main" xmlns:r="http://schemas.openxmlformats.org/officeDocument/2006/relationships" xmlns:p="http://schemas.openxmlformats.org/presentationml/2006/main">
   <p:cSld>
     <p:spTree>
@@ -10539,7 +10622,7 @@
 </p:sld>
 </file>
 
-<file path=ppt/slides/slide14.xml><?xml version="1.0" encoding="utf-8"?>
+<file path=ppt/slides/slide15.xml><?xml version="1.0" encoding="utf-8"?>
 <p:sld xmlns:a="http://schemas.openxmlformats.org/drawingml/2006/main" xmlns:r="http://schemas.openxmlformats.org/officeDocument/2006/relationships" xmlns:p="http://schemas.openxmlformats.org/presentationml/2006/main">
   <p:cSld>
     <p:spTree>
@@ -11104,7 +11187,7 @@
 </p:sld>
 </file>
 
-<file path=ppt/slides/slide15.xml><?xml version="1.0" encoding="utf-8"?>
+<file path=ppt/slides/slide16.xml><?xml version="1.0" encoding="utf-8"?>
 <p:sld xmlns:a="http://schemas.openxmlformats.org/drawingml/2006/main" xmlns:r="http://schemas.openxmlformats.org/officeDocument/2006/relationships" xmlns:p="http://schemas.openxmlformats.org/presentationml/2006/main">
   <p:cSld>
     <p:spTree>
@@ -12180,7 +12263,7 @@
 </p:sld>
 </file>
 
-<file path=ppt/slides/slide16.xml><?xml version="1.0" encoding="utf-8"?>
+<file path=ppt/slides/slide17.xml><?xml version="1.0" encoding="utf-8"?>
 <p:sld xmlns:a="http://schemas.openxmlformats.org/drawingml/2006/main" xmlns:r="http://schemas.openxmlformats.org/officeDocument/2006/relationships" xmlns:p="http://schemas.openxmlformats.org/presentationml/2006/main">
   <p:cSld>
     <p:spTree>
@@ -12244,7 +12327,7 @@
         <p:spPr>
           <a:xfrm>
             <a:off x="628076" y="1920724"/>
-            <a:ext cx="7511214" cy="3204431"/>
+            <a:ext cx="7511214" cy="3930952"/>
           </a:xfrm>
         </p:spPr>
         <p:txBody>
@@ -12314,6 +12397,13 @@
             <a:r>
               <a:rPr lang="en-US" dirty="0"/>
               <a:t>returns the value, done with the  function</a:t>
+            </a:r>
+          </a:p>
+          <a:p>
+            <a:pPr lvl="1"/>
+            <a:r>
+              <a:rPr lang="en-US" dirty="0"/>
+              <a:t>Pure Functional - Most all functions should return something! </a:t>
             </a:r>
           </a:p>
         </p:txBody>
@@ -12765,6 +12855,47 @@
               <a:latin typeface="Consolas" panose="020B0609020204030204" pitchFamily="49" charset="0"/>
               <a:cs typeface="Consolas" panose="020B0609020204030204" pitchFamily="49" charset="0"/>
             </a:endParaRPr>
+          </a:p>
+        </p:txBody>
+      </p:sp>
+      <p:sp>
+        <p:nvSpPr>
+          <p:cNvPr id="5" name="TextBox 4">
+            <a:extLst>
+              <a:ext uri="{FF2B5EF4-FFF2-40B4-BE49-F238E27FC236}">
+                <a16:creationId xmlns:a16="http://schemas.microsoft.com/office/drawing/2014/main" id="{7159283C-F886-4C4D-8754-7449C47F8DF5}"/>
+              </a:ext>
+            </a:extLst>
+          </p:cNvPr>
+          <p:cNvSpPr txBox="1"/>
+          <p:nvPr/>
+        </p:nvSpPr>
+        <p:spPr>
+          <a:xfrm>
+            <a:off x="1782186" y="6201632"/>
+            <a:ext cx="10521342" cy="707886"/>
+          </a:xfrm>
+          <a:prstGeom prst="rect">
+            <a:avLst/>
+          </a:prstGeom>
+          <a:noFill/>
+        </p:spPr>
+        <p:txBody>
+          <a:bodyPr wrap="none" rtlCol="0">
+            <a:spAutoFit/>
+          </a:bodyPr>
+          <a:lstStyle/>
+          <a:p>
+            <a:r>
+              <a:rPr lang="en-US" dirty="0"/>
+              <a:t>Your turn – one person coding  - type the code above, and then figure out ways to modify it!</a:t>
+            </a:r>
+          </a:p>
+          <a:p>
+            <a:r>
+              <a:rPr lang="en-US" dirty="0"/>
+              <a:t>How do you test those changes?</a:t>
+            </a:r>
           </a:p>
         </p:txBody>
       </p:sp>
@@ -12781,10 +12912,96 @@
   <p:transition>
     <p:fade/>
   </p:transition>
+  <p:timing>
+    <p:tnLst>
+      <p:par>
+        <p:cTn id="1" dur="indefinite" restart="never" nodeType="tmRoot">
+          <p:childTnLst>
+            <p:seq concurrent="1" nextAc="seek">
+              <p:cTn id="2" dur="indefinite" nodeType="mainSeq">
+                <p:childTnLst>
+                  <p:par>
+                    <p:cTn id="3" fill="hold">
+                      <p:stCondLst>
+                        <p:cond delay="indefinite"/>
+                      </p:stCondLst>
+                      <p:childTnLst>
+                        <p:par>
+                          <p:cTn id="4" fill="hold">
+                            <p:stCondLst>
+                              <p:cond delay="0"/>
+                            </p:stCondLst>
+                            <p:childTnLst>
+                              <p:par>
+                                <p:cTn id="5" presetID="9" presetClass="entr" presetSubtype="0" fill="hold" grpId="0" nodeType="clickEffect">
+                                  <p:stCondLst>
+                                    <p:cond delay="0"/>
+                                  </p:stCondLst>
+                                  <p:childTnLst>
+                                    <p:set>
+                                      <p:cBhvr>
+                                        <p:cTn id="6" dur="1" fill="hold">
+                                          <p:stCondLst>
+                                            <p:cond delay="0"/>
+                                          </p:stCondLst>
+                                        </p:cTn>
+                                        <p:tgtEl>
+                                          <p:spTgt spid="5"/>
+                                        </p:tgtEl>
+                                        <p:attrNameLst>
+                                          <p:attrName>style.visibility</p:attrName>
+                                        </p:attrNameLst>
+                                      </p:cBhvr>
+                                      <p:to>
+                                        <p:strVal val="visible"/>
+                                      </p:to>
+                                    </p:set>
+                                    <p:animEffect transition="in" filter="dissolve">
+                                      <p:cBhvr>
+                                        <p:cTn id="7" dur="500"/>
+                                        <p:tgtEl>
+                                          <p:spTgt spid="5"/>
+                                        </p:tgtEl>
+                                      </p:cBhvr>
+                                    </p:animEffect>
+                                  </p:childTnLst>
+                                </p:cTn>
+                              </p:par>
+                            </p:childTnLst>
+                          </p:cTn>
+                        </p:par>
+                      </p:childTnLst>
+                    </p:cTn>
+                  </p:par>
+                </p:childTnLst>
+              </p:cTn>
+              <p:prevCondLst>
+                <p:cond evt="onPrev" delay="0">
+                  <p:tgtEl>
+                    <p:sldTgt/>
+                  </p:tgtEl>
+                </p:cond>
+              </p:prevCondLst>
+              <p:nextCondLst>
+                <p:cond evt="onNext" delay="0">
+                  <p:tgtEl>
+                    <p:sldTgt/>
+                  </p:tgtEl>
+                </p:cond>
+              </p:nextCondLst>
+            </p:seq>
+          </p:childTnLst>
+        </p:cTn>
+      </p:par>
+    </p:tnLst>
+    <p:bldLst>
+      <p:bldP spid="5" grpId="0"/>
+    </p:bldLst>
+  </p:timing>
 </p:sld>
 </file>
 
-<file path=ppt/slides/slide17.xml><?xml version="1.0" encoding="utf-8"?>
+<file path=ppt/slides/slide18.xml><?xml version="1.0" encoding="utf-8"?>
 <p:sld xmlns:a="http://schemas.openxmlformats.org/drawingml/2006/main" xmlns:r="http://schemas.openxmlformats.org/officeDocument/2006/relationships" xmlns:p="http://schemas.openxmlformats.org/presentationml/2006/main">
   <p:cSld>
     <p:spTree>
@@ -13129,7 +13346,7 @@
 </p:sld>
 </file>
 
-<file path=ppt/slides/slide18.xml><?xml version="1.0" encoding="utf-8"?>
+<file path=ppt/slides/slide19.xml><?xml version="1.0" encoding="utf-8"?>
 <p:sld xmlns:a="http://schemas.openxmlformats.org/drawingml/2006/main" xmlns:r="http://schemas.openxmlformats.org/officeDocument/2006/relationships" xmlns:p="http://schemas.openxmlformats.org/presentationml/2006/main" show="0">
   <p:cSld>
     <p:spTree>
@@ -13648,7 +13865,7 @@
           <p:cNvPr id="4" name="Title 3">
             <a:extLst>
               <a:ext uri="{FF2B5EF4-FFF2-40B4-BE49-F238E27FC236}">
-                <a16:creationId xmlns:a16="http://schemas.microsoft.com/office/drawing/2014/main" id="{4EB85848-D40E-C644-8BBD-356CFF5598D6}"/>
+                <a16:creationId xmlns:a16="http://schemas.microsoft.com/office/drawing/2014/main" id="{119AD8F2-D5DB-A84B-A5B3-F7935E3E6D1D}"/>
               </a:ext>
             </a:extLst>
           </p:cNvPr>
@@ -13666,7 +13883,7 @@
           <a:p>
             <a:r>
               <a:rPr lang="en-US" dirty="0"/>
-              <a:t>Announcements </a:t>
+              <a:t>Announcements</a:t>
             </a:r>
           </a:p>
         </p:txBody>
@@ -13676,7 +13893,7 @@
           <p:cNvPr id="5" name="Text Placeholder 4">
             <a:extLst>
               <a:ext uri="{FF2B5EF4-FFF2-40B4-BE49-F238E27FC236}">
-                <a16:creationId xmlns:a16="http://schemas.microsoft.com/office/drawing/2014/main" id="{B1D9880C-88AC-7A46-8641-365AB89673D4}"/>
+                <a16:creationId xmlns:a16="http://schemas.microsoft.com/office/drawing/2014/main" id="{1BBD0DB5-379A-304F-9307-E7B1A89B08F7}"/>
               </a:ext>
             </a:extLst>
           </p:cNvPr>
@@ -13684,13 +13901,13 @@
             <a:spLocks noGrp="1"/>
           </p:cNvSpPr>
           <p:nvPr>
-            <p:ph type="body" sz="quarter" idx="10"/>
+            <p:ph type="body" idx="1"/>
           </p:nvPr>
         </p:nvSpPr>
         <p:spPr>
           <a:xfrm>
-            <a:off x="628075" y="1776683"/>
-            <a:ext cx="12561453" cy="869725"/>
+            <a:off x="628075" y="2487882"/>
+            <a:ext cx="8395419" cy="2974590"/>
           </a:xfrm>
         </p:spPr>
         <p:txBody>
@@ -13699,7 +13916,7 @@
           <a:p>
             <a:r>
               <a:rPr lang="en-US" dirty="0"/>
-              <a:t>Open  your </a:t>
+              <a:t>Do you have your </a:t>
             </a:r>
             <a:r>
               <a:rPr lang="en-US" dirty="0" err="1"/>
@@ -13707,14 +13924,230 @@
             </a:r>
             <a:r>
               <a:rPr lang="en-US" dirty="0"/>
-              <a:t> Software/login </a:t>
+              <a:t> Cloud setup? </a:t>
             </a:r>
           </a:p>
           <a:p>
             <a:pPr lvl="1"/>
             <a:r>
               <a:rPr lang="en-US" dirty="0"/>
-              <a:t>Type in your seat location </a:t>
+              <a:t>Now is good time! </a:t>
+            </a:r>
+          </a:p>
+          <a:p>
+            <a:pPr lvl="1"/>
+            <a:endParaRPr lang="en-US" dirty="0"/>
+          </a:p>
+          <a:p>
+            <a:r>
+              <a:rPr lang="en-US" dirty="0"/>
+              <a:t>Reminder – readings are due </a:t>
+            </a:r>
+            <a:r>
+              <a:rPr lang="en-US" b="1" dirty="0"/>
+              <a:t>before</a:t>
+            </a:r>
+            <a:r>
+              <a:rPr lang="en-US" dirty="0"/>
+              <a:t> lecture</a:t>
+            </a:r>
+          </a:p>
+          <a:p>
+            <a:pPr lvl="1"/>
+            <a:r>
+              <a:rPr lang="en-US" dirty="0"/>
+              <a:t>You don’t have to do all of it - challenge problems can be challenging…</a:t>
+            </a:r>
+          </a:p>
+          <a:p>
+            <a:pPr lvl="1"/>
+            <a:r>
+              <a:rPr lang="en-US" dirty="0"/>
+              <a:t>You can return to them. </a:t>
+            </a:r>
+          </a:p>
+          <a:p>
+            <a:pPr lvl="1"/>
+            <a:r>
+              <a:rPr lang="en-US" dirty="0"/>
+              <a:t>We start off each lecture with a quiz from your reading! </a:t>
+            </a:r>
+          </a:p>
+        </p:txBody>
+      </p:sp>
+      <p:sp>
+        <p:nvSpPr>
+          <p:cNvPr id="6" name="TextBox 5">
+            <a:extLst>
+              <a:ext uri="{FF2B5EF4-FFF2-40B4-BE49-F238E27FC236}">
+                <a16:creationId xmlns:a16="http://schemas.microsoft.com/office/drawing/2014/main" id="{32A3B87A-BBC0-704B-AC99-3984206450D5}"/>
+              </a:ext>
+            </a:extLst>
+          </p:cNvPr>
+          <p:cNvSpPr txBox="1"/>
+          <p:nvPr/>
+        </p:nvSpPr>
+        <p:spPr>
+          <a:xfrm>
+            <a:off x="9654016" y="347157"/>
+            <a:ext cx="3892958" cy="1022459"/>
+          </a:xfrm>
+          <a:prstGeom prst="rect">
+            <a:avLst/>
+          </a:prstGeom>
+          <a:noFill/>
+        </p:spPr>
+        <p:txBody>
+          <a:bodyPr wrap="square" rtlCol="0">
+            <a:spAutoFit/>
+          </a:bodyPr>
+          <a:lstStyle/>
+          <a:p>
+            <a:r>
+              <a:rPr lang="en-US" sz="3022" dirty="0" err="1"/>
+              <a:t>Todo</a:t>
+            </a:r>
+            <a:r>
+              <a:rPr lang="en-US" sz="3022" dirty="0"/>
+              <a:t>:</a:t>
+            </a:r>
+          </a:p>
+          <a:p>
+            <a:r>
+              <a:rPr lang="en-US" sz="3022" dirty="0"/>
+              <a:t>Lab projects start!</a:t>
+            </a:r>
+          </a:p>
+        </p:txBody>
+      </p:sp>
+      <p:sp>
+        <p:nvSpPr>
+          <p:cNvPr id="7" name="TextBox 6">
+            <a:extLst>
+              <a:ext uri="{FF2B5EF4-FFF2-40B4-BE49-F238E27FC236}">
+                <a16:creationId xmlns:a16="http://schemas.microsoft.com/office/drawing/2014/main" id="{0AE4994E-F0C4-1A4D-A400-16F3B108C434}"/>
+              </a:ext>
+            </a:extLst>
+          </p:cNvPr>
+          <p:cNvSpPr txBox="1"/>
+          <p:nvPr/>
+        </p:nvSpPr>
+        <p:spPr>
+          <a:xfrm>
+            <a:off x="9654016" y="2169282"/>
+            <a:ext cx="4277448" cy="2882456"/>
+          </a:xfrm>
+          <a:prstGeom prst="rect">
+            <a:avLst/>
+          </a:prstGeom>
+          <a:noFill/>
+        </p:spPr>
+        <p:txBody>
+          <a:bodyPr wrap="square" rtlCol="0">
+            <a:spAutoFit/>
+          </a:bodyPr>
+          <a:lstStyle/>
+          <a:p>
+            <a:r>
+              <a:rPr lang="en-US" sz="3022" dirty="0"/>
+              <a:t>ACM  this Week</a:t>
+            </a:r>
+          </a:p>
+          <a:p>
+            <a:r>
+              <a:rPr lang="en-US" sz="1813" dirty="0"/>
+              <a:t>Success in CS Panel</a:t>
+            </a:r>
+          </a:p>
+          <a:p>
+            <a:r>
+              <a:rPr lang="en-US" sz="1813" dirty="0"/>
+              <a:t>Wednesday, 6:00 PM CSB 130</a:t>
+            </a:r>
+          </a:p>
+          <a:p>
+            <a:br>
+              <a:rPr lang="en-US" sz="3022" dirty="0"/>
+            </a:br>
+            <a:r>
+              <a:rPr lang="en-US" sz="3022" dirty="0"/>
+              <a:t>ACM-W this Week</a:t>
+            </a:r>
+          </a:p>
+          <a:p>
+            <a:r>
+              <a:rPr lang="en-US" sz="1813" dirty="0"/>
+              <a:t>Hike to </a:t>
+            </a:r>
+            <a:r>
+              <a:rPr lang="en-US" sz="1813" dirty="0" err="1"/>
+              <a:t>Horsetooth</a:t>
+            </a:r>
+            <a:r>
+              <a:rPr lang="en-US" sz="1813" dirty="0"/>
+              <a:t> Falls</a:t>
+            </a:r>
+          </a:p>
+          <a:p>
+            <a:r>
+              <a:rPr lang="en-US" sz="1813" dirty="0"/>
+              <a:t>Thursday, 5:30 PM </a:t>
+            </a:r>
+            <a:br>
+              <a:rPr lang="en-US" sz="1813" dirty="0"/>
+            </a:br>
+            <a:r>
+              <a:rPr lang="en-US" sz="1813" dirty="0"/>
+              <a:t>Meet outside CSB front of building</a:t>
+            </a:r>
+          </a:p>
+        </p:txBody>
+      </p:sp>
+      <p:sp>
+        <p:nvSpPr>
+          <p:cNvPr id="2" name="TextBox 1">
+            <a:extLst>
+              <a:ext uri="{FF2B5EF4-FFF2-40B4-BE49-F238E27FC236}">
+                <a16:creationId xmlns:a16="http://schemas.microsoft.com/office/drawing/2014/main" id="{92EEFA02-5996-374A-B048-76B916799C48}"/>
+              </a:ext>
+            </a:extLst>
+          </p:cNvPr>
+          <p:cNvSpPr txBox="1"/>
+          <p:nvPr/>
+        </p:nvSpPr>
+        <p:spPr>
+          <a:xfrm>
+            <a:off x="1682831" y="6183498"/>
+            <a:ext cx="10451900" cy="1015663"/>
+          </a:xfrm>
+          <a:prstGeom prst="rect">
+            <a:avLst/>
+          </a:prstGeom>
+          <a:solidFill>
+            <a:schemeClr val="accent2"/>
+          </a:solidFill>
+        </p:spPr>
+        <p:txBody>
+          <a:bodyPr wrap="none" rtlCol="0">
+            <a:spAutoFit/>
+          </a:bodyPr>
+          <a:lstStyle/>
+          <a:p>
+            <a:r>
+              <a:rPr lang="en-US" b="1" dirty="0"/>
+              <a:t>Opening Question (talk with others in your group *before* class starts)</a:t>
+            </a:r>
+          </a:p>
+          <a:p>
+            <a:r>
+              <a:rPr lang="en-US" dirty="0"/>
+              <a:t>Do you have a “code” you talk to your friends with that only they will know what you mean?</a:t>
+            </a:r>
+          </a:p>
+          <a:p>
+            <a:r>
+              <a:rPr lang="en-US" dirty="0"/>
+              <a:t>Also, do you speak other languages or want to?</a:t>
             </a:r>
           </a:p>
         </p:txBody>
@@ -13722,25 +14155,16 @@
     </p:spTree>
     <p:extLst>
       <p:ext uri="{BB962C8B-B14F-4D97-AF65-F5344CB8AC3E}">
-        <p14:creationId xmlns:p14="http://schemas.microsoft.com/office/powerpoint/2010/main" val="3989986971"/>
+        <p14:creationId xmlns:p14="http://schemas.microsoft.com/office/powerpoint/2010/main" val="2801241116"/>
       </p:ext>
     </p:extLst>
   </p:cSld>
   <p:clrMapOvr>
     <a:masterClrMapping/>
   </p:clrMapOvr>
-  <mc:AlternateContent xmlns:mc="http://schemas.openxmlformats.org/markup-compatibility/2006" xmlns:p14="http://schemas.microsoft.com/office/powerpoint/2010/main">
-    <mc:Choice Requires="p14">
-      <p:transition p14:dur="300">
-        <p:fade/>
-      </p:transition>
-    </mc:Choice>
-    <mc:Fallback xmlns="">
-      <p:transition>
-        <p:fade/>
-      </p:transition>
-    </mc:Fallback>
-  </mc:AlternateContent>
+  <p:transition>
+    <p:fade/>
+  </p:transition>
 </p:sld>
 </file>
 
@@ -13929,6 +14353,41 @@
               <a:cs typeface="Proxima Nova"/>
               <a:sym typeface="Proxima Nova"/>
             </a:endParaRPr>
+          </a:p>
+        </p:txBody>
+      </p:sp>
+      <p:sp>
+        <p:nvSpPr>
+          <p:cNvPr id="3" name="TextBox 2">
+            <a:extLst>
+              <a:ext uri="{FF2B5EF4-FFF2-40B4-BE49-F238E27FC236}">
+                <a16:creationId xmlns:a16="http://schemas.microsoft.com/office/drawing/2014/main" id="{58703E6B-3542-ED4F-81B6-CB3C70AFD29C}"/>
+              </a:ext>
+            </a:extLst>
+          </p:cNvPr>
+          <p:cNvSpPr txBox="1"/>
+          <p:nvPr/>
+        </p:nvSpPr>
+        <p:spPr>
+          <a:xfrm>
+            <a:off x="12084590" y="6908800"/>
+            <a:ext cx="1083951" cy="400110"/>
+          </a:xfrm>
+          <a:prstGeom prst="rect">
+            <a:avLst/>
+          </a:prstGeom>
+          <a:noFill/>
+        </p:spPr>
+        <p:txBody>
+          <a:bodyPr wrap="none" rtlCol="0">
+            <a:spAutoFit/>
+          </a:bodyPr>
+          <a:lstStyle/>
+          <a:p>
+            <a:r>
+              <a:rPr lang="en-US" dirty="0"/>
+              <a:t>Discuss</a:t>
+            </a:r>
           </a:p>
         </p:txBody>
       </p:sp>
@@ -14082,7 +14541,7 @@
               </a:buClr>
             </a:pPr>
             <a:r>
-              <a:rPr lang="en"/>
+              <a:rPr lang="en" dirty="0"/>
               <a:t>Imitation Game</a:t>
             </a:r>
             <a:endParaRPr dirty="0"/>
@@ -14094,7 +14553,7 @@
               </a:spcBef>
             </a:pPr>
             <a:r>
-              <a:rPr lang="en"/>
+              <a:rPr lang="en" dirty="0"/>
               <a:t>Easier than determining thinking</a:t>
             </a:r>
             <a:endParaRPr dirty="0"/>
@@ -14106,23 +14565,9 @@
               </a:spcBef>
             </a:pPr>
             <a:r>
-              <a:rPr lang="en"/>
+              <a:rPr lang="en" dirty="0"/>
               <a:t>Does not determine intelligence</a:t>
             </a:r>
-            <a:endParaRPr dirty="0"/>
-          </a:p>
-          <a:p>
-            <a:pPr marL="1381750" indent="0">
-              <a:buNone/>
-            </a:pPr>
-            <a:endParaRPr dirty="0"/>
-          </a:p>
-          <a:p>
-            <a:r>
-              <a:rPr lang="en"/>
-              <a:t>Thinking of modern computing</a:t>
-            </a:r>
-            <a:endParaRPr dirty="0"/>
           </a:p>
           <a:p>
             <a:pPr lvl="1">
@@ -14131,8 +14576,21 @@
               </a:spcBef>
             </a:pPr>
             <a:r>
-              <a:rPr lang="en"/>
-              <a:t>What is a good way to do this test?</a:t>
+              <a:rPr lang="en" dirty="0"/>
+              <a:t>Chinese Room Problem Critique</a:t>
+            </a:r>
+            <a:endParaRPr dirty="0"/>
+          </a:p>
+          <a:p>
+            <a:pPr marL="1381750" indent="0">
+              <a:buNone/>
+            </a:pPr>
+            <a:endParaRPr dirty="0"/>
+          </a:p>
+          <a:p>
+            <a:r>
+              <a:rPr lang="en" dirty="0"/>
+              <a:t>Thinking of modern computing</a:t>
             </a:r>
             <a:endParaRPr dirty="0"/>
           </a:p>
@@ -14143,7 +14601,19 @@
               </a:spcBef>
             </a:pPr>
             <a:r>
-              <a:rPr lang="en"/>
+              <a:rPr lang="en" dirty="0"/>
+              <a:t>What is a good way to do this test?</a:t>
+            </a:r>
+            <a:endParaRPr dirty="0"/>
+          </a:p>
+          <a:p>
+            <a:pPr lvl="1">
+              <a:spcBef>
+                <a:spcPts val="0"/>
+              </a:spcBef>
+            </a:pPr>
+            <a:r>
+              <a:rPr lang="en" dirty="0"/>
               <a:t>Hint: look at your phones</a:t>
             </a:r>
             <a:endParaRPr dirty="0"/>
@@ -14552,7 +15022,7 @@
 </file>
 
 <file path=ppt/slides/slide6.xml><?xml version="1.0" encoding="utf-8"?>
-<p:sld xmlns:a="http://schemas.openxmlformats.org/drawingml/2006/main" xmlns:r="http://schemas.openxmlformats.org/officeDocument/2006/relationships" xmlns:p="http://schemas.openxmlformats.org/presentationml/2006/main">
+<p:sld xmlns:a="http://schemas.openxmlformats.org/drawingml/2006/main" xmlns:r="http://schemas.openxmlformats.org/officeDocument/2006/relationships" xmlns:p="http://schemas.openxmlformats.org/presentationml/2006/main" show="0">
   <p:cSld>
     <p:spTree>
       <p:nvGrpSpPr>

--- a/Slides/On-Campus/02_01_turing_expressions_and_functions.pptx
+++ b/Slides/On-Campus/02_01_turing_expressions_and_functions.pptx
@@ -5,31 +5,34 @@
     <p:sldMasterId id="2147483648" r:id="rId1"/>
   </p:sldMasterIdLst>
   <p:notesMasterIdLst>
-    <p:notesMasterId r:id="rId21"/>
+    <p:notesMasterId r:id="rId24"/>
   </p:notesMasterIdLst>
   <p:handoutMasterIdLst>
-    <p:handoutMasterId r:id="rId22"/>
+    <p:handoutMasterId r:id="rId25"/>
   </p:handoutMasterIdLst>
   <p:sldIdLst>
     <p:sldId id="256" r:id="rId2"/>
     <p:sldId id="274" r:id="rId3"/>
-    <p:sldId id="267" r:id="rId4"/>
-    <p:sldId id="268" r:id="rId5"/>
-    <p:sldId id="269" r:id="rId6"/>
-    <p:sldId id="270" r:id="rId7"/>
-    <p:sldId id="271" r:id="rId8"/>
-    <p:sldId id="272" r:id="rId9"/>
-    <p:sldId id="273" r:id="rId10"/>
-    <p:sldId id="275" r:id="rId11"/>
-    <p:sldId id="257" r:id="rId12"/>
-    <p:sldId id="258" r:id="rId13"/>
-    <p:sldId id="259" r:id="rId14"/>
-    <p:sldId id="260" r:id="rId15"/>
-    <p:sldId id="262" r:id="rId16"/>
-    <p:sldId id="263" r:id="rId17"/>
-    <p:sldId id="264" r:id="rId18"/>
-    <p:sldId id="261" r:id="rId19"/>
-    <p:sldId id="265" r:id="rId20"/>
+    <p:sldId id="278" r:id="rId4"/>
+    <p:sldId id="267" r:id="rId5"/>
+    <p:sldId id="268" r:id="rId6"/>
+    <p:sldId id="269" r:id="rId7"/>
+    <p:sldId id="270" r:id="rId8"/>
+    <p:sldId id="271" r:id="rId9"/>
+    <p:sldId id="272" r:id="rId10"/>
+    <p:sldId id="273" r:id="rId11"/>
+    <p:sldId id="275" r:id="rId12"/>
+    <p:sldId id="276" r:id="rId13"/>
+    <p:sldId id="257" r:id="rId14"/>
+    <p:sldId id="258" r:id="rId15"/>
+    <p:sldId id="259" r:id="rId16"/>
+    <p:sldId id="260" r:id="rId17"/>
+    <p:sldId id="262" r:id="rId18"/>
+    <p:sldId id="263" r:id="rId19"/>
+    <p:sldId id="264" r:id="rId20"/>
+    <p:sldId id="277" r:id="rId21"/>
+    <p:sldId id="261" r:id="rId22"/>
+    <p:sldId id="265" r:id="rId23"/>
   </p:sldIdLst>
   <p:sldSz cx="13817600" cy="7772400"/>
   <p:notesSz cx="6858000" cy="9144000"/>
@@ -232,7 +235,7 @@
           <a:p>
             <a:fld id="{4D7E51A5-B478-1E40-8CBB-0DAA8831E99D}" type="datetimeFigureOut">
               <a:rPr lang="en-US" smtClean="0"/>
-              <a:t>8/29/21</a:t>
+              <a:t>8/31/21</a:t>
             </a:fld>
             <a:endParaRPr lang="en-US"/>
           </a:p>
@@ -397,7 +400,7 @@
           <a:p>
             <a:fld id="{D0ED587F-861E-6740-9643-E3DDAE89B8D6}" type="datetimeFigureOut">
               <a:rPr lang="en-US" smtClean="0"/>
-              <a:t>8/29/21</a:t>
+              <a:t>8/31/21</a:t>
             </a:fld>
             <a:endParaRPr lang="en-US"/>
           </a:p>
@@ -8259,6 +8262,347 @@
   <p:cSld>
     <p:spTree>
       <p:nvGrpSpPr>
+        <p:cNvPr id="1" name="Shape 239"/>
+        <p:cNvGrpSpPr/>
+        <p:nvPr/>
+      </p:nvGrpSpPr>
+      <p:grpSpPr>
+        <a:xfrm>
+          <a:off x="0" y="0"/>
+          <a:ext cx="0" cy="0"/>
+          <a:chOff x="0" y="0"/>
+          <a:chExt cx="0" cy="0"/>
+        </a:xfrm>
+      </p:grpSpPr>
+      <p:sp>
+        <p:nvSpPr>
+          <p:cNvPr id="240" name="Google Shape;240;p46"/>
+          <p:cNvSpPr txBox="1">
+            <a:spLocks noGrp="1"/>
+          </p:cNvSpPr>
+          <p:nvPr>
+            <p:ph type="title"/>
+          </p:nvPr>
+        </p:nvSpPr>
+        <p:spPr>
+          <a:xfrm>
+            <a:off x="628075" y="751389"/>
+            <a:ext cx="12561413" cy="1015467"/>
+          </a:xfrm>
+          <a:prstGeom prst="rect">
+            <a:avLst/>
+          </a:prstGeom>
+        </p:spPr>
+        <p:txBody>
+          <a:bodyPr spcFirstLastPara="1" vert="horz" wrap="square" lIns="91422" tIns="91422" rIns="91422" bIns="91422" rtlCol="0" anchor="b" anchorCtr="0">
+            <a:noAutofit/>
+          </a:bodyPr>
+          <a:lstStyle/>
+          <a:p>
+            <a:r>
+              <a:rPr lang="en"/>
+              <a:t>World War II - USA</a:t>
+            </a:r>
+            <a:endParaRPr dirty="0"/>
+          </a:p>
+        </p:txBody>
+      </p:sp>
+      <p:sp>
+        <p:nvSpPr>
+          <p:cNvPr id="241" name="Google Shape;241;p46"/>
+          <p:cNvSpPr txBox="1">
+            <a:spLocks noGrp="1"/>
+          </p:cNvSpPr>
+          <p:nvPr>
+            <p:ph type="body" idx="1"/>
+          </p:nvPr>
+        </p:nvSpPr>
+        <p:spPr>
+          <a:xfrm>
+            <a:off x="628075" y="1785011"/>
+            <a:ext cx="5372000" cy="5236000"/>
+          </a:xfrm>
+          <a:prstGeom prst="rect">
+            <a:avLst/>
+          </a:prstGeom>
+        </p:spPr>
+        <p:txBody>
+          <a:bodyPr spcFirstLastPara="1" vert="horz" wrap="square" lIns="91422" tIns="91422" rIns="91422" bIns="91422" rtlCol="0" anchor="t" anchorCtr="0">
+            <a:noAutofit/>
+          </a:bodyPr>
+          <a:lstStyle/>
+          <a:p>
+            <a:pPr>
+              <a:buClr>
+                <a:schemeClr val="dk1"/>
+              </a:buClr>
+              <a:buFont typeface="Arial"/>
+              <a:buAutoNum type="arabicPeriod"/>
+            </a:pPr>
+            <a:r>
+              <a:rPr lang="en" dirty="0"/>
+              <a:t>Electronic Numerical Integrator and Computer (ENIAC) </a:t>
+            </a:r>
+            <a:endParaRPr dirty="0"/>
+          </a:p>
+          <a:p>
+            <a:pPr>
+              <a:spcBef>
+                <a:spcPts val="0"/>
+              </a:spcBef>
+              <a:buAutoNum type="arabicPeriod"/>
+            </a:pPr>
+            <a:r>
+              <a:rPr lang="en" dirty="0"/>
+              <a:t>The ‘silent’ programmers</a:t>
+            </a:r>
+            <a:endParaRPr dirty="0"/>
+          </a:p>
+          <a:p>
+            <a:pPr lvl="1">
+              <a:spcBef>
+                <a:spcPts val="0"/>
+              </a:spcBef>
+              <a:buAutoNum type="alphaLcPeriod"/>
+            </a:pPr>
+            <a:r>
+              <a:rPr lang="en" dirty="0"/>
+              <a:t>Jean Jennings (Bartik)</a:t>
+            </a:r>
+            <a:endParaRPr dirty="0"/>
+          </a:p>
+          <a:p>
+            <a:pPr lvl="1">
+              <a:spcBef>
+                <a:spcPts val="0"/>
+              </a:spcBef>
+              <a:buAutoNum type="alphaLcPeriod"/>
+            </a:pPr>
+            <a:r>
+              <a:rPr lang="en" dirty="0"/>
+              <a:t>Betty Snyder (Holberton)</a:t>
+            </a:r>
+            <a:endParaRPr dirty="0"/>
+          </a:p>
+          <a:p>
+            <a:pPr lvl="1">
+              <a:spcBef>
+                <a:spcPts val="0"/>
+              </a:spcBef>
+              <a:buAutoNum type="alphaLcPeriod"/>
+            </a:pPr>
+            <a:r>
+              <a:rPr lang="en" dirty="0"/>
+              <a:t>Frances Bilas (Spence)</a:t>
+            </a:r>
+            <a:endParaRPr dirty="0"/>
+          </a:p>
+          <a:p>
+            <a:pPr lvl="1">
+              <a:spcBef>
+                <a:spcPts val="0"/>
+              </a:spcBef>
+              <a:buAutoNum type="alphaLcPeriod"/>
+            </a:pPr>
+            <a:r>
+              <a:rPr lang="en" dirty="0"/>
+              <a:t>Kay McNulty (Mauchly Antonelli)</a:t>
+            </a:r>
+            <a:endParaRPr dirty="0"/>
+          </a:p>
+          <a:p>
+            <a:pPr lvl="1">
+              <a:spcBef>
+                <a:spcPts val="0"/>
+              </a:spcBef>
+              <a:buAutoNum type="alphaLcPeriod"/>
+            </a:pPr>
+            <a:r>
+              <a:rPr lang="en" dirty="0"/>
+              <a:t>Marlyn Wescoff (Meltzer)</a:t>
+            </a:r>
+            <a:endParaRPr dirty="0"/>
+          </a:p>
+          <a:p>
+            <a:pPr lvl="1">
+              <a:spcBef>
+                <a:spcPts val="0"/>
+              </a:spcBef>
+              <a:buAutoNum type="alphaLcPeriod"/>
+            </a:pPr>
+            <a:r>
+              <a:rPr lang="en" dirty="0"/>
+              <a:t>Ruth Lichterman (Teitelbaum).</a:t>
+            </a:r>
+            <a:endParaRPr dirty="0"/>
+          </a:p>
+          <a:p>
+            <a:pPr>
+              <a:spcBef>
+                <a:spcPts val="0"/>
+              </a:spcBef>
+              <a:buAutoNum type="arabicPeriod"/>
+            </a:pPr>
+            <a:r>
+              <a:rPr lang="en" dirty="0"/>
+              <a:t>Was considered “unskilled” labor</a:t>
+            </a:r>
+            <a:endParaRPr dirty="0"/>
+          </a:p>
+          <a:p>
+            <a:pPr lvl="1">
+              <a:spcBef>
+                <a:spcPts val="0"/>
+              </a:spcBef>
+              <a:buAutoNum type="alphaLcPeriod"/>
+            </a:pPr>
+            <a:r>
+              <a:rPr lang="en" dirty="0"/>
+              <a:t>degrees in mathematics.</a:t>
+            </a:r>
+            <a:endParaRPr dirty="0"/>
+          </a:p>
+          <a:p>
+            <a:pPr>
+              <a:spcBef>
+                <a:spcPts val="0"/>
+              </a:spcBef>
+              <a:buAutoNum type="arabicPeriod"/>
+            </a:pPr>
+            <a:r>
+              <a:rPr lang="en" dirty="0"/>
+              <a:t>After the war?</a:t>
+            </a:r>
+            <a:endParaRPr dirty="0"/>
+          </a:p>
+          <a:p>
+            <a:pPr lvl="1">
+              <a:spcBef>
+                <a:spcPts val="0"/>
+              </a:spcBef>
+              <a:buAutoNum type="alphaLcPeriod"/>
+            </a:pPr>
+            <a:r>
+              <a:rPr lang="en" dirty="0"/>
+              <a:t>They continued on after, had more, but limited freedom.</a:t>
+            </a:r>
+            <a:endParaRPr dirty="0"/>
+          </a:p>
+          <a:p>
+            <a:pPr lvl="1">
+              <a:spcBef>
+                <a:spcPts val="0"/>
+              </a:spcBef>
+              <a:buAutoNum type="alphaLcPeriod"/>
+            </a:pPr>
+            <a:r>
+              <a:rPr lang="en" dirty="0"/>
+              <a:t>Defined the field</a:t>
+            </a:r>
+            <a:endParaRPr dirty="0"/>
+          </a:p>
+          <a:p>
+            <a:pPr lvl="1">
+              <a:spcBef>
+                <a:spcPts val="0"/>
+              </a:spcBef>
+              <a:buAutoNum type="alphaLcPeriod"/>
+            </a:pPr>
+            <a:r>
+              <a:rPr lang="en" dirty="0"/>
+              <a:t>Changed the world </a:t>
+            </a:r>
+            <a:endParaRPr dirty="0"/>
+          </a:p>
+        </p:txBody>
+      </p:sp>
+      <p:pic>
+        <p:nvPicPr>
+          <p:cNvPr id="242" name="Google Shape;242;p46">
+            <a:extLst>
+              <a:ext uri="{C183D7F6-B498-43B3-948B-1728B52AA6E4}">
+                <adec:decorative xmlns:adec="http://schemas.microsoft.com/office/drawing/2017/decorative" val="1"/>
+              </a:ext>
+            </a:extLst>
+          </p:cNvPr>
+          <p:cNvPicPr preferRelativeResize="0"/>
+          <p:nvPr/>
+        </p:nvPicPr>
+        <p:blipFill>
+          <a:blip r:embed="rId3">
+            <a:alphaModFix/>
+          </a:blip>
+          <a:stretch>
+            <a:fillRect/>
+          </a:stretch>
+        </p:blipFill>
+        <p:spPr>
+          <a:xfrm>
+            <a:off x="6211423" y="1658559"/>
+            <a:ext cx="7472029" cy="4926864"/>
+          </a:xfrm>
+          <a:prstGeom prst="rect">
+            <a:avLst/>
+          </a:prstGeom>
+          <a:noFill/>
+          <a:ln>
+            <a:noFill/>
+          </a:ln>
+        </p:spPr>
+      </p:pic>
+      <p:sp>
+        <p:nvSpPr>
+          <p:cNvPr id="243" name="Google Shape;243;p46"/>
+          <p:cNvSpPr txBox="1"/>
+          <p:nvPr/>
+        </p:nvSpPr>
+        <p:spPr>
+          <a:xfrm>
+            <a:off x="6764262" y="6650438"/>
+            <a:ext cx="6162613" cy="374000"/>
+          </a:xfrm>
+          <a:prstGeom prst="rect">
+            <a:avLst/>
+          </a:prstGeom>
+          <a:noFill/>
+          <a:ln>
+            <a:noFill/>
+          </a:ln>
+        </p:spPr>
+        <p:txBody>
+          <a:bodyPr spcFirstLastPara="1" wrap="square" lIns="138153" tIns="138153" rIns="138153" bIns="138153" anchor="t" anchorCtr="0">
+            <a:noAutofit/>
+          </a:bodyPr>
+          <a:lstStyle/>
+          <a:p>
+            <a:r>
+              <a:rPr lang="en" sz="907"/>
+              <a:t>Programmers Betty Jean Jennings (left) and Fran Bilas (right) operate ENIAC's main control panel</a:t>
+            </a:r>
+            <a:endParaRPr sz="907" dirty="0"/>
+          </a:p>
+          <a:p>
+            <a:r>
+              <a:rPr lang="en" sz="907"/>
+              <a:t>By United States Army (Image from http://ftp.arl.army.mil/~mike/comphist/) [Public domain], via Wikimedia Commons</a:t>
+            </a:r>
+            <a:endParaRPr sz="907" dirty="0"/>
+          </a:p>
+        </p:txBody>
+      </p:sp>
+    </p:spTree>
+  </p:cSld>
+  <p:clrMapOvr>
+    <a:masterClrMapping/>
+  </p:clrMapOvr>
+</p:sld>
+</file>
+
+<file path=ppt/slides/slide11.xml><?xml version="1.0" encoding="utf-8"?>
+<p:sld xmlns:a="http://schemas.openxmlformats.org/drawingml/2006/main" xmlns:r="http://schemas.openxmlformats.org/officeDocument/2006/relationships" xmlns:p="http://schemas.openxmlformats.org/presentationml/2006/main">
+  <p:cSld>
+    <p:spTree>
+      <p:nvGrpSpPr>
         <p:cNvPr id="1" name=""/>
         <p:cNvGrpSpPr/>
         <p:nvPr/>
@@ -8328,513 +8672,6 @@
     <p:extLst>
       <p:ext uri="{BB962C8B-B14F-4D97-AF65-F5344CB8AC3E}">
         <p14:creationId xmlns:p14="http://schemas.microsoft.com/office/powerpoint/2010/main" val="2755191711"/>
-      </p:ext>
-    </p:extLst>
-  </p:cSld>
-  <p:clrMapOvr>
-    <a:masterClrMapping/>
-  </p:clrMapOvr>
-  <mc:AlternateContent xmlns:mc="http://schemas.openxmlformats.org/markup-compatibility/2006" xmlns:p14="http://schemas.microsoft.com/office/powerpoint/2010/main">
-    <mc:Choice Requires="p14">
-      <p:transition p14:dur="300">
-        <p:fade/>
-      </p:transition>
-    </mc:Choice>
-    <mc:Fallback xmlns="">
-      <p:transition>
-        <p:fade/>
-      </p:transition>
-    </mc:Fallback>
-  </mc:AlternateContent>
-</p:sld>
-</file>
-
-<file path=ppt/slides/slide11.xml><?xml version="1.0" encoding="utf-8"?>
-<p:sld xmlns:a="http://schemas.openxmlformats.org/drawingml/2006/main" xmlns:r="http://schemas.openxmlformats.org/officeDocument/2006/relationships" xmlns:p="http://schemas.openxmlformats.org/presentationml/2006/main">
-  <p:cSld>
-    <p:spTree>
-      <p:nvGrpSpPr>
-        <p:cNvPr id="1" name=""/>
-        <p:cNvGrpSpPr/>
-        <p:nvPr/>
-      </p:nvGrpSpPr>
-      <p:grpSpPr>
-        <a:xfrm>
-          <a:off x="0" y="0"/>
-          <a:ext cx="0" cy="0"/>
-          <a:chOff x="0" y="0"/>
-          <a:chExt cx="0" cy="0"/>
-        </a:xfrm>
-      </p:grpSpPr>
-      <p:sp>
-        <p:nvSpPr>
-          <p:cNvPr id="4" name="Title 3">
-            <a:extLst>
-              <a:ext uri="{FF2B5EF4-FFF2-40B4-BE49-F238E27FC236}">
-                <a16:creationId xmlns:a16="http://schemas.microsoft.com/office/drawing/2014/main" id="{CC72A7FB-614B-CA42-8F8E-5BD6AD95791F}"/>
-              </a:ext>
-            </a:extLst>
-          </p:cNvPr>
-          <p:cNvSpPr>
-            <a:spLocks noGrp="1"/>
-          </p:cNvSpPr>
-          <p:nvPr>
-            <p:ph type="title"/>
-          </p:nvPr>
-        </p:nvSpPr>
-        <p:spPr/>
-        <p:txBody>
-          <a:bodyPr/>
-          <a:lstStyle/>
-          <a:p>
-            <a:r>
-              <a:rPr lang="en-US" dirty="0"/>
-              <a:t>Python</a:t>
-            </a:r>
-          </a:p>
-        </p:txBody>
-      </p:sp>
-      <p:sp>
-        <p:nvSpPr>
-          <p:cNvPr id="5" name="Text Placeholder 4">
-            <a:extLst>
-              <a:ext uri="{FF2B5EF4-FFF2-40B4-BE49-F238E27FC236}">
-                <a16:creationId xmlns:a16="http://schemas.microsoft.com/office/drawing/2014/main" id="{E1F6B818-3B65-9646-A3BE-7BBC984CABB7}"/>
-              </a:ext>
-            </a:extLst>
-          </p:cNvPr>
-          <p:cNvSpPr>
-            <a:spLocks noGrp="1"/>
-          </p:cNvSpPr>
-          <p:nvPr>
-            <p:ph type="body" sz="quarter" idx="10"/>
-          </p:nvPr>
-        </p:nvSpPr>
-        <p:spPr>
-          <a:xfrm>
-            <a:off x="628072" y="1463722"/>
-            <a:ext cx="6280725" cy="5295809"/>
-          </a:xfrm>
-        </p:spPr>
-        <p:txBody>
-          <a:bodyPr/>
-          <a:lstStyle/>
-          <a:p>
-            <a:r>
-              <a:rPr lang="en-US" dirty="0"/>
-              <a:t>Line by line</a:t>
-            </a:r>
-          </a:p>
-          <a:p>
-            <a:r>
-              <a:rPr lang="en-US" dirty="0"/>
-              <a:t>Each line is an instruction</a:t>
-            </a:r>
-          </a:p>
-          <a:p>
-            <a:r>
-              <a:rPr lang="en-US" dirty="0"/>
-              <a:t>Basic expressions</a:t>
-            </a:r>
-          </a:p>
-          <a:p>
-            <a:pPr lvl="1"/>
-            <a:r>
-              <a:rPr lang="en-US" dirty="0"/>
-              <a:t>Store values</a:t>
-            </a:r>
-          </a:p>
-          <a:p>
-            <a:pPr lvl="1"/>
-            <a:r>
-              <a:rPr lang="en-US" dirty="0"/>
-              <a:t>Perform arithmetic on values</a:t>
-            </a:r>
-          </a:p>
-          <a:p>
-            <a:pPr lvl="1"/>
-            <a:r>
-              <a:rPr lang="en-US" dirty="0"/>
-              <a:t>Call other functions on and using values</a:t>
-            </a:r>
-          </a:p>
-          <a:p>
-            <a:r>
-              <a:rPr lang="en-US" dirty="0"/>
-              <a:t>Basic Operations</a:t>
-            </a:r>
-          </a:p>
-          <a:p>
-            <a:pPr lvl="1"/>
-            <a:r>
-              <a:rPr lang="en-US" dirty="0"/>
-              <a:t>+ (add numbers  or concatenate  Strings)</a:t>
-            </a:r>
-          </a:p>
-          <a:p>
-            <a:pPr lvl="1"/>
-            <a:r>
-              <a:rPr lang="en-US" dirty="0"/>
-              <a:t>-  (subtract numbers)</a:t>
-            </a:r>
-          </a:p>
-          <a:p>
-            <a:pPr lvl="1"/>
-            <a:r>
-              <a:rPr lang="en-US" dirty="0"/>
-              <a:t>* (multiply numbers)</a:t>
-            </a:r>
-          </a:p>
-          <a:p>
-            <a:pPr lvl="1"/>
-            <a:r>
-              <a:rPr lang="en-US" dirty="0"/>
-              <a:t>/ (divide numbers) </a:t>
-            </a:r>
-          </a:p>
-          <a:p>
-            <a:pPr lvl="1"/>
-            <a:r>
-              <a:rPr lang="en-US" dirty="0"/>
-              <a:t>= (set value to a variable)</a:t>
-            </a:r>
-          </a:p>
-          <a:p>
-            <a:pPr lvl="1"/>
-            <a:r>
-              <a:rPr lang="en-US" dirty="0"/>
-              <a:t>We will cover **  and % more next unit</a:t>
-            </a:r>
-          </a:p>
-        </p:txBody>
-      </p:sp>
-      <p:sp>
-        <p:nvSpPr>
-          <p:cNvPr id="6" name="Rectangle 5">
-            <a:extLst>
-              <a:ext uri="{FF2B5EF4-FFF2-40B4-BE49-F238E27FC236}">
-                <a16:creationId xmlns:a16="http://schemas.microsoft.com/office/drawing/2014/main" id="{72C2B307-EEEC-9945-B2E6-2D1E3EBB5B22}"/>
-              </a:ext>
-            </a:extLst>
-          </p:cNvPr>
-          <p:cNvSpPr/>
-          <p:nvPr/>
-        </p:nvSpPr>
-        <p:spPr>
-          <a:xfrm>
-            <a:off x="6908797" y="1654693"/>
-            <a:ext cx="6551661" cy="1169551"/>
-          </a:xfrm>
-          <a:prstGeom prst="rect">
-            <a:avLst/>
-          </a:prstGeom>
-          <a:ln>
-            <a:solidFill>
-              <a:schemeClr val="tx2"/>
-            </a:solidFill>
-          </a:ln>
-        </p:spPr>
-        <p:txBody>
-          <a:bodyPr wrap="square">
-            <a:spAutoFit/>
-          </a:bodyPr>
-          <a:lstStyle/>
-          <a:p>
-            <a:r>
-              <a:rPr lang="en-US" sz="1400" dirty="0">
-                <a:latin typeface="Consolas" panose="020B0609020204030204" pitchFamily="49" charset="0"/>
-                <a:cs typeface="Consolas" panose="020B0609020204030204" pitchFamily="49" charset="0"/>
-              </a:rPr>
-              <a:t>computer = </a:t>
-            </a:r>
-            <a:r>
-              <a:rPr lang="en-US" sz="1400" dirty="0">
-                <a:solidFill>
-                  <a:srgbClr val="6A8759"/>
-                </a:solidFill>
-                <a:latin typeface="Consolas" panose="020B0609020204030204" pitchFamily="49" charset="0"/>
-                <a:cs typeface="Consolas" panose="020B0609020204030204" pitchFamily="49" charset="0"/>
-              </a:rPr>
-              <a:t>"Bombe Machine"  </a:t>
-            </a:r>
-            <a:r>
-              <a:rPr lang="en-US" sz="1400" dirty="0">
-                <a:solidFill>
-                  <a:srgbClr val="808080"/>
-                </a:solidFill>
-                <a:latin typeface="Consolas" panose="020B0609020204030204" pitchFamily="49" charset="0"/>
-                <a:cs typeface="Consolas" panose="020B0609020204030204" pitchFamily="49" charset="0"/>
-              </a:rPr>
-              <a:t># assignment of string to variable</a:t>
-            </a:r>
-            <a:br>
-              <a:rPr lang="en-US" sz="1400" dirty="0">
-                <a:solidFill>
-                  <a:srgbClr val="808080"/>
-                </a:solidFill>
-                <a:latin typeface="Consolas" panose="020B0609020204030204" pitchFamily="49" charset="0"/>
-                <a:cs typeface="Consolas" panose="020B0609020204030204" pitchFamily="49" charset="0"/>
-              </a:rPr>
-            </a:br>
-            <a:r>
-              <a:rPr lang="en-US" sz="1400" dirty="0">
-                <a:latin typeface="Consolas" panose="020B0609020204030204" pitchFamily="49" charset="0"/>
-                <a:cs typeface="Consolas" panose="020B0609020204030204" pitchFamily="49" charset="0"/>
-              </a:rPr>
-              <a:t>code = </a:t>
-            </a:r>
-            <a:r>
-              <a:rPr lang="en-US" sz="1400" dirty="0">
-                <a:solidFill>
-                  <a:srgbClr val="6897BB"/>
-                </a:solidFill>
-                <a:latin typeface="Consolas" panose="020B0609020204030204" pitchFamily="49" charset="0"/>
-                <a:cs typeface="Consolas" panose="020B0609020204030204" pitchFamily="49" charset="0"/>
-              </a:rPr>
-              <a:t>10  </a:t>
-            </a:r>
-            <a:r>
-              <a:rPr lang="en-US" sz="1400" dirty="0">
-                <a:solidFill>
-                  <a:srgbClr val="808080"/>
-                </a:solidFill>
-                <a:latin typeface="Consolas" panose="020B0609020204030204" pitchFamily="49" charset="0"/>
-                <a:cs typeface="Consolas" panose="020B0609020204030204" pitchFamily="49" charset="0"/>
-              </a:rPr>
-              <a:t># whole number - called "int"</a:t>
-            </a:r>
-            <a:br>
-              <a:rPr lang="en-US" sz="1400" dirty="0">
-                <a:solidFill>
-                  <a:srgbClr val="808080"/>
-                </a:solidFill>
-                <a:latin typeface="Consolas" panose="020B0609020204030204" pitchFamily="49" charset="0"/>
-                <a:cs typeface="Consolas" panose="020B0609020204030204" pitchFamily="49" charset="0"/>
-              </a:rPr>
-            </a:br>
-            <a:r>
-              <a:rPr lang="en-US" sz="1400" dirty="0">
-                <a:latin typeface="Consolas" panose="020B0609020204030204" pitchFamily="49" charset="0"/>
-                <a:cs typeface="Consolas" panose="020B0609020204030204" pitchFamily="49" charset="0"/>
-              </a:rPr>
-              <a:t>formula = (code * </a:t>
-            </a:r>
-            <a:r>
-              <a:rPr lang="en-US" sz="1400" dirty="0">
-                <a:solidFill>
-                  <a:srgbClr val="6897BB"/>
-                </a:solidFill>
-                <a:latin typeface="Consolas" panose="020B0609020204030204" pitchFamily="49" charset="0"/>
-                <a:cs typeface="Consolas" panose="020B0609020204030204" pitchFamily="49" charset="0"/>
-              </a:rPr>
-              <a:t>3</a:t>
-            </a:r>
-            <a:r>
-              <a:rPr lang="en-US" sz="1400" dirty="0">
-                <a:latin typeface="Consolas" panose="020B0609020204030204" pitchFamily="49" charset="0"/>
-                <a:cs typeface="Consolas" panose="020B0609020204030204" pitchFamily="49" charset="0"/>
-              </a:rPr>
-              <a:t>/</a:t>
-            </a:r>
-            <a:r>
-              <a:rPr lang="en-US" sz="1400" dirty="0">
-                <a:solidFill>
-                  <a:srgbClr val="6897BB"/>
-                </a:solidFill>
-                <a:latin typeface="Consolas" panose="020B0609020204030204" pitchFamily="49" charset="0"/>
-                <a:cs typeface="Consolas" panose="020B0609020204030204" pitchFamily="49" charset="0"/>
-              </a:rPr>
-              <a:t>2</a:t>
-            </a:r>
-            <a:r>
-              <a:rPr lang="en-US" sz="1400" dirty="0">
-                <a:latin typeface="Consolas" panose="020B0609020204030204" pitchFamily="49" charset="0"/>
-                <a:cs typeface="Consolas" panose="020B0609020204030204" pitchFamily="49" charset="0"/>
-              </a:rPr>
-              <a:t>) – </a:t>
-            </a:r>
-            <a:r>
-              <a:rPr lang="en-US" sz="1400" dirty="0">
-                <a:solidFill>
-                  <a:srgbClr val="6897BB"/>
-                </a:solidFill>
-                <a:latin typeface="Consolas" panose="020B0609020204030204" pitchFamily="49" charset="0"/>
-                <a:cs typeface="Consolas" panose="020B0609020204030204" pitchFamily="49" charset="0"/>
-              </a:rPr>
-              <a:t>2.1 </a:t>
-            </a:r>
-            <a:r>
-              <a:rPr lang="en-US" sz="1400" dirty="0">
-                <a:solidFill>
-                  <a:srgbClr val="808080"/>
-                </a:solidFill>
-                <a:latin typeface="Consolas" panose="020B0609020204030204" pitchFamily="49" charset="0"/>
-                <a:cs typeface="Consolas" panose="020B0609020204030204" pitchFamily="49" charset="0"/>
-              </a:rPr>
-              <a:t># now a floating point number</a:t>
-            </a:r>
-            <a:br>
-              <a:rPr lang="en-US" sz="1400" dirty="0">
-                <a:solidFill>
-                  <a:srgbClr val="808080"/>
-                </a:solidFill>
-                <a:latin typeface="Consolas" panose="020B0609020204030204" pitchFamily="49" charset="0"/>
-                <a:cs typeface="Consolas" panose="020B0609020204030204" pitchFamily="49" charset="0"/>
-              </a:rPr>
-            </a:br>
-            <a:r>
-              <a:rPr lang="en-US" sz="1400" dirty="0">
-                <a:solidFill>
-                  <a:srgbClr val="8888C6"/>
-                </a:solidFill>
-                <a:latin typeface="Consolas" panose="020B0609020204030204" pitchFamily="49" charset="0"/>
-                <a:cs typeface="Consolas" panose="020B0609020204030204" pitchFamily="49" charset="0"/>
-              </a:rPr>
-              <a:t>print</a:t>
-            </a:r>
-            <a:r>
-              <a:rPr lang="en-US" sz="1400" dirty="0">
-                <a:latin typeface="Consolas" panose="020B0609020204030204" pitchFamily="49" charset="0"/>
-                <a:cs typeface="Consolas" panose="020B0609020204030204" pitchFamily="49" charset="0"/>
-              </a:rPr>
-              <a:t>(</a:t>
-            </a:r>
-            <a:r>
-              <a:rPr lang="en-US" sz="1400" dirty="0">
-                <a:solidFill>
-                  <a:srgbClr val="6A8759"/>
-                </a:solidFill>
-                <a:latin typeface="Consolas" panose="020B0609020204030204" pitchFamily="49" charset="0"/>
-                <a:cs typeface="Consolas" panose="020B0609020204030204" pitchFamily="49" charset="0"/>
-              </a:rPr>
-              <a:t>"The code to the " </a:t>
-            </a:r>
-            <a:r>
-              <a:rPr lang="en-US" sz="1400" dirty="0">
-                <a:latin typeface="Consolas" panose="020B0609020204030204" pitchFamily="49" charset="0"/>
-                <a:cs typeface="Consolas" panose="020B0609020204030204" pitchFamily="49" charset="0"/>
-              </a:rPr>
-              <a:t>+ computer + </a:t>
-            </a:r>
-            <a:r>
-              <a:rPr lang="en-US" sz="1400" dirty="0">
-                <a:solidFill>
-                  <a:srgbClr val="6A8759"/>
-                </a:solidFill>
-                <a:latin typeface="Consolas" panose="020B0609020204030204" pitchFamily="49" charset="0"/>
-                <a:cs typeface="Consolas" panose="020B0609020204030204" pitchFamily="49" charset="0"/>
-              </a:rPr>
-              <a:t>" is "</a:t>
-            </a:r>
-            <a:r>
-              <a:rPr lang="en-US" sz="1400" dirty="0">
-                <a:solidFill>
-                  <a:srgbClr val="CC7832"/>
-                </a:solidFill>
-                <a:latin typeface="Consolas" panose="020B0609020204030204" pitchFamily="49" charset="0"/>
-                <a:cs typeface="Consolas" panose="020B0609020204030204" pitchFamily="49" charset="0"/>
-              </a:rPr>
-              <a:t>, </a:t>
-            </a:r>
-            <a:r>
-              <a:rPr lang="en-US" sz="1400" dirty="0">
-                <a:solidFill>
-                  <a:srgbClr val="AA4926"/>
-                </a:solidFill>
-                <a:latin typeface="Consolas" panose="020B0609020204030204" pitchFamily="49" charset="0"/>
-                <a:cs typeface="Consolas" panose="020B0609020204030204" pitchFamily="49" charset="0"/>
-              </a:rPr>
-              <a:t>end</a:t>
-            </a:r>
-            <a:r>
-              <a:rPr lang="en-US" sz="1400" dirty="0">
-                <a:latin typeface="Consolas" panose="020B0609020204030204" pitchFamily="49" charset="0"/>
-                <a:cs typeface="Consolas" panose="020B0609020204030204" pitchFamily="49" charset="0"/>
-              </a:rPr>
-              <a:t>=</a:t>
-            </a:r>
-            <a:r>
-              <a:rPr lang="en-US" sz="1400" dirty="0">
-                <a:solidFill>
-                  <a:srgbClr val="6A8759"/>
-                </a:solidFill>
-                <a:latin typeface="Consolas" panose="020B0609020204030204" pitchFamily="49" charset="0"/>
-                <a:cs typeface="Consolas" panose="020B0609020204030204" pitchFamily="49" charset="0"/>
-              </a:rPr>
-              <a:t>''</a:t>
-            </a:r>
-            <a:r>
-              <a:rPr lang="en-US" sz="1400" dirty="0">
-                <a:latin typeface="Consolas" panose="020B0609020204030204" pitchFamily="49" charset="0"/>
-                <a:cs typeface="Consolas" panose="020B0609020204030204" pitchFamily="49" charset="0"/>
-              </a:rPr>
-              <a:t>)</a:t>
-            </a:r>
-            <a:br>
-              <a:rPr lang="en-US" sz="1400" dirty="0">
-                <a:latin typeface="Consolas" panose="020B0609020204030204" pitchFamily="49" charset="0"/>
-                <a:cs typeface="Consolas" panose="020B0609020204030204" pitchFamily="49" charset="0"/>
-              </a:rPr>
-            </a:br>
-            <a:r>
-              <a:rPr lang="en-US" sz="1400" dirty="0">
-                <a:solidFill>
-                  <a:srgbClr val="8888C6"/>
-                </a:solidFill>
-                <a:latin typeface="Consolas" panose="020B0609020204030204" pitchFamily="49" charset="0"/>
-                <a:cs typeface="Consolas" panose="020B0609020204030204" pitchFamily="49" charset="0"/>
-              </a:rPr>
-              <a:t>print</a:t>
-            </a:r>
-            <a:r>
-              <a:rPr lang="en-US" sz="1400" dirty="0">
-                <a:latin typeface="Consolas" panose="020B0609020204030204" pitchFamily="49" charset="0"/>
-                <a:cs typeface="Consolas" panose="020B0609020204030204" pitchFamily="49" charset="0"/>
-              </a:rPr>
-              <a:t>(formula)</a:t>
-            </a:r>
-          </a:p>
-        </p:txBody>
-      </p:sp>
-      <p:sp>
-        <p:nvSpPr>
-          <p:cNvPr id="7" name="TextBox 6">
-            <a:extLst>
-              <a:ext uri="{FF2B5EF4-FFF2-40B4-BE49-F238E27FC236}">
-                <a16:creationId xmlns:a16="http://schemas.microsoft.com/office/drawing/2014/main" id="{B4246FDE-3EB0-834C-A6DA-BED73A68982E}"/>
-              </a:ext>
-            </a:extLst>
-          </p:cNvPr>
-          <p:cNvSpPr txBox="1"/>
-          <p:nvPr/>
-        </p:nvSpPr>
-        <p:spPr>
-          <a:xfrm>
-            <a:off x="7763921" y="3015215"/>
-            <a:ext cx="4570482" cy="400110"/>
-          </a:xfrm>
-          <a:prstGeom prst="rect">
-            <a:avLst/>
-          </a:prstGeom>
-          <a:noFill/>
-        </p:spPr>
-        <p:txBody>
-          <a:bodyPr wrap="none" rtlCol="0">
-            <a:spAutoFit/>
-          </a:bodyPr>
-          <a:lstStyle/>
-          <a:p>
-            <a:r>
-              <a:rPr lang="en-US" dirty="0"/>
-              <a:t>The code to the Bomb Machine is 12.9</a:t>
-            </a:r>
-          </a:p>
-        </p:txBody>
-      </p:sp>
-    </p:spTree>
-    <p:extLst>
-      <p:ext uri="{BB962C8B-B14F-4D97-AF65-F5344CB8AC3E}">
-        <p14:creationId xmlns:p14="http://schemas.microsoft.com/office/powerpoint/2010/main" val="3675223695"/>
       </p:ext>
     </p:extLst>
   </p:cSld>
@@ -8875,10 +8712,10 @@
       </p:grpSpPr>
       <p:sp>
         <p:nvSpPr>
-          <p:cNvPr id="2" name="Title 1">
+          <p:cNvPr id="4" name="Title 3">
             <a:extLst>
               <a:ext uri="{FF2B5EF4-FFF2-40B4-BE49-F238E27FC236}">
-                <a16:creationId xmlns:a16="http://schemas.microsoft.com/office/drawing/2014/main" id="{3BA0DA21-C744-354A-BD95-1A2EE5CE35C0}"/>
+                <a16:creationId xmlns:a16="http://schemas.microsoft.com/office/drawing/2014/main" id="{864A19BD-E98E-7341-8C91-B7E9D9E8DE28}"/>
               </a:ext>
             </a:extLst>
           </p:cNvPr>
@@ -8896,17 +8733,25 @@
           <a:p>
             <a:r>
               <a:rPr lang="en-US" dirty="0"/>
-              <a:t>Types in Python</a:t>
+              <a:t>Reading Review! (</a:t>
+            </a:r>
+            <a:r>
+              <a:rPr lang="en-US" dirty="0" err="1"/>
+              <a:t>iClickers</a:t>
+            </a:r>
+            <a:r>
+              <a:rPr lang="en-US" dirty="0"/>
+              <a:t> Ready?)</a:t>
             </a:r>
           </a:p>
         </p:txBody>
       </p:sp>
       <p:sp>
         <p:nvSpPr>
-          <p:cNvPr id="3" name="Text Placeholder 2">
+          <p:cNvPr id="5" name="Text Placeholder 4">
             <a:extLst>
               <a:ext uri="{FF2B5EF4-FFF2-40B4-BE49-F238E27FC236}">
-                <a16:creationId xmlns:a16="http://schemas.microsoft.com/office/drawing/2014/main" id="{084C065B-9047-CE46-83FD-A71EE5F3167F}"/>
+                <a16:creationId xmlns:a16="http://schemas.microsoft.com/office/drawing/2014/main" id="{044EF5E7-9ABD-D143-A320-C23896ABF975}"/>
               </a:ext>
             </a:extLst>
           </p:cNvPr>
@@ -8919,8 +8764,8 @@
         </p:nvSpPr>
         <p:spPr>
           <a:xfrm>
-            <a:off x="628075" y="1776682"/>
-            <a:ext cx="6280725" cy="4547079"/>
+            <a:off x="8216537" y="1776683"/>
+            <a:ext cx="4972991" cy="2118722"/>
           </a:xfrm>
         </p:spPr>
         <p:txBody>
@@ -8929,389 +8774,29 @@
           <a:p>
             <a:r>
               <a:rPr lang="en-US" dirty="0"/>
-              <a:t>Python using ”implicit”/weak typing</a:t>
-            </a:r>
-          </a:p>
-          <a:p>
-            <a:pPr lvl="1"/>
+              <a:t>Given the output – what is the value for person?</a:t>
+            </a:r>
+          </a:p>
+          <a:p>
             <a:r>
               <a:rPr lang="en-US" dirty="0"/>
-              <a:t>figures out types for you! </a:t>
-            </a:r>
-          </a:p>
-          <a:p>
-            <a:pPr lvl="1"/>
+              <a:t>Given the output – what is the value for adj?</a:t>
+            </a:r>
+          </a:p>
+          <a:p>
             <a:r>
               <a:rPr lang="en-US" dirty="0"/>
-              <a:t>Unlike Explicit/Strongly Typed Languages (java) </a:t>
-            </a:r>
-          </a:p>
-          <a:p>
-            <a:r>
-              <a:rPr lang="en-US" dirty="0"/>
-              <a:t>Somethings  you  want  to specify type</a:t>
-            </a:r>
-          </a:p>
-          <a:p>
-            <a:pPr lvl="1"/>
-            <a:r>
-              <a:rPr lang="en-US" dirty="0"/>
-              <a:t>int  - whole numbers only</a:t>
-            </a:r>
-          </a:p>
-          <a:p>
-            <a:pPr lvl="1"/>
-            <a:r>
-              <a:rPr lang="en-US" dirty="0"/>
-              <a:t>float – floating point/decimal numbers</a:t>
-            </a:r>
-          </a:p>
-          <a:p>
-            <a:pPr lvl="1"/>
-            <a:r>
-              <a:rPr lang="en-US" dirty="0"/>
-              <a:t>str – strings (more later)</a:t>
-            </a:r>
-          </a:p>
-          <a:p>
-            <a:r>
-              <a:rPr lang="en-US" dirty="0"/>
-              <a:t>Most useful on getting client  input</a:t>
-            </a:r>
-          </a:p>
-          <a:p>
-            <a:pPr lvl="1"/>
-            <a:r>
-              <a:rPr lang="en-US" dirty="0">
-                <a:latin typeface="Consolas" panose="020B0609020204030204" pitchFamily="49" charset="0"/>
-                <a:cs typeface="Consolas" panose="020B0609020204030204" pitchFamily="49" charset="0"/>
-              </a:rPr>
-              <a:t>answer = int(input(“get the answer”))</a:t>
-            </a:r>
-          </a:p>
-          <a:p>
-            <a:pPr lvl="1"/>
-            <a:r>
-              <a:rPr lang="en-US" dirty="0"/>
-              <a:t>This code is also dangerous! </a:t>
-            </a:r>
-          </a:p>
-          <a:p>
-            <a:r>
-              <a:rPr lang="en-US" dirty="0"/>
-              <a:t>Last Example Again</a:t>
+              <a:t>If I pass in 10.0, is the output correct?</a:t>
             </a:r>
           </a:p>
         </p:txBody>
       </p:sp>
       <p:sp>
         <p:nvSpPr>
-          <p:cNvPr id="4" name="Rectangle 3">
+          <p:cNvPr id="7" name="TextBox 6">
             <a:extLst>
               <a:ext uri="{FF2B5EF4-FFF2-40B4-BE49-F238E27FC236}">
-                <a16:creationId xmlns:a16="http://schemas.microsoft.com/office/drawing/2014/main" id="{ACA70A7C-E8F6-4344-A46C-482BD4DF24D1}"/>
-              </a:ext>
-            </a:extLst>
-          </p:cNvPr>
-          <p:cNvSpPr/>
-          <p:nvPr/>
-        </p:nvSpPr>
-        <p:spPr>
-          <a:xfrm>
-            <a:off x="6987823" y="1654693"/>
-            <a:ext cx="6472636" cy="1169551"/>
-          </a:xfrm>
-          <a:prstGeom prst="rect">
-            <a:avLst/>
-          </a:prstGeom>
-          <a:ln>
-            <a:solidFill>
-              <a:schemeClr val="tx2"/>
-            </a:solidFill>
-          </a:ln>
-        </p:spPr>
-        <p:txBody>
-          <a:bodyPr wrap="square">
-            <a:spAutoFit/>
-          </a:bodyPr>
-          <a:lstStyle/>
-          <a:p>
-            <a:r>
-              <a:rPr lang="en-US" sz="1400" dirty="0">
-                <a:latin typeface="Consolas" panose="020B0609020204030204" pitchFamily="49" charset="0"/>
-                <a:cs typeface="Consolas" panose="020B0609020204030204" pitchFamily="49" charset="0"/>
-              </a:rPr>
-              <a:t>computer = </a:t>
-            </a:r>
-            <a:r>
-              <a:rPr lang="en-US" sz="1400" dirty="0">
-                <a:solidFill>
-                  <a:srgbClr val="6A8759"/>
-                </a:solidFill>
-                <a:latin typeface="Consolas" panose="020B0609020204030204" pitchFamily="49" charset="0"/>
-                <a:cs typeface="Consolas" panose="020B0609020204030204" pitchFamily="49" charset="0"/>
-              </a:rPr>
-              <a:t>"Bombe Machine"  </a:t>
-            </a:r>
-            <a:r>
-              <a:rPr lang="en-US" sz="1400" dirty="0">
-                <a:solidFill>
-                  <a:srgbClr val="808080"/>
-                </a:solidFill>
-                <a:latin typeface="Consolas" panose="020B0609020204030204" pitchFamily="49" charset="0"/>
-                <a:cs typeface="Consolas" panose="020B0609020204030204" pitchFamily="49" charset="0"/>
-              </a:rPr>
-              <a:t># assignment of string to variable</a:t>
-            </a:r>
-            <a:br>
-              <a:rPr lang="en-US" sz="1400" dirty="0">
-                <a:solidFill>
-                  <a:srgbClr val="808080"/>
-                </a:solidFill>
-                <a:latin typeface="Consolas" panose="020B0609020204030204" pitchFamily="49" charset="0"/>
-                <a:cs typeface="Consolas" panose="020B0609020204030204" pitchFamily="49" charset="0"/>
-              </a:rPr>
-            </a:br>
-            <a:r>
-              <a:rPr lang="en-US" sz="1400" dirty="0">
-                <a:latin typeface="Consolas" panose="020B0609020204030204" pitchFamily="49" charset="0"/>
-                <a:cs typeface="Consolas" panose="020B0609020204030204" pitchFamily="49" charset="0"/>
-              </a:rPr>
-              <a:t>code = </a:t>
-            </a:r>
-            <a:r>
-              <a:rPr lang="en-US" sz="1400" dirty="0">
-                <a:solidFill>
-                  <a:srgbClr val="6897BB"/>
-                </a:solidFill>
-                <a:latin typeface="Consolas" panose="020B0609020204030204" pitchFamily="49" charset="0"/>
-                <a:cs typeface="Consolas" panose="020B0609020204030204" pitchFamily="49" charset="0"/>
-              </a:rPr>
-              <a:t>10  </a:t>
-            </a:r>
-            <a:r>
-              <a:rPr lang="en-US" sz="1400" dirty="0">
-                <a:solidFill>
-                  <a:srgbClr val="808080"/>
-                </a:solidFill>
-                <a:latin typeface="Consolas" panose="020B0609020204030204" pitchFamily="49" charset="0"/>
-                <a:cs typeface="Consolas" panose="020B0609020204030204" pitchFamily="49" charset="0"/>
-              </a:rPr>
-              <a:t># whole number - called "int"</a:t>
-            </a:r>
-            <a:br>
-              <a:rPr lang="en-US" sz="1400" dirty="0">
-                <a:solidFill>
-                  <a:srgbClr val="808080"/>
-                </a:solidFill>
-                <a:latin typeface="Consolas" panose="020B0609020204030204" pitchFamily="49" charset="0"/>
-                <a:cs typeface="Consolas" panose="020B0609020204030204" pitchFamily="49" charset="0"/>
-              </a:rPr>
-            </a:br>
-            <a:r>
-              <a:rPr lang="en-US" sz="1400" dirty="0">
-                <a:latin typeface="Consolas" panose="020B0609020204030204" pitchFamily="49" charset="0"/>
-                <a:cs typeface="Consolas" panose="020B0609020204030204" pitchFamily="49" charset="0"/>
-              </a:rPr>
-              <a:t>formula = (code * </a:t>
-            </a:r>
-            <a:r>
-              <a:rPr lang="en-US" sz="1400" dirty="0">
-                <a:solidFill>
-                  <a:srgbClr val="6897BB"/>
-                </a:solidFill>
-                <a:latin typeface="Consolas" panose="020B0609020204030204" pitchFamily="49" charset="0"/>
-                <a:cs typeface="Consolas" panose="020B0609020204030204" pitchFamily="49" charset="0"/>
-              </a:rPr>
-              <a:t>3</a:t>
-            </a:r>
-            <a:r>
-              <a:rPr lang="en-US" sz="1400" dirty="0">
-                <a:latin typeface="Consolas" panose="020B0609020204030204" pitchFamily="49" charset="0"/>
-                <a:cs typeface="Consolas" panose="020B0609020204030204" pitchFamily="49" charset="0"/>
-              </a:rPr>
-              <a:t>/</a:t>
-            </a:r>
-            <a:r>
-              <a:rPr lang="en-US" sz="1400" dirty="0">
-                <a:solidFill>
-                  <a:srgbClr val="6897BB"/>
-                </a:solidFill>
-                <a:latin typeface="Consolas" panose="020B0609020204030204" pitchFamily="49" charset="0"/>
-                <a:cs typeface="Consolas" panose="020B0609020204030204" pitchFamily="49" charset="0"/>
-              </a:rPr>
-              <a:t>2</a:t>
-            </a:r>
-            <a:r>
-              <a:rPr lang="en-US" sz="1400" dirty="0">
-                <a:latin typeface="Consolas" panose="020B0609020204030204" pitchFamily="49" charset="0"/>
-                <a:cs typeface="Consolas" panose="020B0609020204030204" pitchFamily="49" charset="0"/>
-              </a:rPr>
-              <a:t>) – </a:t>
-            </a:r>
-            <a:r>
-              <a:rPr lang="en-US" sz="1400" dirty="0">
-                <a:solidFill>
-                  <a:srgbClr val="6897BB"/>
-                </a:solidFill>
-                <a:latin typeface="Consolas" panose="020B0609020204030204" pitchFamily="49" charset="0"/>
-                <a:cs typeface="Consolas" panose="020B0609020204030204" pitchFamily="49" charset="0"/>
-              </a:rPr>
-              <a:t>2.1 </a:t>
-            </a:r>
-            <a:r>
-              <a:rPr lang="en-US" sz="1400" dirty="0">
-                <a:solidFill>
-                  <a:srgbClr val="808080"/>
-                </a:solidFill>
-                <a:latin typeface="Consolas" panose="020B0609020204030204" pitchFamily="49" charset="0"/>
-                <a:cs typeface="Consolas" panose="020B0609020204030204" pitchFamily="49" charset="0"/>
-              </a:rPr>
-              <a:t># now a floating-point number</a:t>
-            </a:r>
-            <a:br>
-              <a:rPr lang="en-US" sz="1400" dirty="0">
-                <a:solidFill>
-                  <a:srgbClr val="808080"/>
-                </a:solidFill>
-                <a:latin typeface="Consolas" panose="020B0609020204030204" pitchFamily="49" charset="0"/>
-                <a:cs typeface="Consolas" panose="020B0609020204030204" pitchFamily="49" charset="0"/>
-              </a:rPr>
-            </a:br>
-            <a:r>
-              <a:rPr lang="en-US" sz="1400" dirty="0">
-                <a:solidFill>
-                  <a:srgbClr val="8888C6"/>
-                </a:solidFill>
-                <a:latin typeface="Consolas" panose="020B0609020204030204" pitchFamily="49" charset="0"/>
-                <a:cs typeface="Consolas" panose="020B0609020204030204" pitchFamily="49" charset="0"/>
-              </a:rPr>
-              <a:t>print</a:t>
-            </a:r>
-            <a:r>
-              <a:rPr lang="en-US" sz="1400" dirty="0">
-                <a:latin typeface="Consolas" panose="020B0609020204030204" pitchFamily="49" charset="0"/>
-                <a:cs typeface="Consolas" panose="020B0609020204030204" pitchFamily="49" charset="0"/>
-              </a:rPr>
-              <a:t>(</a:t>
-            </a:r>
-            <a:r>
-              <a:rPr lang="en-US" sz="1400" dirty="0">
-                <a:solidFill>
-                  <a:srgbClr val="6A8759"/>
-                </a:solidFill>
-                <a:latin typeface="Consolas" panose="020B0609020204030204" pitchFamily="49" charset="0"/>
-                <a:cs typeface="Consolas" panose="020B0609020204030204" pitchFamily="49" charset="0"/>
-              </a:rPr>
-              <a:t>"The code to the " </a:t>
-            </a:r>
-            <a:r>
-              <a:rPr lang="en-US" sz="1400" dirty="0">
-                <a:latin typeface="Consolas" panose="020B0609020204030204" pitchFamily="49" charset="0"/>
-                <a:cs typeface="Consolas" panose="020B0609020204030204" pitchFamily="49" charset="0"/>
-              </a:rPr>
-              <a:t>+ computer + </a:t>
-            </a:r>
-            <a:r>
-              <a:rPr lang="en-US" sz="1400" dirty="0">
-                <a:solidFill>
-                  <a:srgbClr val="6A8759"/>
-                </a:solidFill>
-                <a:latin typeface="Consolas" panose="020B0609020204030204" pitchFamily="49" charset="0"/>
-                <a:cs typeface="Consolas" panose="020B0609020204030204" pitchFamily="49" charset="0"/>
-              </a:rPr>
-              <a:t>" is "</a:t>
-            </a:r>
-            <a:r>
-              <a:rPr lang="en-US" sz="1400" dirty="0">
-                <a:solidFill>
-                  <a:srgbClr val="CC7832"/>
-                </a:solidFill>
-                <a:latin typeface="Consolas" panose="020B0609020204030204" pitchFamily="49" charset="0"/>
-                <a:cs typeface="Consolas" panose="020B0609020204030204" pitchFamily="49" charset="0"/>
-              </a:rPr>
-              <a:t>, </a:t>
-            </a:r>
-            <a:r>
-              <a:rPr lang="en-US" sz="1400" dirty="0">
-                <a:solidFill>
-                  <a:srgbClr val="AA4926"/>
-                </a:solidFill>
-                <a:latin typeface="Consolas" panose="020B0609020204030204" pitchFamily="49" charset="0"/>
-                <a:cs typeface="Consolas" panose="020B0609020204030204" pitchFamily="49" charset="0"/>
-              </a:rPr>
-              <a:t>end</a:t>
-            </a:r>
-            <a:r>
-              <a:rPr lang="en-US" sz="1400" dirty="0">
-                <a:latin typeface="Consolas" panose="020B0609020204030204" pitchFamily="49" charset="0"/>
-                <a:cs typeface="Consolas" panose="020B0609020204030204" pitchFamily="49" charset="0"/>
-              </a:rPr>
-              <a:t>=</a:t>
-            </a:r>
-            <a:r>
-              <a:rPr lang="en-US" sz="1400" dirty="0">
-                <a:solidFill>
-                  <a:srgbClr val="6A8759"/>
-                </a:solidFill>
-                <a:latin typeface="Consolas" panose="020B0609020204030204" pitchFamily="49" charset="0"/>
-                <a:cs typeface="Consolas" panose="020B0609020204030204" pitchFamily="49" charset="0"/>
-              </a:rPr>
-              <a:t>''</a:t>
-            </a:r>
-            <a:r>
-              <a:rPr lang="en-US" sz="1400" dirty="0">
-                <a:latin typeface="Consolas" panose="020B0609020204030204" pitchFamily="49" charset="0"/>
-                <a:cs typeface="Consolas" panose="020B0609020204030204" pitchFamily="49" charset="0"/>
-              </a:rPr>
-              <a:t>)</a:t>
-            </a:r>
-            <a:br>
-              <a:rPr lang="en-US" sz="1400" dirty="0">
-                <a:latin typeface="Consolas" panose="020B0609020204030204" pitchFamily="49" charset="0"/>
-                <a:cs typeface="Consolas" panose="020B0609020204030204" pitchFamily="49" charset="0"/>
-              </a:rPr>
-            </a:br>
-            <a:r>
-              <a:rPr lang="en-US" sz="1400" dirty="0">
-                <a:solidFill>
-                  <a:srgbClr val="8888C6"/>
-                </a:solidFill>
-                <a:latin typeface="Consolas" panose="020B0609020204030204" pitchFamily="49" charset="0"/>
-                <a:cs typeface="Consolas" panose="020B0609020204030204" pitchFamily="49" charset="0"/>
-              </a:rPr>
-              <a:t>print(int(</a:t>
-            </a:r>
-            <a:r>
-              <a:rPr lang="en-US" sz="1400" dirty="0">
-                <a:latin typeface="Consolas" panose="020B0609020204030204" pitchFamily="49" charset="0"/>
-                <a:cs typeface="Consolas" panose="020B0609020204030204" pitchFamily="49" charset="0"/>
-              </a:rPr>
-              <a:t>formula</a:t>
-            </a:r>
-            <a:r>
-              <a:rPr lang="en-US" sz="1400" dirty="0">
-                <a:solidFill>
-                  <a:srgbClr val="8888C6"/>
-                </a:solidFill>
-                <a:latin typeface="Consolas" panose="020B0609020204030204" pitchFamily="49" charset="0"/>
-                <a:cs typeface="Consolas" panose="020B0609020204030204" pitchFamily="49" charset="0"/>
-              </a:rPr>
-              <a:t>))</a:t>
-            </a:r>
-            <a:endParaRPr lang="en-US" sz="1400" dirty="0">
-              <a:latin typeface="Consolas" panose="020B0609020204030204" pitchFamily="49" charset="0"/>
-              <a:cs typeface="Consolas" panose="020B0609020204030204" pitchFamily="49" charset="0"/>
-            </a:endParaRPr>
-          </a:p>
-        </p:txBody>
-      </p:sp>
-      <p:sp>
-        <p:nvSpPr>
-          <p:cNvPr id="5" name="TextBox 4">
-            <a:extLst>
-              <a:ext uri="{FF2B5EF4-FFF2-40B4-BE49-F238E27FC236}">
-                <a16:creationId xmlns:a16="http://schemas.microsoft.com/office/drawing/2014/main" id="{051460E5-373C-0744-B91C-2C55CCD0B7D6}"/>
+                <a16:creationId xmlns:a16="http://schemas.microsoft.com/office/drawing/2014/main" id="{703573D0-867D-4C48-868F-6E432E2DD1B9}"/>
               </a:ext>
             </a:extLst>
           </p:cNvPr>
@@ -9320,8 +8805,8 @@
         </p:nvSpPr>
         <p:spPr>
           <a:xfrm>
-            <a:off x="7763921" y="3015215"/>
-            <a:ext cx="4357283" cy="400110"/>
+            <a:off x="628071" y="1986858"/>
+            <a:ext cx="7127395" cy="1631216"/>
           </a:xfrm>
           <a:prstGeom prst="rect">
             <a:avLst/>
@@ -9329,24 +8814,286 @@
           <a:noFill/>
         </p:spPr>
         <p:txBody>
-          <a:bodyPr wrap="none" rtlCol="0">
+          <a:bodyPr wrap="square">
             <a:spAutoFit/>
           </a:bodyPr>
           <a:lstStyle/>
           <a:p>
             <a:r>
-              <a:rPr lang="en-US" dirty="0"/>
-              <a:t>The code to the Bomb Machine is 12</a:t>
+              <a:rPr lang="en-US" dirty="0">
+                <a:solidFill>
+                  <a:srgbClr val="CC7832"/>
+                </a:solidFill>
+                <a:effectLst/>
+                <a:latin typeface="Consolas" panose="020B0609020204030204" pitchFamily="49" charset="0"/>
+                <a:cs typeface="Consolas" panose="020B0609020204030204" pitchFamily="49" charset="0"/>
+              </a:rPr>
+              <a:t>def </a:t>
+            </a:r>
+            <a:r>
+              <a:rPr lang="en-US" dirty="0" err="1">
+                <a:solidFill>
+                  <a:srgbClr val="FFC66D"/>
+                </a:solidFill>
+                <a:effectLst/>
+                <a:latin typeface="Consolas" panose="020B0609020204030204" pitchFamily="49" charset="0"/>
+                <a:cs typeface="Consolas" panose="020B0609020204030204" pitchFamily="49" charset="0"/>
+              </a:rPr>
+              <a:t>longerFunc</a:t>
+            </a:r>
+            <a:r>
+              <a:rPr lang="en-US" dirty="0">
+                <a:latin typeface="Consolas" panose="020B0609020204030204" pitchFamily="49" charset="0"/>
+                <a:cs typeface="Consolas" panose="020B0609020204030204" pitchFamily="49" charset="0"/>
+              </a:rPr>
+              <a:t>(person</a:t>
+            </a:r>
+            <a:r>
+              <a:rPr lang="en-US" dirty="0">
+                <a:solidFill>
+                  <a:srgbClr val="CC7832"/>
+                </a:solidFill>
+                <a:effectLst/>
+                <a:latin typeface="Consolas" panose="020B0609020204030204" pitchFamily="49" charset="0"/>
+                <a:cs typeface="Consolas" panose="020B0609020204030204" pitchFamily="49" charset="0"/>
+              </a:rPr>
+              <a:t>, </a:t>
+            </a:r>
+            <a:r>
+              <a:rPr lang="en-US" dirty="0">
+                <a:latin typeface="Consolas" panose="020B0609020204030204" pitchFamily="49" charset="0"/>
+                <a:cs typeface="Consolas" panose="020B0609020204030204" pitchFamily="49" charset="0"/>
+              </a:rPr>
+              <a:t>adj</a:t>
+            </a:r>
+            <a:r>
+              <a:rPr lang="en-US" dirty="0">
+                <a:solidFill>
+                  <a:srgbClr val="CC7832"/>
+                </a:solidFill>
+                <a:effectLst/>
+                <a:latin typeface="Consolas" panose="020B0609020204030204" pitchFamily="49" charset="0"/>
+                <a:cs typeface="Consolas" panose="020B0609020204030204" pitchFamily="49" charset="0"/>
+              </a:rPr>
+              <a:t>, </a:t>
+            </a:r>
+            <a:r>
+              <a:rPr lang="en-US" dirty="0">
+                <a:latin typeface="Consolas" panose="020B0609020204030204" pitchFamily="49" charset="0"/>
+                <a:cs typeface="Consolas" panose="020B0609020204030204" pitchFamily="49" charset="0"/>
+              </a:rPr>
+              <a:t>code):</a:t>
+            </a:r>
+            <a:br>
+              <a:rPr lang="en-US" dirty="0">
+                <a:latin typeface="Consolas" panose="020B0609020204030204" pitchFamily="49" charset="0"/>
+                <a:cs typeface="Consolas" panose="020B0609020204030204" pitchFamily="49" charset="0"/>
+              </a:rPr>
+            </a:br>
+            <a:r>
+              <a:rPr lang="en-US" dirty="0">
+                <a:latin typeface="Consolas" panose="020B0609020204030204" pitchFamily="49" charset="0"/>
+                <a:cs typeface="Consolas" panose="020B0609020204030204" pitchFamily="49" charset="0"/>
+              </a:rPr>
+              <a:t>    </a:t>
+            </a:r>
+            <a:r>
+              <a:rPr lang="en-US" dirty="0">
+                <a:solidFill>
+                  <a:srgbClr val="8888C6"/>
+                </a:solidFill>
+                <a:effectLst/>
+                <a:latin typeface="Consolas" panose="020B0609020204030204" pitchFamily="49" charset="0"/>
+                <a:cs typeface="Consolas" panose="020B0609020204030204" pitchFamily="49" charset="0"/>
+              </a:rPr>
+              <a:t>print</a:t>
+            </a:r>
+            <a:r>
+              <a:rPr lang="en-US" dirty="0">
+                <a:latin typeface="Consolas" panose="020B0609020204030204" pitchFamily="49" charset="0"/>
+                <a:cs typeface="Consolas" panose="020B0609020204030204" pitchFamily="49" charset="0"/>
+              </a:rPr>
+              <a:t>(</a:t>
+            </a:r>
+            <a:r>
+              <a:rPr lang="en-US" dirty="0">
+                <a:solidFill>
+                  <a:srgbClr val="6A8759"/>
+                </a:solidFill>
+                <a:effectLst/>
+                <a:latin typeface="Consolas" panose="020B0609020204030204" pitchFamily="49" charset="0"/>
+                <a:cs typeface="Consolas" panose="020B0609020204030204" pitchFamily="49" charset="0"/>
+              </a:rPr>
+              <a:t>"Hello " </a:t>
+            </a:r>
+            <a:r>
+              <a:rPr lang="en-US" dirty="0">
+                <a:latin typeface="Consolas" panose="020B0609020204030204" pitchFamily="49" charset="0"/>
+                <a:cs typeface="Consolas" panose="020B0609020204030204" pitchFamily="49" charset="0"/>
+              </a:rPr>
+              <a:t>+ person)</a:t>
+            </a:r>
+            <a:br>
+              <a:rPr lang="en-US" dirty="0">
+                <a:latin typeface="Consolas" panose="020B0609020204030204" pitchFamily="49" charset="0"/>
+                <a:cs typeface="Consolas" panose="020B0609020204030204" pitchFamily="49" charset="0"/>
+              </a:rPr>
+            </a:br>
+            <a:r>
+              <a:rPr lang="en-US" dirty="0">
+                <a:latin typeface="Consolas" panose="020B0609020204030204" pitchFamily="49" charset="0"/>
+                <a:cs typeface="Consolas" panose="020B0609020204030204" pitchFamily="49" charset="0"/>
+              </a:rPr>
+              <a:t>    </a:t>
+            </a:r>
+            <a:r>
+              <a:rPr lang="en-US" dirty="0">
+                <a:solidFill>
+                  <a:srgbClr val="8888C6"/>
+                </a:solidFill>
+                <a:effectLst/>
+                <a:latin typeface="Consolas" panose="020B0609020204030204" pitchFamily="49" charset="0"/>
+                <a:cs typeface="Consolas" panose="020B0609020204030204" pitchFamily="49" charset="0"/>
+              </a:rPr>
+              <a:t>print</a:t>
+            </a:r>
+            <a:r>
+              <a:rPr lang="en-US" dirty="0">
+                <a:latin typeface="Consolas" panose="020B0609020204030204" pitchFamily="49" charset="0"/>
+                <a:cs typeface="Consolas" panose="020B0609020204030204" pitchFamily="49" charset="0"/>
+              </a:rPr>
+              <a:t>(</a:t>
+            </a:r>
+            <a:r>
+              <a:rPr lang="en-US" dirty="0">
+                <a:solidFill>
+                  <a:srgbClr val="6A8759"/>
+                </a:solidFill>
+                <a:effectLst/>
+                <a:latin typeface="Consolas" panose="020B0609020204030204" pitchFamily="49" charset="0"/>
+                <a:cs typeface="Consolas" panose="020B0609020204030204" pitchFamily="49" charset="0"/>
+              </a:rPr>
+              <a:t>"Cryptography is the " </a:t>
+            </a:r>
+            <a:r>
+              <a:rPr lang="en-US" dirty="0">
+                <a:latin typeface="Consolas" panose="020B0609020204030204" pitchFamily="49" charset="0"/>
+                <a:cs typeface="Consolas" panose="020B0609020204030204" pitchFamily="49" charset="0"/>
+              </a:rPr>
+              <a:t>+ adj)</a:t>
+            </a:r>
+            <a:br>
+              <a:rPr lang="en-US" dirty="0">
+                <a:latin typeface="Consolas" panose="020B0609020204030204" pitchFamily="49" charset="0"/>
+                <a:cs typeface="Consolas" panose="020B0609020204030204" pitchFamily="49" charset="0"/>
+              </a:rPr>
+            </a:br>
+            <a:r>
+              <a:rPr lang="en-US" dirty="0">
+                <a:latin typeface="Consolas" panose="020B0609020204030204" pitchFamily="49" charset="0"/>
+                <a:cs typeface="Consolas" panose="020B0609020204030204" pitchFamily="49" charset="0"/>
+              </a:rPr>
+              <a:t>    code = code + code / </a:t>
+            </a:r>
+            <a:r>
+              <a:rPr lang="en-US" dirty="0">
+                <a:solidFill>
+                  <a:srgbClr val="6897BB"/>
+                </a:solidFill>
+                <a:effectLst/>
+                <a:latin typeface="Consolas" panose="020B0609020204030204" pitchFamily="49" charset="0"/>
+                <a:cs typeface="Consolas" panose="020B0609020204030204" pitchFamily="49" charset="0"/>
+              </a:rPr>
+              <a:t>2</a:t>
+            </a:r>
+            <a:br>
+              <a:rPr lang="en-US" dirty="0">
+                <a:solidFill>
+                  <a:srgbClr val="6897BB"/>
+                </a:solidFill>
+                <a:effectLst/>
+                <a:latin typeface="Consolas" panose="020B0609020204030204" pitchFamily="49" charset="0"/>
+                <a:cs typeface="Consolas" panose="020B0609020204030204" pitchFamily="49" charset="0"/>
+              </a:rPr>
+            </a:br>
+            <a:r>
+              <a:rPr lang="en-US" dirty="0">
+                <a:solidFill>
+                  <a:srgbClr val="6897BB"/>
+                </a:solidFill>
+                <a:effectLst/>
+                <a:latin typeface="Consolas" panose="020B0609020204030204" pitchFamily="49" charset="0"/>
+                <a:cs typeface="Consolas" panose="020B0609020204030204" pitchFamily="49" charset="0"/>
+              </a:rPr>
+              <a:t>    </a:t>
+            </a:r>
+            <a:r>
+              <a:rPr lang="en-US" dirty="0">
+                <a:solidFill>
+                  <a:srgbClr val="8888C6"/>
+                </a:solidFill>
+                <a:effectLst/>
+                <a:latin typeface="Consolas" panose="020B0609020204030204" pitchFamily="49" charset="0"/>
+                <a:cs typeface="Consolas" panose="020B0609020204030204" pitchFamily="49" charset="0"/>
+              </a:rPr>
+              <a:t>print</a:t>
+            </a:r>
+            <a:r>
+              <a:rPr lang="en-US" dirty="0">
+                <a:latin typeface="Consolas" panose="020B0609020204030204" pitchFamily="49" charset="0"/>
+                <a:cs typeface="Consolas" panose="020B0609020204030204" pitchFamily="49" charset="0"/>
+              </a:rPr>
+              <a:t>(</a:t>
+            </a:r>
+            <a:r>
+              <a:rPr lang="en-US" dirty="0">
+                <a:solidFill>
+                  <a:srgbClr val="6A8759"/>
+                </a:solidFill>
+                <a:effectLst/>
+                <a:latin typeface="Consolas" panose="020B0609020204030204" pitchFamily="49" charset="0"/>
+                <a:cs typeface="Consolas" panose="020B0609020204030204" pitchFamily="49" charset="0"/>
+              </a:rPr>
+              <a:t>"The hidden number is: "</a:t>
+            </a:r>
+            <a:r>
+              <a:rPr lang="en-US" dirty="0">
+                <a:solidFill>
+                  <a:srgbClr val="CC7832"/>
+                </a:solidFill>
+                <a:effectLst/>
+                <a:latin typeface="Consolas" panose="020B0609020204030204" pitchFamily="49" charset="0"/>
+                <a:cs typeface="Consolas" panose="020B0609020204030204" pitchFamily="49" charset="0"/>
+              </a:rPr>
+              <a:t>, </a:t>
+            </a:r>
+            <a:r>
+              <a:rPr lang="en-US" dirty="0">
+                <a:solidFill>
+                  <a:srgbClr val="8888C6"/>
+                </a:solidFill>
+                <a:effectLst/>
+                <a:latin typeface="Consolas" panose="020B0609020204030204" pitchFamily="49" charset="0"/>
+                <a:cs typeface="Consolas" panose="020B0609020204030204" pitchFamily="49" charset="0"/>
+              </a:rPr>
+              <a:t>int</a:t>
+            </a:r>
+            <a:r>
+              <a:rPr lang="en-US" dirty="0">
+                <a:latin typeface="Consolas" panose="020B0609020204030204" pitchFamily="49" charset="0"/>
+                <a:cs typeface="Consolas" panose="020B0609020204030204" pitchFamily="49" charset="0"/>
+              </a:rPr>
+              <a:t>(code))</a:t>
             </a:r>
           </a:p>
         </p:txBody>
       </p:sp>
       <p:sp>
         <p:nvSpPr>
-          <p:cNvPr id="6" name="TextBox 5">
+          <p:cNvPr id="9" name="TextBox 8">
             <a:extLst>
               <a:ext uri="{FF2B5EF4-FFF2-40B4-BE49-F238E27FC236}">
-                <a16:creationId xmlns:a16="http://schemas.microsoft.com/office/drawing/2014/main" id="{E9D401AE-F42E-824E-ADDA-F8EFEF520777}"/>
+                <a16:creationId xmlns:a16="http://schemas.microsoft.com/office/drawing/2014/main" id="{CDF44CFB-A50F-6F4E-A41E-F4B73A09152C}"/>
               </a:ext>
             </a:extLst>
           </p:cNvPr>
@@ -9355,8 +9102,55 @@
         </p:nvSpPr>
         <p:spPr>
           <a:xfrm>
-            <a:off x="9096016" y="3406241"/>
-            <a:ext cx="1693092" cy="400110"/>
+            <a:off x="628071" y="5142257"/>
+            <a:ext cx="6908800" cy="1015663"/>
+          </a:xfrm>
+          <a:prstGeom prst="rect">
+            <a:avLst/>
+          </a:prstGeom>
+          <a:noFill/>
+        </p:spPr>
+        <p:txBody>
+          <a:bodyPr wrap="square">
+            <a:spAutoFit/>
+          </a:bodyPr>
+          <a:lstStyle/>
+          <a:p>
+            <a:r>
+              <a:rPr lang="en-US" dirty="0"/>
+              <a:t>Hello Valentine</a:t>
+            </a:r>
+          </a:p>
+          <a:p>
+            <a:r>
+              <a:rPr lang="en-US" dirty="0"/>
+              <a:t>Cryptography is the bombe</a:t>
+            </a:r>
+          </a:p>
+          <a:p>
+            <a:r>
+              <a:rPr lang="en-US" dirty="0"/>
+              <a:t>The hidden number is:  15.0</a:t>
+            </a:r>
+          </a:p>
+        </p:txBody>
+      </p:sp>
+      <p:sp>
+        <p:nvSpPr>
+          <p:cNvPr id="10" name="TextBox 9">
+            <a:extLst>
+              <a:ext uri="{FF2B5EF4-FFF2-40B4-BE49-F238E27FC236}">
+                <a16:creationId xmlns:a16="http://schemas.microsoft.com/office/drawing/2014/main" id="{D9A43DF9-4016-A14F-8AC6-8686DEB69903}"/>
+              </a:ext>
+            </a:extLst>
+          </p:cNvPr>
+          <p:cNvSpPr txBox="1"/>
+          <p:nvPr/>
+        </p:nvSpPr>
+        <p:spPr>
+          <a:xfrm>
+            <a:off x="628071" y="4628445"/>
+            <a:ext cx="1023037" cy="400110"/>
           </a:xfrm>
           <a:prstGeom prst="rect">
             <a:avLst/>
@@ -9371,7 +9165,7 @@
           <a:p>
             <a:r>
               <a:rPr lang="en-US" dirty="0"/>
-              <a:t>Notice: no .9!</a:t>
+              <a:t>Output:</a:t>
             </a:r>
           </a:p>
         </p:txBody>
@@ -9379,7 +9173,7 @@
     </p:spTree>
     <p:extLst>
       <p:ext uri="{BB962C8B-B14F-4D97-AF65-F5344CB8AC3E}">
-        <p14:creationId xmlns:p14="http://schemas.microsoft.com/office/powerpoint/2010/main" val="1080862108"/>
+        <p14:creationId xmlns:p14="http://schemas.microsoft.com/office/powerpoint/2010/main" val="117850240"/>
       </p:ext>
     </p:extLst>
   </p:cSld>
@@ -9420,6 +9214,1058 @@
       </p:grpSpPr>
       <p:sp>
         <p:nvSpPr>
+          <p:cNvPr id="4" name="Title 3">
+            <a:extLst>
+              <a:ext uri="{FF2B5EF4-FFF2-40B4-BE49-F238E27FC236}">
+                <a16:creationId xmlns:a16="http://schemas.microsoft.com/office/drawing/2014/main" id="{CC72A7FB-614B-CA42-8F8E-5BD6AD95791F}"/>
+              </a:ext>
+            </a:extLst>
+          </p:cNvPr>
+          <p:cNvSpPr>
+            <a:spLocks noGrp="1"/>
+          </p:cNvSpPr>
+          <p:nvPr>
+            <p:ph type="title"/>
+          </p:nvPr>
+        </p:nvSpPr>
+        <p:spPr/>
+        <p:txBody>
+          <a:bodyPr/>
+          <a:lstStyle/>
+          <a:p>
+            <a:r>
+              <a:rPr lang="en-US" dirty="0"/>
+              <a:t>Python</a:t>
+            </a:r>
+          </a:p>
+        </p:txBody>
+      </p:sp>
+      <p:sp>
+        <p:nvSpPr>
+          <p:cNvPr id="5" name="Text Placeholder 4">
+            <a:extLst>
+              <a:ext uri="{FF2B5EF4-FFF2-40B4-BE49-F238E27FC236}">
+                <a16:creationId xmlns:a16="http://schemas.microsoft.com/office/drawing/2014/main" id="{E1F6B818-3B65-9646-A3BE-7BBC984CABB7}"/>
+              </a:ext>
+            </a:extLst>
+          </p:cNvPr>
+          <p:cNvSpPr>
+            <a:spLocks noGrp="1"/>
+          </p:cNvSpPr>
+          <p:nvPr>
+            <p:ph type="body" sz="quarter" idx="10"/>
+          </p:nvPr>
+        </p:nvSpPr>
+        <p:spPr>
+          <a:xfrm>
+            <a:off x="628072" y="1463722"/>
+            <a:ext cx="6280725" cy="5295809"/>
+          </a:xfrm>
+        </p:spPr>
+        <p:txBody>
+          <a:bodyPr/>
+          <a:lstStyle/>
+          <a:p>
+            <a:r>
+              <a:rPr lang="en-US" dirty="0"/>
+              <a:t>Line by line</a:t>
+            </a:r>
+          </a:p>
+          <a:p>
+            <a:r>
+              <a:rPr lang="en-US" dirty="0"/>
+              <a:t>Each line is an instruction</a:t>
+            </a:r>
+          </a:p>
+          <a:p>
+            <a:r>
+              <a:rPr lang="en-US" dirty="0"/>
+              <a:t>Basic expressions</a:t>
+            </a:r>
+          </a:p>
+          <a:p>
+            <a:pPr lvl="1"/>
+            <a:r>
+              <a:rPr lang="en-US" dirty="0"/>
+              <a:t>Store values</a:t>
+            </a:r>
+          </a:p>
+          <a:p>
+            <a:pPr lvl="1"/>
+            <a:r>
+              <a:rPr lang="en-US" dirty="0"/>
+              <a:t>Perform arithmetic on values</a:t>
+            </a:r>
+          </a:p>
+          <a:p>
+            <a:pPr lvl="1"/>
+            <a:r>
+              <a:rPr lang="en-US" dirty="0"/>
+              <a:t>Call other functions on and using values</a:t>
+            </a:r>
+          </a:p>
+          <a:p>
+            <a:r>
+              <a:rPr lang="en-US" dirty="0"/>
+              <a:t>Basic Operations</a:t>
+            </a:r>
+          </a:p>
+          <a:p>
+            <a:pPr lvl="1"/>
+            <a:r>
+              <a:rPr lang="en-US" dirty="0"/>
+              <a:t>+ (add numbers  or concatenate  Strings)</a:t>
+            </a:r>
+          </a:p>
+          <a:p>
+            <a:pPr lvl="1"/>
+            <a:r>
+              <a:rPr lang="en-US" dirty="0"/>
+              <a:t>-  (subtract numbers)</a:t>
+            </a:r>
+          </a:p>
+          <a:p>
+            <a:pPr lvl="1"/>
+            <a:r>
+              <a:rPr lang="en-US" dirty="0"/>
+              <a:t>* (multiply numbers)</a:t>
+            </a:r>
+          </a:p>
+          <a:p>
+            <a:pPr lvl="1"/>
+            <a:r>
+              <a:rPr lang="en-US" dirty="0"/>
+              <a:t>/ (divide numbers) </a:t>
+            </a:r>
+          </a:p>
+          <a:p>
+            <a:pPr lvl="1"/>
+            <a:r>
+              <a:rPr lang="en-US" dirty="0"/>
+              <a:t>= (set value to a variable)</a:t>
+            </a:r>
+          </a:p>
+          <a:p>
+            <a:pPr lvl="1"/>
+            <a:r>
+              <a:rPr lang="en-US" dirty="0"/>
+              <a:t>We will cover **  and % more next unit</a:t>
+            </a:r>
+          </a:p>
+        </p:txBody>
+      </p:sp>
+      <p:sp>
+        <p:nvSpPr>
+          <p:cNvPr id="6" name="Rectangle 5">
+            <a:extLst>
+              <a:ext uri="{FF2B5EF4-FFF2-40B4-BE49-F238E27FC236}">
+                <a16:creationId xmlns:a16="http://schemas.microsoft.com/office/drawing/2014/main" id="{72C2B307-EEEC-9945-B2E6-2D1E3EBB5B22}"/>
+              </a:ext>
+            </a:extLst>
+          </p:cNvPr>
+          <p:cNvSpPr/>
+          <p:nvPr/>
+        </p:nvSpPr>
+        <p:spPr>
+          <a:xfrm>
+            <a:off x="6908797" y="1654693"/>
+            <a:ext cx="6551661" cy="1169551"/>
+          </a:xfrm>
+          <a:prstGeom prst="rect">
+            <a:avLst/>
+          </a:prstGeom>
+          <a:ln>
+            <a:solidFill>
+              <a:schemeClr val="tx2"/>
+            </a:solidFill>
+          </a:ln>
+        </p:spPr>
+        <p:txBody>
+          <a:bodyPr wrap="square">
+            <a:spAutoFit/>
+          </a:bodyPr>
+          <a:lstStyle/>
+          <a:p>
+            <a:r>
+              <a:rPr lang="en-US" sz="1400" dirty="0">
+                <a:latin typeface="Consolas" panose="020B0609020204030204" pitchFamily="49" charset="0"/>
+                <a:cs typeface="Consolas" panose="020B0609020204030204" pitchFamily="49" charset="0"/>
+              </a:rPr>
+              <a:t>computer = </a:t>
+            </a:r>
+            <a:r>
+              <a:rPr lang="en-US" sz="1400" dirty="0">
+                <a:solidFill>
+                  <a:srgbClr val="6A8759"/>
+                </a:solidFill>
+                <a:latin typeface="Consolas" panose="020B0609020204030204" pitchFamily="49" charset="0"/>
+                <a:cs typeface="Consolas" panose="020B0609020204030204" pitchFamily="49" charset="0"/>
+              </a:rPr>
+              <a:t>"Bombe Machine"  </a:t>
+            </a:r>
+            <a:r>
+              <a:rPr lang="en-US" sz="1400" dirty="0">
+                <a:solidFill>
+                  <a:srgbClr val="808080"/>
+                </a:solidFill>
+                <a:latin typeface="Consolas" panose="020B0609020204030204" pitchFamily="49" charset="0"/>
+                <a:cs typeface="Consolas" panose="020B0609020204030204" pitchFamily="49" charset="0"/>
+              </a:rPr>
+              <a:t># assignment of string to variable</a:t>
+            </a:r>
+            <a:br>
+              <a:rPr lang="en-US" sz="1400" dirty="0">
+                <a:solidFill>
+                  <a:srgbClr val="808080"/>
+                </a:solidFill>
+                <a:latin typeface="Consolas" panose="020B0609020204030204" pitchFamily="49" charset="0"/>
+                <a:cs typeface="Consolas" panose="020B0609020204030204" pitchFamily="49" charset="0"/>
+              </a:rPr>
+            </a:br>
+            <a:r>
+              <a:rPr lang="en-US" sz="1400" dirty="0">
+                <a:latin typeface="Consolas" panose="020B0609020204030204" pitchFamily="49" charset="0"/>
+                <a:cs typeface="Consolas" panose="020B0609020204030204" pitchFamily="49" charset="0"/>
+              </a:rPr>
+              <a:t>code = </a:t>
+            </a:r>
+            <a:r>
+              <a:rPr lang="en-US" sz="1400" dirty="0">
+                <a:solidFill>
+                  <a:srgbClr val="6897BB"/>
+                </a:solidFill>
+                <a:latin typeface="Consolas" panose="020B0609020204030204" pitchFamily="49" charset="0"/>
+                <a:cs typeface="Consolas" panose="020B0609020204030204" pitchFamily="49" charset="0"/>
+              </a:rPr>
+              <a:t>10  </a:t>
+            </a:r>
+            <a:r>
+              <a:rPr lang="en-US" sz="1400" dirty="0">
+                <a:solidFill>
+                  <a:srgbClr val="808080"/>
+                </a:solidFill>
+                <a:latin typeface="Consolas" panose="020B0609020204030204" pitchFamily="49" charset="0"/>
+                <a:cs typeface="Consolas" panose="020B0609020204030204" pitchFamily="49" charset="0"/>
+              </a:rPr>
+              <a:t># whole number - called "int"</a:t>
+            </a:r>
+            <a:br>
+              <a:rPr lang="en-US" sz="1400" dirty="0">
+                <a:solidFill>
+                  <a:srgbClr val="808080"/>
+                </a:solidFill>
+                <a:latin typeface="Consolas" panose="020B0609020204030204" pitchFamily="49" charset="0"/>
+                <a:cs typeface="Consolas" panose="020B0609020204030204" pitchFamily="49" charset="0"/>
+              </a:rPr>
+            </a:br>
+            <a:r>
+              <a:rPr lang="en-US" sz="1400" dirty="0">
+                <a:latin typeface="Consolas" panose="020B0609020204030204" pitchFamily="49" charset="0"/>
+                <a:cs typeface="Consolas" panose="020B0609020204030204" pitchFamily="49" charset="0"/>
+              </a:rPr>
+              <a:t>formula = (code * </a:t>
+            </a:r>
+            <a:r>
+              <a:rPr lang="en-US" sz="1400" dirty="0">
+                <a:solidFill>
+                  <a:srgbClr val="6897BB"/>
+                </a:solidFill>
+                <a:latin typeface="Consolas" panose="020B0609020204030204" pitchFamily="49" charset="0"/>
+                <a:cs typeface="Consolas" panose="020B0609020204030204" pitchFamily="49" charset="0"/>
+              </a:rPr>
+              <a:t>3</a:t>
+            </a:r>
+            <a:r>
+              <a:rPr lang="en-US" sz="1400" dirty="0">
+                <a:latin typeface="Consolas" panose="020B0609020204030204" pitchFamily="49" charset="0"/>
+                <a:cs typeface="Consolas" panose="020B0609020204030204" pitchFamily="49" charset="0"/>
+              </a:rPr>
+              <a:t>/</a:t>
+            </a:r>
+            <a:r>
+              <a:rPr lang="en-US" sz="1400" dirty="0">
+                <a:solidFill>
+                  <a:srgbClr val="6897BB"/>
+                </a:solidFill>
+                <a:latin typeface="Consolas" panose="020B0609020204030204" pitchFamily="49" charset="0"/>
+                <a:cs typeface="Consolas" panose="020B0609020204030204" pitchFamily="49" charset="0"/>
+              </a:rPr>
+              <a:t>2</a:t>
+            </a:r>
+            <a:r>
+              <a:rPr lang="en-US" sz="1400" dirty="0">
+                <a:latin typeface="Consolas" panose="020B0609020204030204" pitchFamily="49" charset="0"/>
+                <a:cs typeface="Consolas" panose="020B0609020204030204" pitchFamily="49" charset="0"/>
+              </a:rPr>
+              <a:t>) – </a:t>
+            </a:r>
+            <a:r>
+              <a:rPr lang="en-US" sz="1400" dirty="0">
+                <a:solidFill>
+                  <a:srgbClr val="6897BB"/>
+                </a:solidFill>
+                <a:latin typeface="Consolas" panose="020B0609020204030204" pitchFamily="49" charset="0"/>
+                <a:cs typeface="Consolas" panose="020B0609020204030204" pitchFamily="49" charset="0"/>
+              </a:rPr>
+              <a:t>2.1 </a:t>
+            </a:r>
+            <a:r>
+              <a:rPr lang="en-US" sz="1400" dirty="0">
+                <a:solidFill>
+                  <a:srgbClr val="808080"/>
+                </a:solidFill>
+                <a:latin typeface="Consolas" panose="020B0609020204030204" pitchFamily="49" charset="0"/>
+                <a:cs typeface="Consolas" panose="020B0609020204030204" pitchFamily="49" charset="0"/>
+              </a:rPr>
+              <a:t># now a floating point number</a:t>
+            </a:r>
+            <a:br>
+              <a:rPr lang="en-US" sz="1400" dirty="0">
+                <a:solidFill>
+                  <a:srgbClr val="808080"/>
+                </a:solidFill>
+                <a:latin typeface="Consolas" panose="020B0609020204030204" pitchFamily="49" charset="0"/>
+                <a:cs typeface="Consolas" panose="020B0609020204030204" pitchFamily="49" charset="0"/>
+              </a:rPr>
+            </a:br>
+            <a:r>
+              <a:rPr lang="en-US" sz="1400" dirty="0">
+                <a:solidFill>
+                  <a:srgbClr val="8888C6"/>
+                </a:solidFill>
+                <a:latin typeface="Consolas" panose="020B0609020204030204" pitchFamily="49" charset="0"/>
+                <a:cs typeface="Consolas" panose="020B0609020204030204" pitchFamily="49" charset="0"/>
+              </a:rPr>
+              <a:t>print</a:t>
+            </a:r>
+            <a:r>
+              <a:rPr lang="en-US" sz="1400" dirty="0">
+                <a:latin typeface="Consolas" panose="020B0609020204030204" pitchFamily="49" charset="0"/>
+                <a:cs typeface="Consolas" panose="020B0609020204030204" pitchFamily="49" charset="0"/>
+              </a:rPr>
+              <a:t>(</a:t>
+            </a:r>
+            <a:r>
+              <a:rPr lang="en-US" sz="1400" dirty="0">
+                <a:solidFill>
+                  <a:srgbClr val="6A8759"/>
+                </a:solidFill>
+                <a:latin typeface="Consolas" panose="020B0609020204030204" pitchFamily="49" charset="0"/>
+                <a:cs typeface="Consolas" panose="020B0609020204030204" pitchFamily="49" charset="0"/>
+              </a:rPr>
+              <a:t>"The code to the " </a:t>
+            </a:r>
+            <a:r>
+              <a:rPr lang="en-US" sz="1400" dirty="0">
+                <a:latin typeface="Consolas" panose="020B0609020204030204" pitchFamily="49" charset="0"/>
+                <a:cs typeface="Consolas" panose="020B0609020204030204" pitchFamily="49" charset="0"/>
+              </a:rPr>
+              <a:t>+ computer + </a:t>
+            </a:r>
+            <a:r>
+              <a:rPr lang="en-US" sz="1400" dirty="0">
+                <a:solidFill>
+                  <a:srgbClr val="6A8759"/>
+                </a:solidFill>
+                <a:latin typeface="Consolas" panose="020B0609020204030204" pitchFamily="49" charset="0"/>
+                <a:cs typeface="Consolas" panose="020B0609020204030204" pitchFamily="49" charset="0"/>
+              </a:rPr>
+              <a:t>" is "</a:t>
+            </a:r>
+            <a:r>
+              <a:rPr lang="en-US" sz="1400" dirty="0">
+                <a:solidFill>
+                  <a:srgbClr val="CC7832"/>
+                </a:solidFill>
+                <a:latin typeface="Consolas" panose="020B0609020204030204" pitchFamily="49" charset="0"/>
+                <a:cs typeface="Consolas" panose="020B0609020204030204" pitchFamily="49" charset="0"/>
+              </a:rPr>
+              <a:t>, </a:t>
+            </a:r>
+            <a:r>
+              <a:rPr lang="en-US" sz="1400" dirty="0">
+                <a:solidFill>
+                  <a:srgbClr val="AA4926"/>
+                </a:solidFill>
+                <a:latin typeface="Consolas" panose="020B0609020204030204" pitchFamily="49" charset="0"/>
+                <a:cs typeface="Consolas" panose="020B0609020204030204" pitchFamily="49" charset="0"/>
+              </a:rPr>
+              <a:t>end</a:t>
+            </a:r>
+            <a:r>
+              <a:rPr lang="en-US" sz="1400" dirty="0">
+                <a:latin typeface="Consolas" panose="020B0609020204030204" pitchFamily="49" charset="0"/>
+                <a:cs typeface="Consolas" panose="020B0609020204030204" pitchFamily="49" charset="0"/>
+              </a:rPr>
+              <a:t>=</a:t>
+            </a:r>
+            <a:r>
+              <a:rPr lang="en-US" sz="1400" dirty="0">
+                <a:solidFill>
+                  <a:srgbClr val="6A8759"/>
+                </a:solidFill>
+                <a:latin typeface="Consolas" panose="020B0609020204030204" pitchFamily="49" charset="0"/>
+                <a:cs typeface="Consolas" panose="020B0609020204030204" pitchFamily="49" charset="0"/>
+              </a:rPr>
+              <a:t>''</a:t>
+            </a:r>
+            <a:r>
+              <a:rPr lang="en-US" sz="1400" dirty="0">
+                <a:latin typeface="Consolas" panose="020B0609020204030204" pitchFamily="49" charset="0"/>
+                <a:cs typeface="Consolas" panose="020B0609020204030204" pitchFamily="49" charset="0"/>
+              </a:rPr>
+              <a:t>)</a:t>
+            </a:r>
+            <a:br>
+              <a:rPr lang="en-US" sz="1400" dirty="0">
+                <a:latin typeface="Consolas" panose="020B0609020204030204" pitchFamily="49" charset="0"/>
+                <a:cs typeface="Consolas" panose="020B0609020204030204" pitchFamily="49" charset="0"/>
+              </a:rPr>
+            </a:br>
+            <a:r>
+              <a:rPr lang="en-US" sz="1400" dirty="0">
+                <a:solidFill>
+                  <a:srgbClr val="8888C6"/>
+                </a:solidFill>
+                <a:latin typeface="Consolas" panose="020B0609020204030204" pitchFamily="49" charset="0"/>
+                <a:cs typeface="Consolas" panose="020B0609020204030204" pitchFamily="49" charset="0"/>
+              </a:rPr>
+              <a:t>print</a:t>
+            </a:r>
+            <a:r>
+              <a:rPr lang="en-US" sz="1400" dirty="0">
+                <a:latin typeface="Consolas" panose="020B0609020204030204" pitchFamily="49" charset="0"/>
+                <a:cs typeface="Consolas" panose="020B0609020204030204" pitchFamily="49" charset="0"/>
+              </a:rPr>
+              <a:t>(formula)</a:t>
+            </a:r>
+          </a:p>
+        </p:txBody>
+      </p:sp>
+      <p:sp>
+        <p:nvSpPr>
+          <p:cNvPr id="7" name="TextBox 6">
+            <a:extLst>
+              <a:ext uri="{FF2B5EF4-FFF2-40B4-BE49-F238E27FC236}">
+                <a16:creationId xmlns:a16="http://schemas.microsoft.com/office/drawing/2014/main" id="{B4246FDE-3EB0-834C-A6DA-BED73A68982E}"/>
+              </a:ext>
+            </a:extLst>
+          </p:cNvPr>
+          <p:cNvSpPr txBox="1"/>
+          <p:nvPr/>
+        </p:nvSpPr>
+        <p:spPr>
+          <a:xfrm>
+            <a:off x="7763921" y="3015215"/>
+            <a:ext cx="4570482" cy="400110"/>
+          </a:xfrm>
+          <a:prstGeom prst="rect">
+            <a:avLst/>
+          </a:prstGeom>
+          <a:noFill/>
+        </p:spPr>
+        <p:txBody>
+          <a:bodyPr wrap="none" rtlCol="0">
+            <a:spAutoFit/>
+          </a:bodyPr>
+          <a:lstStyle/>
+          <a:p>
+            <a:r>
+              <a:rPr lang="en-US" dirty="0"/>
+              <a:t>The code to the Bomb Machine is 12.9</a:t>
+            </a:r>
+          </a:p>
+        </p:txBody>
+      </p:sp>
+    </p:spTree>
+    <p:extLst>
+      <p:ext uri="{BB962C8B-B14F-4D97-AF65-F5344CB8AC3E}">
+        <p14:creationId xmlns:p14="http://schemas.microsoft.com/office/powerpoint/2010/main" val="3675223695"/>
+      </p:ext>
+    </p:extLst>
+  </p:cSld>
+  <p:clrMapOvr>
+    <a:masterClrMapping/>
+  </p:clrMapOvr>
+  <mc:AlternateContent xmlns:mc="http://schemas.openxmlformats.org/markup-compatibility/2006" xmlns:p14="http://schemas.microsoft.com/office/powerpoint/2010/main">
+    <mc:Choice Requires="p14">
+      <p:transition p14:dur="300">
+        <p:fade/>
+      </p:transition>
+    </mc:Choice>
+    <mc:Fallback xmlns="">
+      <p:transition>
+        <p:fade/>
+      </p:transition>
+    </mc:Fallback>
+  </mc:AlternateContent>
+</p:sld>
+</file>
+
+<file path=ppt/slides/slide14.xml><?xml version="1.0" encoding="utf-8"?>
+<p:sld xmlns:a="http://schemas.openxmlformats.org/drawingml/2006/main" xmlns:r="http://schemas.openxmlformats.org/officeDocument/2006/relationships" xmlns:p="http://schemas.openxmlformats.org/presentationml/2006/main">
+  <p:cSld>
+    <p:spTree>
+      <p:nvGrpSpPr>
+        <p:cNvPr id="1" name=""/>
+        <p:cNvGrpSpPr/>
+        <p:nvPr/>
+      </p:nvGrpSpPr>
+      <p:grpSpPr>
+        <a:xfrm>
+          <a:off x="0" y="0"/>
+          <a:ext cx="0" cy="0"/>
+          <a:chOff x="0" y="0"/>
+          <a:chExt cx="0" cy="0"/>
+        </a:xfrm>
+      </p:grpSpPr>
+      <p:sp>
+        <p:nvSpPr>
+          <p:cNvPr id="2" name="Title 1">
+            <a:extLst>
+              <a:ext uri="{FF2B5EF4-FFF2-40B4-BE49-F238E27FC236}">
+                <a16:creationId xmlns:a16="http://schemas.microsoft.com/office/drawing/2014/main" id="{3BA0DA21-C744-354A-BD95-1A2EE5CE35C0}"/>
+              </a:ext>
+            </a:extLst>
+          </p:cNvPr>
+          <p:cNvSpPr>
+            <a:spLocks noGrp="1"/>
+          </p:cNvSpPr>
+          <p:nvPr>
+            <p:ph type="title"/>
+          </p:nvPr>
+        </p:nvSpPr>
+        <p:spPr/>
+        <p:txBody>
+          <a:bodyPr/>
+          <a:lstStyle/>
+          <a:p>
+            <a:r>
+              <a:rPr lang="en-US" dirty="0"/>
+              <a:t>Types in Python</a:t>
+            </a:r>
+          </a:p>
+        </p:txBody>
+      </p:sp>
+      <p:sp>
+        <p:nvSpPr>
+          <p:cNvPr id="3" name="Text Placeholder 2">
+            <a:extLst>
+              <a:ext uri="{FF2B5EF4-FFF2-40B4-BE49-F238E27FC236}">
+                <a16:creationId xmlns:a16="http://schemas.microsoft.com/office/drawing/2014/main" id="{084C065B-9047-CE46-83FD-A71EE5F3167F}"/>
+              </a:ext>
+            </a:extLst>
+          </p:cNvPr>
+          <p:cNvSpPr>
+            <a:spLocks noGrp="1"/>
+          </p:cNvSpPr>
+          <p:nvPr>
+            <p:ph type="body" sz="quarter" idx="10"/>
+          </p:nvPr>
+        </p:nvSpPr>
+        <p:spPr>
+          <a:xfrm>
+            <a:off x="628075" y="1776682"/>
+            <a:ext cx="6280725" cy="4547079"/>
+          </a:xfrm>
+        </p:spPr>
+        <p:txBody>
+          <a:bodyPr/>
+          <a:lstStyle/>
+          <a:p>
+            <a:r>
+              <a:rPr lang="en-US" dirty="0"/>
+              <a:t>Python using ”implicit”/weak typing</a:t>
+            </a:r>
+          </a:p>
+          <a:p>
+            <a:pPr lvl="1"/>
+            <a:r>
+              <a:rPr lang="en-US" dirty="0"/>
+              <a:t>figures out types for you! </a:t>
+            </a:r>
+          </a:p>
+          <a:p>
+            <a:pPr lvl="1"/>
+            <a:r>
+              <a:rPr lang="en-US" dirty="0"/>
+              <a:t>Unlike Explicit/Strongly Typed Languages (java) </a:t>
+            </a:r>
+          </a:p>
+          <a:p>
+            <a:r>
+              <a:rPr lang="en-US" dirty="0"/>
+              <a:t>Somethings  you  want  to specify type</a:t>
+            </a:r>
+          </a:p>
+          <a:p>
+            <a:pPr lvl="1"/>
+            <a:r>
+              <a:rPr lang="en-US" dirty="0"/>
+              <a:t>int  - whole numbers only</a:t>
+            </a:r>
+          </a:p>
+          <a:p>
+            <a:pPr lvl="1"/>
+            <a:r>
+              <a:rPr lang="en-US" dirty="0"/>
+              <a:t>float – floating point/decimal numbers</a:t>
+            </a:r>
+          </a:p>
+          <a:p>
+            <a:pPr lvl="1"/>
+            <a:r>
+              <a:rPr lang="en-US" dirty="0"/>
+              <a:t>str – strings (more later)</a:t>
+            </a:r>
+          </a:p>
+          <a:p>
+            <a:r>
+              <a:rPr lang="en-US" dirty="0"/>
+              <a:t>Most useful on getting client  input</a:t>
+            </a:r>
+          </a:p>
+          <a:p>
+            <a:pPr lvl="1"/>
+            <a:r>
+              <a:rPr lang="en-US" dirty="0">
+                <a:latin typeface="Consolas" panose="020B0609020204030204" pitchFamily="49" charset="0"/>
+                <a:cs typeface="Consolas" panose="020B0609020204030204" pitchFamily="49" charset="0"/>
+              </a:rPr>
+              <a:t>answer = int(input(“get the answer”))</a:t>
+            </a:r>
+          </a:p>
+          <a:p>
+            <a:pPr lvl="1"/>
+            <a:r>
+              <a:rPr lang="en-US" dirty="0"/>
+              <a:t>This code is also dangerous! </a:t>
+            </a:r>
+          </a:p>
+          <a:p>
+            <a:r>
+              <a:rPr lang="en-US" dirty="0"/>
+              <a:t>Last Example Again</a:t>
+            </a:r>
+          </a:p>
+        </p:txBody>
+      </p:sp>
+      <p:sp>
+        <p:nvSpPr>
+          <p:cNvPr id="4" name="Rectangle 3">
+            <a:extLst>
+              <a:ext uri="{FF2B5EF4-FFF2-40B4-BE49-F238E27FC236}">
+                <a16:creationId xmlns:a16="http://schemas.microsoft.com/office/drawing/2014/main" id="{ACA70A7C-E8F6-4344-A46C-482BD4DF24D1}"/>
+              </a:ext>
+            </a:extLst>
+          </p:cNvPr>
+          <p:cNvSpPr/>
+          <p:nvPr/>
+        </p:nvSpPr>
+        <p:spPr>
+          <a:xfrm>
+            <a:off x="6987823" y="1654693"/>
+            <a:ext cx="6472636" cy="1169551"/>
+          </a:xfrm>
+          <a:prstGeom prst="rect">
+            <a:avLst/>
+          </a:prstGeom>
+          <a:ln>
+            <a:solidFill>
+              <a:schemeClr val="tx2"/>
+            </a:solidFill>
+          </a:ln>
+        </p:spPr>
+        <p:txBody>
+          <a:bodyPr wrap="square">
+            <a:spAutoFit/>
+          </a:bodyPr>
+          <a:lstStyle/>
+          <a:p>
+            <a:r>
+              <a:rPr lang="en-US" sz="1400" dirty="0">
+                <a:latin typeface="Consolas" panose="020B0609020204030204" pitchFamily="49" charset="0"/>
+                <a:cs typeface="Consolas" panose="020B0609020204030204" pitchFamily="49" charset="0"/>
+              </a:rPr>
+              <a:t>computer = </a:t>
+            </a:r>
+            <a:r>
+              <a:rPr lang="en-US" sz="1400" dirty="0">
+                <a:solidFill>
+                  <a:srgbClr val="6A8759"/>
+                </a:solidFill>
+                <a:latin typeface="Consolas" panose="020B0609020204030204" pitchFamily="49" charset="0"/>
+                <a:cs typeface="Consolas" panose="020B0609020204030204" pitchFamily="49" charset="0"/>
+              </a:rPr>
+              <a:t>"Bombe Machine"  </a:t>
+            </a:r>
+            <a:r>
+              <a:rPr lang="en-US" sz="1400" dirty="0">
+                <a:solidFill>
+                  <a:srgbClr val="808080"/>
+                </a:solidFill>
+                <a:latin typeface="Consolas" panose="020B0609020204030204" pitchFamily="49" charset="0"/>
+                <a:cs typeface="Consolas" panose="020B0609020204030204" pitchFamily="49" charset="0"/>
+              </a:rPr>
+              <a:t># assignment of string to variable</a:t>
+            </a:r>
+            <a:br>
+              <a:rPr lang="en-US" sz="1400" dirty="0">
+                <a:solidFill>
+                  <a:srgbClr val="808080"/>
+                </a:solidFill>
+                <a:latin typeface="Consolas" panose="020B0609020204030204" pitchFamily="49" charset="0"/>
+                <a:cs typeface="Consolas" panose="020B0609020204030204" pitchFamily="49" charset="0"/>
+              </a:rPr>
+            </a:br>
+            <a:r>
+              <a:rPr lang="en-US" sz="1400" dirty="0">
+                <a:latin typeface="Consolas" panose="020B0609020204030204" pitchFamily="49" charset="0"/>
+                <a:cs typeface="Consolas" panose="020B0609020204030204" pitchFamily="49" charset="0"/>
+              </a:rPr>
+              <a:t>code = </a:t>
+            </a:r>
+            <a:r>
+              <a:rPr lang="en-US" sz="1400" dirty="0">
+                <a:solidFill>
+                  <a:srgbClr val="6897BB"/>
+                </a:solidFill>
+                <a:latin typeface="Consolas" panose="020B0609020204030204" pitchFamily="49" charset="0"/>
+                <a:cs typeface="Consolas" panose="020B0609020204030204" pitchFamily="49" charset="0"/>
+              </a:rPr>
+              <a:t>10  </a:t>
+            </a:r>
+            <a:r>
+              <a:rPr lang="en-US" sz="1400" dirty="0">
+                <a:solidFill>
+                  <a:srgbClr val="808080"/>
+                </a:solidFill>
+                <a:latin typeface="Consolas" panose="020B0609020204030204" pitchFamily="49" charset="0"/>
+                <a:cs typeface="Consolas" panose="020B0609020204030204" pitchFamily="49" charset="0"/>
+              </a:rPr>
+              <a:t># whole number - called "int"</a:t>
+            </a:r>
+            <a:br>
+              <a:rPr lang="en-US" sz="1400" dirty="0">
+                <a:solidFill>
+                  <a:srgbClr val="808080"/>
+                </a:solidFill>
+                <a:latin typeface="Consolas" panose="020B0609020204030204" pitchFamily="49" charset="0"/>
+                <a:cs typeface="Consolas" panose="020B0609020204030204" pitchFamily="49" charset="0"/>
+              </a:rPr>
+            </a:br>
+            <a:r>
+              <a:rPr lang="en-US" sz="1400" dirty="0">
+                <a:latin typeface="Consolas" panose="020B0609020204030204" pitchFamily="49" charset="0"/>
+                <a:cs typeface="Consolas" panose="020B0609020204030204" pitchFamily="49" charset="0"/>
+              </a:rPr>
+              <a:t>formula = (code * </a:t>
+            </a:r>
+            <a:r>
+              <a:rPr lang="en-US" sz="1400" dirty="0">
+                <a:solidFill>
+                  <a:srgbClr val="6897BB"/>
+                </a:solidFill>
+                <a:latin typeface="Consolas" panose="020B0609020204030204" pitchFamily="49" charset="0"/>
+                <a:cs typeface="Consolas" panose="020B0609020204030204" pitchFamily="49" charset="0"/>
+              </a:rPr>
+              <a:t>3</a:t>
+            </a:r>
+            <a:r>
+              <a:rPr lang="en-US" sz="1400" dirty="0">
+                <a:latin typeface="Consolas" panose="020B0609020204030204" pitchFamily="49" charset="0"/>
+                <a:cs typeface="Consolas" panose="020B0609020204030204" pitchFamily="49" charset="0"/>
+              </a:rPr>
+              <a:t>/</a:t>
+            </a:r>
+            <a:r>
+              <a:rPr lang="en-US" sz="1400" dirty="0">
+                <a:solidFill>
+                  <a:srgbClr val="6897BB"/>
+                </a:solidFill>
+                <a:latin typeface="Consolas" panose="020B0609020204030204" pitchFamily="49" charset="0"/>
+                <a:cs typeface="Consolas" panose="020B0609020204030204" pitchFamily="49" charset="0"/>
+              </a:rPr>
+              <a:t>2</a:t>
+            </a:r>
+            <a:r>
+              <a:rPr lang="en-US" sz="1400" dirty="0">
+                <a:latin typeface="Consolas" panose="020B0609020204030204" pitchFamily="49" charset="0"/>
+                <a:cs typeface="Consolas" panose="020B0609020204030204" pitchFamily="49" charset="0"/>
+              </a:rPr>
+              <a:t>) – </a:t>
+            </a:r>
+            <a:r>
+              <a:rPr lang="en-US" sz="1400" dirty="0">
+                <a:solidFill>
+                  <a:srgbClr val="6897BB"/>
+                </a:solidFill>
+                <a:latin typeface="Consolas" panose="020B0609020204030204" pitchFamily="49" charset="0"/>
+                <a:cs typeface="Consolas" panose="020B0609020204030204" pitchFamily="49" charset="0"/>
+              </a:rPr>
+              <a:t>2.1 </a:t>
+            </a:r>
+            <a:r>
+              <a:rPr lang="en-US" sz="1400" dirty="0">
+                <a:solidFill>
+                  <a:srgbClr val="808080"/>
+                </a:solidFill>
+                <a:latin typeface="Consolas" panose="020B0609020204030204" pitchFamily="49" charset="0"/>
+                <a:cs typeface="Consolas" panose="020B0609020204030204" pitchFamily="49" charset="0"/>
+              </a:rPr>
+              <a:t># now a floating-point number</a:t>
+            </a:r>
+            <a:br>
+              <a:rPr lang="en-US" sz="1400" dirty="0">
+                <a:solidFill>
+                  <a:srgbClr val="808080"/>
+                </a:solidFill>
+                <a:latin typeface="Consolas" panose="020B0609020204030204" pitchFamily="49" charset="0"/>
+                <a:cs typeface="Consolas" panose="020B0609020204030204" pitchFamily="49" charset="0"/>
+              </a:rPr>
+            </a:br>
+            <a:r>
+              <a:rPr lang="en-US" sz="1400" dirty="0">
+                <a:solidFill>
+                  <a:srgbClr val="8888C6"/>
+                </a:solidFill>
+                <a:latin typeface="Consolas" panose="020B0609020204030204" pitchFamily="49" charset="0"/>
+                <a:cs typeface="Consolas" panose="020B0609020204030204" pitchFamily="49" charset="0"/>
+              </a:rPr>
+              <a:t>print</a:t>
+            </a:r>
+            <a:r>
+              <a:rPr lang="en-US" sz="1400" dirty="0">
+                <a:latin typeface="Consolas" panose="020B0609020204030204" pitchFamily="49" charset="0"/>
+                <a:cs typeface="Consolas" panose="020B0609020204030204" pitchFamily="49" charset="0"/>
+              </a:rPr>
+              <a:t>(</a:t>
+            </a:r>
+            <a:r>
+              <a:rPr lang="en-US" sz="1400" dirty="0">
+                <a:solidFill>
+                  <a:srgbClr val="6A8759"/>
+                </a:solidFill>
+                <a:latin typeface="Consolas" panose="020B0609020204030204" pitchFamily="49" charset="0"/>
+                <a:cs typeface="Consolas" panose="020B0609020204030204" pitchFamily="49" charset="0"/>
+              </a:rPr>
+              <a:t>"The code to the " </a:t>
+            </a:r>
+            <a:r>
+              <a:rPr lang="en-US" sz="1400" dirty="0">
+                <a:latin typeface="Consolas" panose="020B0609020204030204" pitchFamily="49" charset="0"/>
+                <a:cs typeface="Consolas" panose="020B0609020204030204" pitchFamily="49" charset="0"/>
+              </a:rPr>
+              <a:t>+ computer + </a:t>
+            </a:r>
+            <a:r>
+              <a:rPr lang="en-US" sz="1400" dirty="0">
+                <a:solidFill>
+                  <a:srgbClr val="6A8759"/>
+                </a:solidFill>
+                <a:latin typeface="Consolas" panose="020B0609020204030204" pitchFamily="49" charset="0"/>
+                <a:cs typeface="Consolas" panose="020B0609020204030204" pitchFamily="49" charset="0"/>
+              </a:rPr>
+              <a:t>" is "</a:t>
+            </a:r>
+            <a:r>
+              <a:rPr lang="en-US" sz="1400" dirty="0">
+                <a:solidFill>
+                  <a:srgbClr val="CC7832"/>
+                </a:solidFill>
+                <a:latin typeface="Consolas" panose="020B0609020204030204" pitchFamily="49" charset="0"/>
+                <a:cs typeface="Consolas" panose="020B0609020204030204" pitchFamily="49" charset="0"/>
+              </a:rPr>
+              <a:t>, </a:t>
+            </a:r>
+            <a:r>
+              <a:rPr lang="en-US" sz="1400" dirty="0">
+                <a:solidFill>
+                  <a:srgbClr val="AA4926"/>
+                </a:solidFill>
+                <a:latin typeface="Consolas" panose="020B0609020204030204" pitchFamily="49" charset="0"/>
+                <a:cs typeface="Consolas" panose="020B0609020204030204" pitchFamily="49" charset="0"/>
+              </a:rPr>
+              <a:t>end</a:t>
+            </a:r>
+            <a:r>
+              <a:rPr lang="en-US" sz="1400" dirty="0">
+                <a:latin typeface="Consolas" panose="020B0609020204030204" pitchFamily="49" charset="0"/>
+                <a:cs typeface="Consolas" panose="020B0609020204030204" pitchFamily="49" charset="0"/>
+              </a:rPr>
+              <a:t>=</a:t>
+            </a:r>
+            <a:r>
+              <a:rPr lang="en-US" sz="1400" dirty="0">
+                <a:solidFill>
+                  <a:srgbClr val="6A8759"/>
+                </a:solidFill>
+                <a:latin typeface="Consolas" panose="020B0609020204030204" pitchFamily="49" charset="0"/>
+                <a:cs typeface="Consolas" panose="020B0609020204030204" pitchFamily="49" charset="0"/>
+              </a:rPr>
+              <a:t>''</a:t>
+            </a:r>
+            <a:r>
+              <a:rPr lang="en-US" sz="1400" dirty="0">
+                <a:latin typeface="Consolas" panose="020B0609020204030204" pitchFamily="49" charset="0"/>
+                <a:cs typeface="Consolas" panose="020B0609020204030204" pitchFamily="49" charset="0"/>
+              </a:rPr>
+              <a:t>)</a:t>
+            </a:r>
+            <a:br>
+              <a:rPr lang="en-US" sz="1400" dirty="0">
+                <a:latin typeface="Consolas" panose="020B0609020204030204" pitchFamily="49" charset="0"/>
+                <a:cs typeface="Consolas" panose="020B0609020204030204" pitchFamily="49" charset="0"/>
+              </a:rPr>
+            </a:br>
+            <a:r>
+              <a:rPr lang="en-US" sz="1400" dirty="0">
+                <a:solidFill>
+                  <a:srgbClr val="8888C6"/>
+                </a:solidFill>
+                <a:latin typeface="Consolas" panose="020B0609020204030204" pitchFamily="49" charset="0"/>
+                <a:cs typeface="Consolas" panose="020B0609020204030204" pitchFamily="49" charset="0"/>
+              </a:rPr>
+              <a:t>print(int(</a:t>
+            </a:r>
+            <a:r>
+              <a:rPr lang="en-US" sz="1400" dirty="0">
+                <a:latin typeface="Consolas" panose="020B0609020204030204" pitchFamily="49" charset="0"/>
+                <a:cs typeface="Consolas" panose="020B0609020204030204" pitchFamily="49" charset="0"/>
+              </a:rPr>
+              <a:t>formula</a:t>
+            </a:r>
+            <a:r>
+              <a:rPr lang="en-US" sz="1400" dirty="0">
+                <a:solidFill>
+                  <a:srgbClr val="8888C6"/>
+                </a:solidFill>
+                <a:latin typeface="Consolas" panose="020B0609020204030204" pitchFamily="49" charset="0"/>
+                <a:cs typeface="Consolas" panose="020B0609020204030204" pitchFamily="49" charset="0"/>
+              </a:rPr>
+              <a:t>))</a:t>
+            </a:r>
+            <a:endParaRPr lang="en-US" sz="1400" dirty="0">
+              <a:latin typeface="Consolas" panose="020B0609020204030204" pitchFamily="49" charset="0"/>
+              <a:cs typeface="Consolas" panose="020B0609020204030204" pitchFamily="49" charset="0"/>
+            </a:endParaRPr>
+          </a:p>
+        </p:txBody>
+      </p:sp>
+      <p:sp>
+        <p:nvSpPr>
+          <p:cNvPr id="5" name="TextBox 4">
+            <a:extLst>
+              <a:ext uri="{FF2B5EF4-FFF2-40B4-BE49-F238E27FC236}">
+                <a16:creationId xmlns:a16="http://schemas.microsoft.com/office/drawing/2014/main" id="{051460E5-373C-0744-B91C-2C55CCD0B7D6}"/>
+              </a:ext>
+            </a:extLst>
+          </p:cNvPr>
+          <p:cNvSpPr txBox="1"/>
+          <p:nvPr/>
+        </p:nvSpPr>
+        <p:spPr>
+          <a:xfrm>
+            <a:off x="7763921" y="3015215"/>
+            <a:ext cx="4357283" cy="400110"/>
+          </a:xfrm>
+          <a:prstGeom prst="rect">
+            <a:avLst/>
+          </a:prstGeom>
+          <a:noFill/>
+        </p:spPr>
+        <p:txBody>
+          <a:bodyPr wrap="none" rtlCol="0">
+            <a:spAutoFit/>
+          </a:bodyPr>
+          <a:lstStyle/>
+          <a:p>
+            <a:r>
+              <a:rPr lang="en-US" dirty="0"/>
+              <a:t>The code to the Bomb Machine is 12</a:t>
+            </a:r>
+          </a:p>
+        </p:txBody>
+      </p:sp>
+      <p:sp>
+        <p:nvSpPr>
+          <p:cNvPr id="6" name="TextBox 5">
+            <a:extLst>
+              <a:ext uri="{FF2B5EF4-FFF2-40B4-BE49-F238E27FC236}">
+                <a16:creationId xmlns:a16="http://schemas.microsoft.com/office/drawing/2014/main" id="{E9D401AE-F42E-824E-ADDA-F8EFEF520777}"/>
+              </a:ext>
+            </a:extLst>
+          </p:cNvPr>
+          <p:cNvSpPr txBox="1"/>
+          <p:nvPr/>
+        </p:nvSpPr>
+        <p:spPr>
+          <a:xfrm>
+            <a:off x="9096016" y="3406241"/>
+            <a:ext cx="1693092" cy="400110"/>
+          </a:xfrm>
+          <a:prstGeom prst="rect">
+            <a:avLst/>
+          </a:prstGeom>
+          <a:noFill/>
+        </p:spPr>
+        <p:txBody>
+          <a:bodyPr wrap="none" rtlCol="0">
+            <a:spAutoFit/>
+          </a:bodyPr>
+          <a:lstStyle/>
+          <a:p>
+            <a:r>
+              <a:rPr lang="en-US" dirty="0"/>
+              <a:t>Notice: no .9!</a:t>
+            </a:r>
+          </a:p>
+        </p:txBody>
+      </p:sp>
+    </p:spTree>
+    <p:extLst>
+      <p:ext uri="{BB962C8B-B14F-4D97-AF65-F5344CB8AC3E}">
+        <p14:creationId xmlns:p14="http://schemas.microsoft.com/office/powerpoint/2010/main" val="1080862108"/>
+      </p:ext>
+    </p:extLst>
+  </p:cSld>
+  <p:clrMapOvr>
+    <a:masterClrMapping/>
+  </p:clrMapOvr>
+  <mc:AlternateContent xmlns:mc="http://schemas.openxmlformats.org/markup-compatibility/2006" xmlns:p14="http://schemas.microsoft.com/office/powerpoint/2010/main">
+    <mc:Choice Requires="p14">
+      <p:transition p14:dur="300">
+        <p:fade/>
+      </p:transition>
+    </mc:Choice>
+    <mc:Fallback xmlns="">
+      <p:transition>
+        <p:fade/>
+      </p:transition>
+    </mc:Fallback>
+  </mc:AlternateContent>
+</p:sld>
+</file>
+
+<file path=ppt/slides/slide15.xml><?xml version="1.0" encoding="utf-8"?>
+<p:sld xmlns:a="http://schemas.openxmlformats.org/drawingml/2006/main" xmlns:r="http://schemas.openxmlformats.org/officeDocument/2006/relationships" xmlns:p="http://schemas.openxmlformats.org/presentationml/2006/main">
+  <p:cSld>
+    <p:spTree>
+      <p:nvGrpSpPr>
+        <p:cNvPr id="1" name=""/>
+        <p:cNvGrpSpPr/>
+        <p:nvPr/>
+      </p:nvGrpSpPr>
+      <p:grpSpPr>
+        <a:xfrm>
+          <a:off x="0" y="0"/>
+          <a:ext cx="0" cy="0"/>
+          <a:chOff x="0" y="0"/>
+          <a:chExt cx="0" cy="0"/>
+        </a:xfrm>
+      </p:grpSpPr>
+      <p:sp>
+        <p:nvSpPr>
           <p:cNvPr id="2" name="Title 1">
             <a:extLst>
               <a:ext uri="{FF2B5EF4-FFF2-40B4-BE49-F238E27FC236}">
@@ -10172,7 +11018,7 @@
 </p:sld>
 </file>
 
-<file path=ppt/slides/slide14.xml><?xml version="1.0" encoding="utf-8"?>
+<file path=ppt/slides/slide16.xml><?xml version="1.0" encoding="utf-8"?>
 <p:sld xmlns:a="http://schemas.openxmlformats.org/drawingml/2006/main" xmlns:r="http://schemas.openxmlformats.org/officeDocument/2006/relationships" xmlns:p="http://schemas.openxmlformats.org/presentationml/2006/main">
   <p:cSld>
     <p:spTree>
@@ -10622,7 +11468,7 @@
 </p:sld>
 </file>
 
-<file path=ppt/slides/slide15.xml><?xml version="1.0" encoding="utf-8"?>
+<file path=ppt/slides/slide17.xml><?xml version="1.0" encoding="utf-8"?>
 <p:sld xmlns:a="http://schemas.openxmlformats.org/drawingml/2006/main" xmlns:r="http://schemas.openxmlformats.org/officeDocument/2006/relationships" xmlns:p="http://schemas.openxmlformats.org/presentationml/2006/main">
   <p:cSld>
     <p:spTree>
@@ -11187,7 +12033,7 @@
 </p:sld>
 </file>
 
-<file path=ppt/slides/slide16.xml><?xml version="1.0" encoding="utf-8"?>
+<file path=ppt/slides/slide18.xml><?xml version="1.0" encoding="utf-8"?>
 <p:sld xmlns:a="http://schemas.openxmlformats.org/drawingml/2006/main" xmlns:r="http://schemas.openxmlformats.org/officeDocument/2006/relationships" xmlns:p="http://schemas.openxmlformats.org/presentationml/2006/main">
   <p:cSld>
     <p:spTree>
@@ -12263,7 +13109,7 @@
 </p:sld>
 </file>
 
-<file path=ppt/slides/slide17.xml><?xml version="1.0" encoding="utf-8"?>
+<file path=ppt/slides/slide19.xml><?xml version="1.0" encoding="utf-8"?>
 <p:sld xmlns:a="http://schemas.openxmlformats.org/drawingml/2006/main" xmlns:r="http://schemas.openxmlformats.org/officeDocument/2006/relationships" xmlns:p="http://schemas.openxmlformats.org/presentationml/2006/main">
   <p:cSld>
     <p:spTree>
@@ -12873,7 +13719,7 @@
         <p:spPr>
           <a:xfrm>
             <a:off x="1782186" y="6201632"/>
-            <a:ext cx="10521342" cy="707886"/>
+            <a:ext cx="11731610" cy="707886"/>
           </a:xfrm>
           <a:prstGeom prst="rect">
             <a:avLst/>
@@ -12888,7 +13734,7 @@
           <a:p>
             <a:r>
               <a:rPr lang="en-US" dirty="0"/>
-              <a:t>Your turn – one person coding  - type the code above, and then figure out ways to modify it!</a:t>
+              <a:t>Your turn – one person coding  - type the code above, and then as a group figure out ways to modify it!</a:t>
             </a:r>
           </a:p>
           <a:p>
@@ -13001,848 +13847,6 @@
 </p:sld>
 </file>
 
-<file path=ppt/slides/slide18.xml><?xml version="1.0" encoding="utf-8"?>
-<p:sld xmlns:a="http://schemas.openxmlformats.org/drawingml/2006/main" xmlns:r="http://schemas.openxmlformats.org/officeDocument/2006/relationships" xmlns:p="http://schemas.openxmlformats.org/presentationml/2006/main">
-  <p:cSld>
-    <p:spTree>
-      <p:nvGrpSpPr>
-        <p:cNvPr id="1" name="Shape 227"/>
-        <p:cNvGrpSpPr/>
-        <p:nvPr/>
-      </p:nvGrpSpPr>
-      <p:grpSpPr>
-        <a:xfrm>
-          <a:off x="0" y="0"/>
-          <a:ext cx="0" cy="0"/>
-          <a:chOff x="0" y="0"/>
-          <a:chExt cx="0" cy="0"/>
-        </a:xfrm>
-      </p:grpSpPr>
-      <p:sp>
-        <p:nvSpPr>
-          <p:cNvPr id="228" name="Google Shape;228;p44"/>
-          <p:cNvSpPr txBox="1">
-            <a:spLocks noGrp="1"/>
-          </p:cNvSpPr>
-          <p:nvPr>
-            <p:ph type="title"/>
-          </p:nvPr>
-        </p:nvSpPr>
-        <p:spPr>
-          <a:xfrm>
-            <a:off x="628075" y="751389"/>
-            <a:ext cx="12561413" cy="1015467"/>
-          </a:xfrm>
-          <a:prstGeom prst="rect">
-            <a:avLst/>
-          </a:prstGeom>
-        </p:spPr>
-        <p:txBody>
-          <a:bodyPr spcFirstLastPara="1" vert="horz" wrap="square" lIns="91422" tIns="91422" rIns="91422" bIns="91422" rtlCol="0" anchor="b" anchorCtr="0">
-            <a:noAutofit/>
-          </a:bodyPr>
-          <a:lstStyle/>
-          <a:p>
-            <a:r>
-              <a:rPr lang="en"/>
-              <a:t>Remember</a:t>
-            </a:r>
-            <a:endParaRPr dirty="0"/>
-          </a:p>
-        </p:txBody>
-      </p:sp>
-      <p:sp>
-        <p:nvSpPr>
-          <p:cNvPr id="229" name="Google Shape;229;p44"/>
-          <p:cNvSpPr/>
-          <p:nvPr/>
-        </p:nvSpPr>
-        <p:spPr>
-          <a:xfrm>
-            <a:off x="4759290" y="2124687"/>
-            <a:ext cx="2270747" cy="1554027"/>
-          </a:xfrm>
-          <a:prstGeom prst="rect">
-            <a:avLst/>
-          </a:prstGeom>
-          <a:solidFill>
-            <a:srgbClr val="C8C371"/>
-          </a:solidFill>
-          <a:ln w="9525" cap="flat" cmpd="sng">
-            <a:solidFill>
-              <a:srgbClr val="1E4D2B"/>
-            </a:solidFill>
-            <a:prstDash val="solid"/>
-            <a:round/>
-            <a:headEnd type="none" w="sm" len="sm"/>
-            <a:tailEnd type="none" w="sm" len="sm"/>
-          </a:ln>
-        </p:spPr>
-        <p:txBody>
-          <a:bodyPr spcFirstLastPara="1" wrap="square" lIns="138153" tIns="138153" rIns="138153" bIns="138153" anchor="ctr" anchorCtr="0">
-            <a:noAutofit/>
-          </a:bodyPr>
-          <a:lstStyle/>
-          <a:p>
-            <a:pPr algn="ctr"/>
-            <a:r>
-              <a:rPr lang="en" sz="3022"/>
-              <a:t>Divide</a:t>
-            </a:r>
-            <a:endParaRPr sz="3022" dirty="0"/>
-          </a:p>
-        </p:txBody>
-      </p:sp>
-      <p:sp>
-        <p:nvSpPr>
-          <p:cNvPr id="230" name="Google Shape;230;p44"/>
-          <p:cNvSpPr/>
-          <p:nvPr/>
-        </p:nvSpPr>
-        <p:spPr>
-          <a:xfrm>
-            <a:off x="3676229" y="3869582"/>
-            <a:ext cx="1296987" cy="980107"/>
-          </a:xfrm>
-          <a:prstGeom prst="rect">
-            <a:avLst/>
-          </a:prstGeom>
-          <a:solidFill>
-            <a:srgbClr val="C8C371"/>
-          </a:solidFill>
-          <a:ln w="9525" cap="flat" cmpd="sng">
-            <a:solidFill>
-              <a:srgbClr val="1E4D2B"/>
-            </a:solidFill>
-            <a:prstDash val="solid"/>
-            <a:round/>
-            <a:headEnd type="none" w="sm" len="sm"/>
-            <a:tailEnd type="none" w="sm" len="sm"/>
-          </a:ln>
-        </p:spPr>
-        <p:txBody>
-          <a:bodyPr spcFirstLastPara="1" wrap="square" lIns="138153" tIns="138153" rIns="138153" bIns="138153" anchor="ctr" anchorCtr="0">
-            <a:noAutofit/>
-          </a:bodyPr>
-          <a:lstStyle/>
-          <a:p>
-            <a:pPr algn="ctr"/>
-            <a:r>
-              <a:rPr lang="en" sz="1058"/>
-              <a:t>Conquer</a:t>
-            </a:r>
-            <a:endParaRPr sz="1058" dirty="0"/>
-          </a:p>
-        </p:txBody>
-      </p:sp>
-      <p:sp>
-        <p:nvSpPr>
-          <p:cNvPr id="231" name="Google Shape;231;p44"/>
-          <p:cNvSpPr/>
-          <p:nvPr/>
-        </p:nvSpPr>
-        <p:spPr>
-          <a:xfrm>
-            <a:off x="5251768" y="3869582"/>
-            <a:ext cx="1296987" cy="980107"/>
-          </a:xfrm>
-          <a:prstGeom prst="rect">
-            <a:avLst/>
-          </a:prstGeom>
-          <a:solidFill>
-            <a:srgbClr val="C8C371"/>
-          </a:solidFill>
-          <a:ln w="9525" cap="flat" cmpd="sng">
-            <a:solidFill>
-              <a:srgbClr val="1E4D2B"/>
-            </a:solidFill>
-            <a:prstDash val="solid"/>
-            <a:round/>
-            <a:headEnd type="none" w="sm" len="sm"/>
-            <a:tailEnd type="none" w="sm" len="sm"/>
-          </a:ln>
-        </p:spPr>
-        <p:txBody>
-          <a:bodyPr spcFirstLastPara="1" wrap="square" lIns="138153" tIns="138153" rIns="138153" bIns="138153" anchor="ctr" anchorCtr="0">
-            <a:noAutofit/>
-          </a:bodyPr>
-          <a:lstStyle/>
-          <a:p>
-            <a:pPr algn="ctr"/>
-            <a:r>
-              <a:rPr lang="en" sz="1058"/>
-              <a:t>Conquer</a:t>
-            </a:r>
-            <a:endParaRPr sz="1058" dirty="0"/>
-          </a:p>
-        </p:txBody>
-      </p:sp>
-      <p:sp>
-        <p:nvSpPr>
-          <p:cNvPr id="232" name="Google Shape;232;p44"/>
-          <p:cNvSpPr/>
-          <p:nvPr/>
-        </p:nvSpPr>
-        <p:spPr>
-          <a:xfrm>
-            <a:off x="6827307" y="3869582"/>
-            <a:ext cx="1296987" cy="980107"/>
-          </a:xfrm>
-          <a:prstGeom prst="rect">
-            <a:avLst/>
-          </a:prstGeom>
-          <a:solidFill>
-            <a:srgbClr val="C8C371"/>
-          </a:solidFill>
-          <a:ln w="9525" cap="flat" cmpd="sng">
-            <a:solidFill>
-              <a:srgbClr val="1E4D2B"/>
-            </a:solidFill>
-            <a:prstDash val="solid"/>
-            <a:round/>
-            <a:headEnd type="none" w="sm" len="sm"/>
-            <a:tailEnd type="none" w="sm" len="sm"/>
-          </a:ln>
-        </p:spPr>
-        <p:txBody>
-          <a:bodyPr spcFirstLastPara="1" wrap="square" lIns="138153" tIns="138153" rIns="138153" bIns="138153" anchor="ctr" anchorCtr="0">
-            <a:noAutofit/>
-          </a:bodyPr>
-          <a:lstStyle/>
-          <a:p>
-            <a:pPr algn="ctr"/>
-            <a:r>
-              <a:rPr lang="en" sz="1058"/>
-              <a:t>Conquer</a:t>
-            </a:r>
-            <a:endParaRPr sz="1058" dirty="0"/>
-          </a:p>
-        </p:txBody>
-      </p:sp>
-      <p:sp>
-        <p:nvSpPr>
-          <p:cNvPr id="233" name="Google Shape;233;p44"/>
-          <p:cNvSpPr/>
-          <p:nvPr/>
-        </p:nvSpPr>
-        <p:spPr>
-          <a:xfrm>
-            <a:off x="4765124" y="5040748"/>
-            <a:ext cx="2270747" cy="1554027"/>
-          </a:xfrm>
-          <a:prstGeom prst="rect">
-            <a:avLst/>
-          </a:prstGeom>
-          <a:solidFill>
-            <a:srgbClr val="C8C371"/>
-          </a:solidFill>
-          <a:ln w="9525" cap="flat" cmpd="sng">
-            <a:solidFill>
-              <a:srgbClr val="1E4D2B"/>
-            </a:solidFill>
-            <a:prstDash val="solid"/>
-            <a:round/>
-            <a:headEnd type="none" w="sm" len="sm"/>
-            <a:tailEnd type="none" w="sm" len="sm"/>
-          </a:ln>
-        </p:spPr>
-        <p:txBody>
-          <a:bodyPr spcFirstLastPara="1" wrap="square" lIns="138153" tIns="138153" rIns="138153" bIns="138153" anchor="ctr" anchorCtr="0">
-            <a:noAutofit/>
-          </a:bodyPr>
-          <a:lstStyle/>
-          <a:p>
-            <a:pPr algn="ctr"/>
-            <a:r>
-              <a:rPr lang="en" sz="3022"/>
-              <a:t>Glue</a:t>
-            </a:r>
-            <a:endParaRPr sz="3022" dirty="0"/>
-          </a:p>
-        </p:txBody>
-      </p:sp>
-      <p:sp>
-        <p:nvSpPr>
-          <p:cNvPr id="234" name="Google Shape;234;p44"/>
-          <p:cNvSpPr txBox="1"/>
-          <p:nvPr/>
-        </p:nvSpPr>
-        <p:spPr>
-          <a:xfrm rot="-2447929">
-            <a:off x="709804" y="2846675"/>
-            <a:ext cx="2966695" cy="979983"/>
-          </a:xfrm>
-          <a:prstGeom prst="rect">
-            <a:avLst/>
-          </a:prstGeom>
-          <a:noFill/>
-          <a:ln>
-            <a:noFill/>
-          </a:ln>
-        </p:spPr>
-        <p:txBody>
-          <a:bodyPr spcFirstLastPara="1" wrap="square" lIns="138153" tIns="138153" rIns="138153" bIns="138153" anchor="t" anchorCtr="0">
-            <a:noAutofit/>
-          </a:bodyPr>
-          <a:lstStyle/>
-          <a:p>
-            <a:r>
-              <a:rPr lang="en" sz="3022"/>
-              <a:t>Remember</a:t>
-            </a:r>
-            <a:endParaRPr sz="3022" dirty="0"/>
-          </a:p>
-        </p:txBody>
-      </p:sp>
-      <p:sp>
-        <p:nvSpPr>
-          <p:cNvPr id="235" name="Google Shape;235;p44"/>
-          <p:cNvSpPr/>
-          <p:nvPr/>
-        </p:nvSpPr>
-        <p:spPr>
-          <a:xfrm>
-            <a:off x="8537853" y="3750880"/>
-            <a:ext cx="4069120" cy="1015467"/>
-          </a:xfrm>
-          <a:prstGeom prst="leftArrow">
-            <a:avLst>
-              <a:gd name="adj1" fmla="val 50000"/>
-              <a:gd name="adj2" fmla="val 50000"/>
-            </a:avLst>
-          </a:prstGeom>
-          <a:solidFill>
-            <a:srgbClr val="00FF00"/>
-          </a:solidFill>
-          <a:ln w="9525" cap="flat" cmpd="sng">
-            <a:solidFill>
-              <a:srgbClr val="1E4D2B"/>
-            </a:solidFill>
-            <a:prstDash val="solid"/>
-            <a:round/>
-            <a:headEnd type="none" w="sm" len="sm"/>
-            <a:tailEnd type="none" w="sm" len="sm"/>
-          </a:ln>
-        </p:spPr>
-        <p:txBody>
-          <a:bodyPr spcFirstLastPara="1" wrap="square" lIns="138153" tIns="138153" rIns="138153" bIns="138153" anchor="ctr" anchorCtr="0">
-            <a:noAutofit/>
-          </a:bodyPr>
-          <a:lstStyle/>
-          <a:p>
-            <a:r>
-              <a:rPr lang="en" sz="1600" dirty="0"/>
-              <a:t>These are functions (mostly)</a:t>
-            </a:r>
-            <a:endParaRPr sz="1600" dirty="0"/>
-          </a:p>
-        </p:txBody>
-      </p:sp>
-    </p:spTree>
-  </p:cSld>
-  <p:clrMapOvr>
-    <a:masterClrMapping/>
-  </p:clrMapOvr>
-</p:sld>
-</file>
-
-<file path=ppt/slides/slide19.xml><?xml version="1.0" encoding="utf-8"?>
-<p:sld xmlns:a="http://schemas.openxmlformats.org/drawingml/2006/main" xmlns:r="http://schemas.openxmlformats.org/officeDocument/2006/relationships" xmlns:p="http://schemas.openxmlformats.org/presentationml/2006/main" show="0">
-  <p:cSld>
-    <p:spTree>
-      <p:nvGrpSpPr>
-        <p:cNvPr id="1" name=""/>
-        <p:cNvGrpSpPr/>
-        <p:nvPr/>
-      </p:nvGrpSpPr>
-      <p:grpSpPr>
-        <a:xfrm>
-          <a:off x="0" y="0"/>
-          <a:ext cx="0" cy="0"/>
-          <a:chOff x="0" y="0"/>
-          <a:chExt cx="0" cy="0"/>
-        </a:xfrm>
-      </p:grpSpPr>
-      <p:sp>
-        <p:nvSpPr>
-          <p:cNvPr id="2" name="Title 1">
-            <a:extLst>
-              <a:ext uri="{FF2B5EF4-FFF2-40B4-BE49-F238E27FC236}">
-                <a16:creationId xmlns:a16="http://schemas.microsoft.com/office/drawing/2014/main" id="{D5DF162F-679B-1D49-B4A4-3C7BC8518723}"/>
-              </a:ext>
-            </a:extLst>
-          </p:cNvPr>
-          <p:cNvSpPr>
-            <a:spLocks noGrp="1"/>
-          </p:cNvSpPr>
-          <p:nvPr>
-            <p:ph type="title"/>
-          </p:nvPr>
-        </p:nvSpPr>
-        <p:spPr/>
-        <p:txBody>
-          <a:bodyPr/>
-          <a:lstStyle/>
-          <a:p>
-            <a:r>
-              <a:rPr lang="en-US" dirty="0"/>
-              <a:t>Let’s program</a:t>
-            </a:r>
-          </a:p>
-        </p:txBody>
-      </p:sp>
-      <p:sp>
-        <p:nvSpPr>
-          <p:cNvPr id="4" name="Rectangle 3">
-            <a:extLst>
-              <a:ext uri="{FF2B5EF4-FFF2-40B4-BE49-F238E27FC236}">
-                <a16:creationId xmlns:a16="http://schemas.microsoft.com/office/drawing/2014/main" id="{11A90B1C-1D85-AA44-93AC-6FFCF059E076}"/>
-              </a:ext>
-            </a:extLst>
-          </p:cNvPr>
-          <p:cNvSpPr/>
-          <p:nvPr/>
-        </p:nvSpPr>
-        <p:spPr>
-          <a:xfrm>
-            <a:off x="3035300" y="2455039"/>
-            <a:ext cx="8458200" cy="2862322"/>
-          </a:xfrm>
-          <a:prstGeom prst="rect">
-            <a:avLst/>
-          </a:prstGeom>
-        </p:spPr>
-        <p:txBody>
-          <a:bodyPr wrap="square">
-            <a:spAutoFit/>
-          </a:bodyPr>
-          <a:lstStyle/>
-          <a:p>
-            <a:r>
-              <a:rPr lang="en-US" dirty="0">
-                <a:solidFill>
-                  <a:srgbClr val="CC7832"/>
-                </a:solidFill>
-                <a:latin typeface="Consolas" panose="020B0609020204030204" pitchFamily="49" charset="0"/>
-                <a:cs typeface="Consolas" panose="020B0609020204030204" pitchFamily="49" charset="0"/>
-              </a:rPr>
-              <a:t>def </a:t>
-            </a:r>
-            <a:r>
-              <a:rPr lang="en-US" dirty="0" err="1">
-                <a:solidFill>
-                  <a:srgbClr val="FFC66D"/>
-                </a:solidFill>
-                <a:latin typeface="Consolas" panose="020B0609020204030204" pitchFamily="49" charset="0"/>
-                <a:cs typeface="Consolas" panose="020B0609020204030204" pitchFamily="49" charset="0"/>
-              </a:rPr>
-              <a:t>get_real_code</a:t>
-            </a:r>
-            <a:r>
-              <a:rPr lang="en-US" dirty="0">
-                <a:latin typeface="Consolas" panose="020B0609020204030204" pitchFamily="49" charset="0"/>
-                <a:cs typeface="Consolas" panose="020B0609020204030204" pitchFamily="49" charset="0"/>
-              </a:rPr>
-              <a:t>(code):</a:t>
-            </a:r>
-            <a:br>
-              <a:rPr lang="en-US" dirty="0">
-                <a:latin typeface="Consolas" panose="020B0609020204030204" pitchFamily="49" charset="0"/>
-                <a:cs typeface="Consolas" panose="020B0609020204030204" pitchFamily="49" charset="0"/>
-              </a:rPr>
-            </a:br>
-            <a:r>
-              <a:rPr lang="en-US" dirty="0">
-                <a:latin typeface="Consolas" panose="020B0609020204030204" pitchFamily="49" charset="0"/>
-                <a:cs typeface="Consolas" panose="020B0609020204030204" pitchFamily="49" charset="0"/>
-              </a:rPr>
-              <a:t>    </a:t>
-            </a:r>
-            <a:r>
-              <a:rPr lang="en-US" dirty="0">
-                <a:solidFill>
-                  <a:srgbClr val="CC7832"/>
-                </a:solidFill>
-                <a:latin typeface="Consolas" panose="020B0609020204030204" pitchFamily="49" charset="0"/>
-                <a:cs typeface="Consolas" panose="020B0609020204030204" pitchFamily="49" charset="0"/>
-              </a:rPr>
-              <a:t>return </a:t>
-            </a:r>
-            <a:r>
-              <a:rPr lang="en-US" dirty="0">
-                <a:latin typeface="Consolas" panose="020B0609020204030204" pitchFamily="49" charset="0"/>
-                <a:cs typeface="Consolas" panose="020B0609020204030204" pitchFamily="49" charset="0"/>
-              </a:rPr>
-              <a:t>(code * </a:t>
-            </a:r>
-            <a:r>
-              <a:rPr lang="en-US" dirty="0">
-                <a:solidFill>
-                  <a:srgbClr val="6897BB"/>
-                </a:solidFill>
-                <a:latin typeface="Consolas" panose="020B0609020204030204" pitchFamily="49" charset="0"/>
-                <a:cs typeface="Consolas" panose="020B0609020204030204" pitchFamily="49" charset="0"/>
-              </a:rPr>
-              <a:t>3 </a:t>
-            </a:r>
-            <a:r>
-              <a:rPr lang="en-US" dirty="0">
-                <a:latin typeface="Consolas" panose="020B0609020204030204" pitchFamily="49" charset="0"/>
-                <a:cs typeface="Consolas" panose="020B0609020204030204" pitchFamily="49" charset="0"/>
-              </a:rPr>
-              <a:t>/ </a:t>
-            </a:r>
-            <a:r>
-              <a:rPr lang="en-US" dirty="0">
-                <a:solidFill>
-                  <a:srgbClr val="6897BB"/>
-                </a:solidFill>
-                <a:latin typeface="Consolas" panose="020B0609020204030204" pitchFamily="49" charset="0"/>
-                <a:cs typeface="Consolas" panose="020B0609020204030204" pitchFamily="49" charset="0"/>
-              </a:rPr>
-              <a:t>2</a:t>
-            </a:r>
-            <a:r>
-              <a:rPr lang="en-US" dirty="0">
-                <a:latin typeface="Consolas" panose="020B0609020204030204" pitchFamily="49" charset="0"/>
-                <a:cs typeface="Consolas" panose="020B0609020204030204" pitchFamily="49" charset="0"/>
-              </a:rPr>
-              <a:t>) - </a:t>
-            </a:r>
-            <a:r>
-              <a:rPr lang="en-US" dirty="0">
-                <a:solidFill>
-                  <a:srgbClr val="6897BB"/>
-                </a:solidFill>
-                <a:latin typeface="Consolas" panose="020B0609020204030204" pitchFamily="49" charset="0"/>
-                <a:cs typeface="Consolas" panose="020B0609020204030204" pitchFamily="49" charset="0"/>
-              </a:rPr>
-              <a:t>2.1 </a:t>
-            </a:r>
-            <a:br>
-              <a:rPr lang="en-US" dirty="0">
-                <a:solidFill>
-                  <a:srgbClr val="6897BB"/>
-                </a:solidFill>
-                <a:latin typeface="Consolas" panose="020B0609020204030204" pitchFamily="49" charset="0"/>
-                <a:cs typeface="Consolas" panose="020B0609020204030204" pitchFamily="49" charset="0"/>
-              </a:rPr>
-            </a:br>
-            <a:br>
-              <a:rPr lang="en-US" dirty="0">
-                <a:solidFill>
-                  <a:srgbClr val="6897BB"/>
-                </a:solidFill>
-                <a:latin typeface="Consolas" panose="020B0609020204030204" pitchFamily="49" charset="0"/>
-                <a:cs typeface="Consolas" panose="020B0609020204030204" pitchFamily="49" charset="0"/>
-              </a:rPr>
-            </a:br>
-            <a:r>
-              <a:rPr lang="en-US" dirty="0">
-                <a:solidFill>
-                  <a:srgbClr val="CC7832"/>
-                </a:solidFill>
-                <a:latin typeface="Consolas" panose="020B0609020204030204" pitchFamily="49" charset="0"/>
-                <a:cs typeface="Consolas" panose="020B0609020204030204" pitchFamily="49" charset="0"/>
-              </a:rPr>
-              <a:t>def </a:t>
-            </a:r>
-            <a:r>
-              <a:rPr lang="en-US" dirty="0" err="1">
-                <a:solidFill>
-                  <a:srgbClr val="FFC66D"/>
-                </a:solidFill>
-                <a:latin typeface="Consolas" panose="020B0609020204030204" pitchFamily="49" charset="0"/>
-                <a:cs typeface="Consolas" panose="020B0609020204030204" pitchFamily="49" charset="0"/>
-              </a:rPr>
-              <a:t>print_machine_info</a:t>
-            </a:r>
-            <a:r>
-              <a:rPr lang="en-US" dirty="0">
-                <a:latin typeface="Consolas" panose="020B0609020204030204" pitchFamily="49" charset="0"/>
-                <a:cs typeface="Consolas" panose="020B0609020204030204" pitchFamily="49" charset="0"/>
-              </a:rPr>
-              <a:t>(computer</a:t>
-            </a:r>
-            <a:r>
-              <a:rPr lang="en-US" dirty="0">
-                <a:solidFill>
-                  <a:srgbClr val="CC7832"/>
-                </a:solidFill>
-                <a:latin typeface="Consolas" panose="020B0609020204030204" pitchFamily="49" charset="0"/>
-                <a:cs typeface="Consolas" panose="020B0609020204030204" pitchFamily="49" charset="0"/>
-              </a:rPr>
-              <a:t>, </a:t>
-            </a:r>
-            <a:r>
-              <a:rPr lang="en-US" dirty="0">
-                <a:latin typeface="Consolas" panose="020B0609020204030204" pitchFamily="49" charset="0"/>
-                <a:cs typeface="Consolas" panose="020B0609020204030204" pitchFamily="49" charset="0"/>
-              </a:rPr>
-              <a:t>code):</a:t>
-            </a:r>
-            <a:br>
-              <a:rPr lang="en-US" dirty="0">
-                <a:latin typeface="Consolas" panose="020B0609020204030204" pitchFamily="49" charset="0"/>
-                <a:cs typeface="Consolas" panose="020B0609020204030204" pitchFamily="49" charset="0"/>
-              </a:rPr>
-            </a:br>
-            <a:r>
-              <a:rPr lang="en-US" dirty="0">
-                <a:latin typeface="Consolas" panose="020B0609020204030204" pitchFamily="49" charset="0"/>
-                <a:cs typeface="Consolas" panose="020B0609020204030204" pitchFamily="49" charset="0"/>
-              </a:rPr>
-              <a:t>    </a:t>
-            </a:r>
-            <a:r>
-              <a:rPr lang="en-US" dirty="0">
-                <a:solidFill>
-                  <a:srgbClr val="8888C6"/>
-                </a:solidFill>
-                <a:latin typeface="Consolas" panose="020B0609020204030204" pitchFamily="49" charset="0"/>
-                <a:cs typeface="Consolas" panose="020B0609020204030204" pitchFamily="49" charset="0"/>
-              </a:rPr>
-              <a:t>print</a:t>
-            </a:r>
-            <a:r>
-              <a:rPr lang="en-US" dirty="0">
-                <a:latin typeface="Consolas" panose="020B0609020204030204" pitchFamily="49" charset="0"/>
-                <a:cs typeface="Consolas" panose="020B0609020204030204" pitchFamily="49" charset="0"/>
-              </a:rPr>
-              <a:t>(</a:t>
-            </a:r>
-            <a:r>
-              <a:rPr lang="en-US" dirty="0">
-                <a:solidFill>
-                  <a:srgbClr val="6A8759"/>
-                </a:solidFill>
-                <a:latin typeface="Consolas" panose="020B0609020204030204" pitchFamily="49" charset="0"/>
-                <a:cs typeface="Consolas" panose="020B0609020204030204" pitchFamily="49" charset="0"/>
-              </a:rPr>
-              <a:t>"The code to the " </a:t>
-            </a:r>
-            <a:r>
-              <a:rPr lang="en-US" dirty="0">
-                <a:latin typeface="Consolas" panose="020B0609020204030204" pitchFamily="49" charset="0"/>
-                <a:cs typeface="Consolas" panose="020B0609020204030204" pitchFamily="49" charset="0"/>
-              </a:rPr>
-              <a:t>+ computer + </a:t>
-            </a:r>
-            <a:r>
-              <a:rPr lang="en-US" dirty="0">
-                <a:solidFill>
-                  <a:srgbClr val="6A8759"/>
-                </a:solidFill>
-                <a:latin typeface="Consolas" panose="020B0609020204030204" pitchFamily="49" charset="0"/>
-                <a:cs typeface="Consolas" panose="020B0609020204030204" pitchFamily="49" charset="0"/>
-              </a:rPr>
-              <a:t>" is "</a:t>
-            </a:r>
-            <a:r>
-              <a:rPr lang="en-US" dirty="0">
-                <a:solidFill>
-                  <a:srgbClr val="CC7832"/>
-                </a:solidFill>
-                <a:latin typeface="Consolas" panose="020B0609020204030204" pitchFamily="49" charset="0"/>
-                <a:cs typeface="Consolas" panose="020B0609020204030204" pitchFamily="49" charset="0"/>
-              </a:rPr>
-              <a:t>, </a:t>
-            </a:r>
-            <a:r>
-              <a:rPr lang="en-US" dirty="0">
-                <a:solidFill>
-                  <a:srgbClr val="AA4926"/>
-                </a:solidFill>
-                <a:latin typeface="Consolas" panose="020B0609020204030204" pitchFamily="49" charset="0"/>
-                <a:cs typeface="Consolas" panose="020B0609020204030204" pitchFamily="49" charset="0"/>
-              </a:rPr>
-              <a:t>end</a:t>
-            </a:r>
-            <a:r>
-              <a:rPr lang="en-US" dirty="0">
-                <a:latin typeface="Consolas" panose="020B0609020204030204" pitchFamily="49" charset="0"/>
-                <a:cs typeface="Consolas" panose="020B0609020204030204" pitchFamily="49" charset="0"/>
-              </a:rPr>
-              <a:t>=</a:t>
-            </a:r>
-            <a:r>
-              <a:rPr lang="en-US" dirty="0">
-                <a:solidFill>
-                  <a:srgbClr val="6A8759"/>
-                </a:solidFill>
-                <a:latin typeface="Consolas" panose="020B0609020204030204" pitchFamily="49" charset="0"/>
-                <a:cs typeface="Consolas" panose="020B0609020204030204" pitchFamily="49" charset="0"/>
-              </a:rPr>
-              <a:t>''</a:t>
-            </a:r>
-            <a:r>
-              <a:rPr lang="en-US" dirty="0">
-                <a:latin typeface="Consolas" panose="020B0609020204030204" pitchFamily="49" charset="0"/>
-                <a:cs typeface="Consolas" panose="020B0609020204030204" pitchFamily="49" charset="0"/>
-              </a:rPr>
-              <a:t>)</a:t>
-            </a:r>
-            <a:br>
-              <a:rPr lang="en-US" dirty="0">
-                <a:latin typeface="Consolas" panose="020B0609020204030204" pitchFamily="49" charset="0"/>
-                <a:cs typeface="Consolas" panose="020B0609020204030204" pitchFamily="49" charset="0"/>
-              </a:rPr>
-            </a:br>
-            <a:r>
-              <a:rPr lang="en-US" dirty="0">
-                <a:latin typeface="Consolas" panose="020B0609020204030204" pitchFamily="49" charset="0"/>
-                <a:cs typeface="Consolas" panose="020B0609020204030204" pitchFamily="49" charset="0"/>
-              </a:rPr>
-              <a:t>    </a:t>
-            </a:r>
-            <a:r>
-              <a:rPr lang="en-US" dirty="0">
-                <a:solidFill>
-                  <a:srgbClr val="8888C6"/>
-                </a:solidFill>
-                <a:latin typeface="Consolas" panose="020B0609020204030204" pitchFamily="49" charset="0"/>
-                <a:cs typeface="Consolas" panose="020B0609020204030204" pitchFamily="49" charset="0"/>
-              </a:rPr>
-              <a:t>print</a:t>
-            </a:r>
-            <a:r>
-              <a:rPr lang="en-US" dirty="0">
-                <a:latin typeface="Consolas" panose="020B0609020204030204" pitchFamily="49" charset="0"/>
-                <a:cs typeface="Consolas" panose="020B0609020204030204" pitchFamily="49" charset="0"/>
-              </a:rPr>
-              <a:t>(</a:t>
-            </a:r>
-            <a:r>
-              <a:rPr lang="en-US" dirty="0" err="1">
-                <a:latin typeface="Consolas" panose="020B0609020204030204" pitchFamily="49" charset="0"/>
-                <a:cs typeface="Consolas" panose="020B0609020204030204" pitchFamily="49" charset="0"/>
-              </a:rPr>
-              <a:t>get_real_code</a:t>
-            </a:r>
-            <a:r>
-              <a:rPr lang="en-US" dirty="0">
-                <a:latin typeface="Consolas" panose="020B0609020204030204" pitchFamily="49" charset="0"/>
-                <a:cs typeface="Consolas" panose="020B0609020204030204" pitchFamily="49" charset="0"/>
-              </a:rPr>
-              <a:t>(code))</a:t>
-            </a:r>
-            <a:br>
-              <a:rPr lang="en-US" dirty="0">
-                <a:latin typeface="Consolas" panose="020B0609020204030204" pitchFamily="49" charset="0"/>
-                <a:cs typeface="Consolas" panose="020B0609020204030204" pitchFamily="49" charset="0"/>
-              </a:rPr>
-            </a:br>
-            <a:br>
-              <a:rPr lang="en-US" dirty="0">
-                <a:latin typeface="Consolas" panose="020B0609020204030204" pitchFamily="49" charset="0"/>
-                <a:cs typeface="Consolas" panose="020B0609020204030204" pitchFamily="49" charset="0"/>
-              </a:rPr>
-            </a:br>
-            <a:r>
-              <a:rPr lang="en-US" dirty="0">
-                <a:solidFill>
-                  <a:srgbClr val="CC7832"/>
-                </a:solidFill>
-                <a:latin typeface="Consolas" panose="020B0609020204030204" pitchFamily="49" charset="0"/>
-                <a:cs typeface="Consolas" panose="020B0609020204030204" pitchFamily="49" charset="0"/>
-              </a:rPr>
-              <a:t>def </a:t>
-            </a:r>
-            <a:r>
-              <a:rPr lang="en-US" dirty="0" err="1">
-                <a:solidFill>
-                  <a:srgbClr val="FFC66D"/>
-                </a:solidFill>
-                <a:latin typeface="Consolas" panose="020B0609020204030204" pitchFamily="49" charset="0"/>
-                <a:cs typeface="Consolas" panose="020B0609020204030204" pitchFamily="49" charset="0"/>
-              </a:rPr>
-              <a:t>use_formula</a:t>
-            </a:r>
-            <a:r>
-              <a:rPr lang="en-US" dirty="0">
-                <a:latin typeface="Consolas" panose="020B0609020204030204" pitchFamily="49" charset="0"/>
-                <a:cs typeface="Consolas" panose="020B0609020204030204" pitchFamily="49" charset="0"/>
-              </a:rPr>
-              <a:t>(code):</a:t>
-            </a:r>
-            <a:br>
-              <a:rPr lang="en-US" dirty="0">
-                <a:latin typeface="Consolas" panose="020B0609020204030204" pitchFamily="49" charset="0"/>
-                <a:cs typeface="Consolas" panose="020B0609020204030204" pitchFamily="49" charset="0"/>
-              </a:rPr>
-            </a:br>
-            <a:r>
-              <a:rPr lang="en-US" dirty="0">
-                <a:latin typeface="Consolas" panose="020B0609020204030204" pitchFamily="49" charset="0"/>
-                <a:cs typeface="Consolas" panose="020B0609020204030204" pitchFamily="49" charset="0"/>
-              </a:rPr>
-              <a:t>    </a:t>
-            </a:r>
-            <a:r>
-              <a:rPr lang="en-US" dirty="0" err="1">
-                <a:latin typeface="Consolas" panose="020B0609020204030204" pitchFamily="49" charset="0"/>
-                <a:cs typeface="Consolas" panose="020B0609020204030204" pitchFamily="49" charset="0"/>
-              </a:rPr>
-              <a:t>solve_cipher</a:t>
-            </a:r>
-            <a:r>
-              <a:rPr lang="en-US" dirty="0">
-                <a:latin typeface="Consolas" panose="020B0609020204030204" pitchFamily="49" charset="0"/>
-                <a:cs typeface="Consolas" panose="020B0609020204030204" pitchFamily="49" charset="0"/>
-              </a:rPr>
-              <a:t>(</a:t>
-            </a:r>
-            <a:r>
-              <a:rPr lang="en-US" dirty="0" err="1">
-                <a:latin typeface="Consolas" panose="020B0609020204030204" pitchFamily="49" charset="0"/>
-                <a:cs typeface="Consolas" panose="020B0609020204030204" pitchFamily="49" charset="0"/>
-              </a:rPr>
-              <a:t>get_real_code</a:t>
-            </a:r>
-            <a:r>
-              <a:rPr lang="en-US" dirty="0">
-                <a:latin typeface="Consolas" panose="020B0609020204030204" pitchFamily="49" charset="0"/>
-                <a:cs typeface="Consolas" panose="020B0609020204030204" pitchFamily="49" charset="0"/>
-              </a:rPr>
-              <a:t>(code) * </a:t>
-            </a:r>
-            <a:r>
-              <a:rPr lang="en-US" dirty="0">
-                <a:solidFill>
-                  <a:srgbClr val="6897BB"/>
-                </a:solidFill>
-                <a:latin typeface="Consolas" panose="020B0609020204030204" pitchFamily="49" charset="0"/>
-                <a:cs typeface="Consolas" panose="020B0609020204030204" pitchFamily="49" charset="0"/>
-              </a:rPr>
-              <a:t>10</a:t>
-            </a:r>
-            <a:r>
-              <a:rPr lang="en-US" dirty="0">
-                <a:latin typeface="Consolas" panose="020B0609020204030204" pitchFamily="49" charset="0"/>
-                <a:cs typeface="Consolas" panose="020B0609020204030204" pitchFamily="49" charset="0"/>
-              </a:rPr>
-              <a:t>)</a:t>
-            </a:r>
-            <a:endParaRPr lang="en-US" dirty="0"/>
-          </a:p>
-        </p:txBody>
-      </p:sp>
-    </p:spTree>
-    <p:extLst>
-      <p:ext uri="{BB962C8B-B14F-4D97-AF65-F5344CB8AC3E}">
-        <p14:creationId xmlns:p14="http://schemas.microsoft.com/office/powerpoint/2010/main" val="950301015"/>
-      </p:ext>
-    </p:extLst>
-  </p:cSld>
-  <p:clrMapOvr>
-    <a:masterClrMapping/>
-  </p:clrMapOvr>
-  <p:transition>
-    <p:fade/>
-  </p:transition>
-</p:sld>
-</file>
-
 <file path=ppt/slides/slide2.xml><?xml version="1.0" encoding="utf-8"?>
 <p:sld xmlns:a="http://schemas.openxmlformats.org/drawingml/2006/main" xmlns:r="http://schemas.openxmlformats.org/officeDocument/2006/relationships" xmlns:p="http://schemas.openxmlformats.org/presentationml/2006/main">
   <p:cSld>
@@ -13936,6 +13940,13 @@
           </a:p>
           <a:p>
             <a:pPr lvl="1"/>
+            <a:r>
+              <a:rPr lang="en-US" dirty="0"/>
+              <a:t>We will use it today!</a:t>
+            </a:r>
+          </a:p>
+          <a:p>
+            <a:pPr lvl="1"/>
             <a:endParaRPr lang="en-US" dirty="0"/>
           </a:p>
           <a:p>
@@ -13990,7 +14001,7 @@
         <p:spPr>
           <a:xfrm>
             <a:off x="9654016" y="347157"/>
-            <a:ext cx="3892958" cy="1022459"/>
+            <a:ext cx="3892958" cy="1487523"/>
           </a:xfrm>
           <a:prstGeom prst="rect">
             <a:avLst/>
@@ -14016,6 +14027,32 @@
             <a:r>
               <a:rPr lang="en-US" sz="3022" dirty="0"/>
               <a:t>Lab projects start!</a:t>
+            </a:r>
+          </a:p>
+          <a:p>
+            <a:r>
+              <a:rPr lang="en-US" sz="3022" dirty="0">
+                <a:solidFill>
+                  <a:schemeClr val="tx2"/>
+                </a:solidFill>
+              </a:rPr>
+              <a:t>1</a:t>
+            </a:r>
+            <a:r>
+              <a:rPr lang="en-US" sz="3022" baseline="30000" dirty="0">
+                <a:solidFill>
+                  <a:schemeClr val="tx2"/>
+                </a:solidFill>
+              </a:rPr>
+              <a:t>st</a:t>
+            </a:r>
+            <a:r>
+              <a:rPr lang="en-US" sz="3022" dirty="0">
+                <a:solidFill>
+                  <a:schemeClr val="tx2"/>
+                </a:solidFill>
+              </a:rPr>
+              <a:t> Essay Next Week!</a:t>
             </a:r>
           </a:p>
         </p:txBody>
@@ -14034,7 +14071,7 @@
         </p:nvSpPr>
         <p:spPr>
           <a:xfrm>
-            <a:off x="9654016" y="2169282"/>
+            <a:off x="9654016" y="2940529"/>
             <a:ext cx="4277448" cy="2882456"/>
           </a:xfrm>
           <a:prstGeom prst="rect">
@@ -14117,8 +14154,8 @@
         </p:nvSpPr>
         <p:spPr>
           <a:xfrm>
-            <a:off x="1682831" y="6183498"/>
-            <a:ext cx="10451900" cy="1015663"/>
+            <a:off x="1480594" y="6183498"/>
+            <a:ext cx="12066380" cy="1015663"/>
           </a:xfrm>
           <a:prstGeom prst="rect">
             <a:avLst/>
@@ -14141,13 +14178,13 @@
           <a:p>
             <a:r>
               <a:rPr lang="en-US" dirty="0"/>
-              <a:t>Do you have a “code” you talk to your friends with that only they will know what you mean?</a:t>
+              <a:t>How do you define intelligence? What makes someone or something intelligent? Are your phones smart?</a:t>
             </a:r>
           </a:p>
           <a:p>
             <a:r>
               <a:rPr lang="en-US" dirty="0"/>
-              <a:t>Also, do you speak other languages or want to?</a:t>
+              <a:t>We will have an action from this!</a:t>
             </a:r>
           </a:p>
         </p:txBody>
@@ -14168,7 +14205,1130 @@
 </p:sld>
 </file>
 
+<file path=ppt/slides/slide20.xml><?xml version="1.0" encoding="utf-8"?>
+<p:sld xmlns:a="http://schemas.openxmlformats.org/drawingml/2006/main" xmlns:r="http://schemas.openxmlformats.org/officeDocument/2006/relationships" xmlns:p="http://schemas.openxmlformats.org/presentationml/2006/main">
+  <p:cSld>
+    <p:spTree>
+      <p:nvGrpSpPr>
+        <p:cNvPr id="1" name=""/>
+        <p:cNvGrpSpPr/>
+        <p:nvPr/>
+      </p:nvGrpSpPr>
+      <p:grpSpPr>
+        <a:xfrm>
+          <a:off x="0" y="0"/>
+          <a:ext cx="0" cy="0"/>
+          <a:chOff x="0" y="0"/>
+          <a:chExt cx="0" cy="0"/>
+        </a:xfrm>
+      </p:grpSpPr>
+      <p:sp>
+        <p:nvSpPr>
+          <p:cNvPr id="2" name="Title 1">
+            <a:extLst>
+              <a:ext uri="{FF2B5EF4-FFF2-40B4-BE49-F238E27FC236}">
+                <a16:creationId xmlns:a16="http://schemas.microsoft.com/office/drawing/2014/main" id="{950898D6-D36C-544F-AF62-95730C14E0C8}"/>
+              </a:ext>
+            </a:extLst>
+          </p:cNvPr>
+          <p:cNvSpPr>
+            <a:spLocks noGrp="1"/>
+          </p:cNvSpPr>
+          <p:nvPr>
+            <p:ph type="title"/>
+          </p:nvPr>
+        </p:nvSpPr>
+        <p:spPr/>
+        <p:txBody>
+          <a:bodyPr/>
+          <a:lstStyle/>
+          <a:p>
+            <a:r>
+              <a:rPr lang="en-US" dirty="0"/>
+              <a:t>Student Challenge</a:t>
+            </a:r>
+          </a:p>
+        </p:txBody>
+      </p:sp>
+      <p:sp>
+        <p:nvSpPr>
+          <p:cNvPr id="3" name="Text Placeholder 2">
+            <a:extLst>
+              <a:ext uri="{FF2B5EF4-FFF2-40B4-BE49-F238E27FC236}">
+                <a16:creationId xmlns:a16="http://schemas.microsoft.com/office/drawing/2014/main" id="{30DD9082-94D2-634F-9F23-5B100F336198}"/>
+              </a:ext>
+            </a:extLst>
+          </p:cNvPr>
+          <p:cNvSpPr>
+            <a:spLocks noGrp="1"/>
+          </p:cNvSpPr>
+          <p:nvPr>
+            <p:ph type="body" idx="1"/>
+          </p:nvPr>
+        </p:nvSpPr>
+        <p:spPr>
+          <a:xfrm>
+            <a:off x="628075" y="1920725"/>
+            <a:ext cx="12561413" cy="5100286"/>
+          </a:xfrm>
+        </p:spPr>
+        <p:txBody>
+          <a:bodyPr/>
+          <a:lstStyle/>
+          <a:p>
+            <a:r>
+              <a:rPr lang="en-US" dirty="0"/>
+              <a:t>Team Coding</a:t>
+            </a:r>
+          </a:p>
+          <a:p>
+            <a:r>
+              <a:rPr lang="en-US" dirty="0"/>
+              <a:t>As group, write two functions</a:t>
+            </a:r>
+          </a:p>
+          <a:p>
+            <a:pPr lvl="1"/>
+            <a:r>
+              <a:rPr lang="en-US" dirty="0"/>
+              <a:t>The first function takes in two parameters – first, last</a:t>
+            </a:r>
+          </a:p>
+          <a:p>
+            <a:pPr lvl="2"/>
+            <a:r>
+              <a:rPr lang="en-US" dirty="0"/>
+              <a:t>It prints the ”welcome to the class (last), (first)”</a:t>
+            </a:r>
+          </a:p>
+          <a:p>
+            <a:pPr lvl="1"/>
+            <a:r>
+              <a:rPr lang="en-US" dirty="0"/>
+              <a:t>The second function </a:t>
+            </a:r>
+          </a:p>
+          <a:p>
+            <a:pPr lvl="2"/>
+            <a:r>
+              <a:rPr lang="en-US" dirty="0"/>
+              <a:t>Calls input to ask the client their first name</a:t>
+            </a:r>
+          </a:p>
+          <a:p>
+            <a:pPr lvl="2"/>
+            <a:r>
+              <a:rPr lang="en-US" dirty="0"/>
+              <a:t>It calls input a second time to ask them their last name</a:t>
+            </a:r>
+          </a:p>
+          <a:p>
+            <a:pPr lvl="2"/>
+            <a:r>
+              <a:rPr lang="en-US" dirty="0"/>
+              <a:t>it calls your first function to print out the result</a:t>
+            </a:r>
+          </a:p>
+          <a:p>
+            <a:pPr lvl="2"/>
+            <a:endParaRPr lang="en-US" dirty="0"/>
+          </a:p>
+          <a:p>
+            <a:r>
+              <a:rPr lang="en-US" dirty="0"/>
+              <a:t>Have one person on the table code using their laptop and </a:t>
+            </a:r>
+            <a:r>
+              <a:rPr lang="en-US" dirty="0" err="1"/>
+              <a:t>zybooks</a:t>
+            </a:r>
+            <a:r>
+              <a:rPr lang="en-US" dirty="0"/>
+              <a:t> IDE</a:t>
+            </a:r>
+          </a:p>
+          <a:p>
+            <a:pPr lvl="1"/>
+            <a:r>
+              <a:rPr lang="en-US" dirty="0"/>
+              <a:t>The person who codes has to limit their input. They follow the instructions of others</a:t>
+            </a:r>
+          </a:p>
+          <a:p>
+            <a:pPr lvl="1"/>
+            <a:r>
+              <a:rPr lang="en-US" dirty="0"/>
+              <a:t>We will alternate who codes each class, so you won’t always be typing.</a:t>
+            </a:r>
+          </a:p>
+        </p:txBody>
+      </p:sp>
+    </p:spTree>
+    <p:extLst>
+      <p:ext uri="{BB962C8B-B14F-4D97-AF65-F5344CB8AC3E}">
+        <p14:creationId xmlns:p14="http://schemas.microsoft.com/office/powerpoint/2010/main" val="109925682"/>
+      </p:ext>
+    </p:extLst>
+  </p:cSld>
+  <p:clrMapOvr>
+    <a:masterClrMapping/>
+  </p:clrMapOvr>
+  <p:transition>
+    <p:fade/>
+  </p:transition>
+</p:sld>
+</file>
+
+<file path=ppt/slides/slide21.xml><?xml version="1.0" encoding="utf-8"?>
+<p:sld xmlns:a="http://schemas.openxmlformats.org/drawingml/2006/main" xmlns:r="http://schemas.openxmlformats.org/officeDocument/2006/relationships" xmlns:p="http://schemas.openxmlformats.org/presentationml/2006/main">
+  <p:cSld>
+    <p:spTree>
+      <p:nvGrpSpPr>
+        <p:cNvPr id="1" name="Shape 227"/>
+        <p:cNvGrpSpPr/>
+        <p:nvPr/>
+      </p:nvGrpSpPr>
+      <p:grpSpPr>
+        <a:xfrm>
+          <a:off x="0" y="0"/>
+          <a:ext cx="0" cy="0"/>
+          <a:chOff x="0" y="0"/>
+          <a:chExt cx="0" cy="0"/>
+        </a:xfrm>
+      </p:grpSpPr>
+      <p:sp>
+        <p:nvSpPr>
+          <p:cNvPr id="228" name="Google Shape;228;p44"/>
+          <p:cNvSpPr txBox="1">
+            <a:spLocks noGrp="1"/>
+          </p:cNvSpPr>
+          <p:nvPr>
+            <p:ph type="title"/>
+          </p:nvPr>
+        </p:nvSpPr>
+        <p:spPr>
+          <a:xfrm>
+            <a:off x="628075" y="751389"/>
+            <a:ext cx="12561413" cy="1015467"/>
+          </a:xfrm>
+          <a:prstGeom prst="rect">
+            <a:avLst/>
+          </a:prstGeom>
+        </p:spPr>
+        <p:txBody>
+          <a:bodyPr spcFirstLastPara="1" vert="horz" wrap="square" lIns="91422" tIns="91422" rIns="91422" bIns="91422" rtlCol="0" anchor="b" anchorCtr="0">
+            <a:noAutofit/>
+          </a:bodyPr>
+          <a:lstStyle/>
+          <a:p>
+            <a:r>
+              <a:rPr lang="en"/>
+              <a:t>Remember</a:t>
+            </a:r>
+            <a:endParaRPr dirty="0"/>
+          </a:p>
+        </p:txBody>
+      </p:sp>
+      <p:sp>
+        <p:nvSpPr>
+          <p:cNvPr id="229" name="Google Shape;229;p44"/>
+          <p:cNvSpPr/>
+          <p:nvPr/>
+        </p:nvSpPr>
+        <p:spPr>
+          <a:xfrm>
+            <a:off x="4759290" y="2124687"/>
+            <a:ext cx="2270747" cy="1554027"/>
+          </a:xfrm>
+          <a:prstGeom prst="rect">
+            <a:avLst/>
+          </a:prstGeom>
+          <a:solidFill>
+            <a:srgbClr val="C8C371"/>
+          </a:solidFill>
+          <a:ln w="9525" cap="flat" cmpd="sng">
+            <a:solidFill>
+              <a:srgbClr val="1E4D2B"/>
+            </a:solidFill>
+            <a:prstDash val="solid"/>
+            <a:round/>
+            <a:headEnd type="none" w="sm" len="sm"/>
+            <a:tailEnd type="none" w="sm" len="sm"/>
+          </a:ln>
+        </p:spPr>
+        <p:txBody>
+          <a:bodyPr spcFirstLastPara="1" wrap="square" lIns="138153" tIns="138153" rIns="138153" bIns="138153" anchor="ctr" anchorCtr="0">
+            <a:noAutofit/>
+          </a:bodyPr>
+          <a:lstStyle/>
+          <a:p>
+            <a:pPr algn="ctr"/>
+            <a:r>
+              <a:rPr lang="en" sz="3022"/>
+              <a:t>Divide</a:t>
+            </a:r>
+            <a:endParaRPr sz="3022" dirty="0"/>
+          </a:p>
+        </p:txBody>
+      </p:sp>
+      <p:sp>
+        <p:nvSpPr>
+          <p:cNvPr id="230" name="Google Shape;230;p44"/>
+          <p:cNvSpPr/>
+          <p:nvPr/>
+        </p:nvSpPr>
+        <p:spPr>
+          <a:xfrm>
+            <a:off x="3676229" y="3869582"/>
+            <a:ext cx="1296987" cy="980107"/>
+          </a:xfrm>
+          <a:prstGeom prst="rect">
+            <a:avLst/>
+          </a:prstGeom>
+          <a:solidFill>
+            <a:srgbClr val="C8C371"/>
+          </a:solidFill>
+          <a:ln w="9525" cap="flat" cmpd="sng">
+            <a:solidFill>
+              <a:srgbClr val="1E4D2B"/>
+            </a:solidFill>
+            <a:prstDash val="solid"/>
+            <a:round/>
+            <a:headEnd type="none" w="sm" len="sm"/>
+            <a:tailEnd type="none" w="sm" len="sm"/>
+          </a:ln>
+        </p:spPr>
+        <p:txBody>
+          <a:bodyPr spcFirstLastPara="1" wrap="square" lIns="138153" tIns="138153" rIns="138153" bIns="138153" anchor="ctr" anchorCtr="0">
+            <a:noAutofit/>
+          </a:bodyPr>
+          <a:lstStyle/>
+          <a:p>
+            <a:pPr algn="ctr"/>
+            <a:r>
+              <a:rPr lang="en" sz="1058"/>
+              <a:t>Conquer</a:t>
+            </a:r>
+            <a:endParaRPr sz="1058" dirty="0"/>
+          </a:p>
+        </p:txBody>
+      </p:sp>
+      <p:sp>
+        <p:nvSpPr>
+          <p:cNvPr id="231" name="Google Shape;231;p44"/>
+          <p:cNvSpPr/>
+          <p:nvPr/>
+        </p:nvSpPr>
+        <p:spPr>
+          <a:xfrm>
+            <a:off x="5251768" y="3869582"/>
+            <a:ext cx="1296987" cy="980107"/>
+          </a:xfrm>
+          <a:prstGeom prst="rect">
+            <a:avLst/>
+          </a:prstGeom>
+          <a:solidFill>
+            <a:srgbClr val="C8C371"/>
+          </a:solidFill>
+          <a:ln w="9525" cap="flat" cmpd="sng">
+            <a:solidFill>
+              <a:srgbClr val="1E4D2B"/>
+            </a:solidFill>
+            <a:prstDash val="solid"/>
+            <a:round/>
+            <a:headEnd type="none" w="sm" len="sm"/>
+            <a:tailEnd type="none" w="sm" len="sm"/>
+          </a:ln>
+        </p:spPr>
+        <p:txBody>
+          <a:bodyPr spcFirstLastPara="1" wrap="square" lIns="138153" tIns="138153" rIns="138153" bIns="138153" anchor="ctr" anchorCtr="0">
+            <a:noAutofit/>
+          </a:bodyPr>
+          <a:lstStyle/>
+          <a:p>
+            <a:pPr algn="ctr"/>
+            <a:r>
+              <a:rPr lang="en" sz="1058"/>
+              <a:t>Conquer</a:t>
+            </a:r>
+            <a:endParaRPr sz="1058" dirty="0"/>
+          </a:p>
+        </p:txBody>
+      </p:sp>
+      <p:sp>
+        <p:nvSpPr>
+          <p:cNvPr id="232" name="Google Shape;232;p44"/>
+          <p:cNvSpPr/>
+          <p:nvPr/>
+        </p:nvSpPr>
+        <p:spPr>
+          <a:xfrm>
+            <a:off x="6827307" y="3869582"/>
+            <a:ext cx="1296987" cy="980107"/>
+          </a:xfrm>
+          <a:prstGeom prst="rect">
+            <a:avLst/>
+          </a:prstGeom>
+          <a:solidFill>
+            <a:srgbClr val="C8C371"/>
+          </a:solidFill>
+          <a:ln w="9525" cap="flat" cmpd="sng">
+            <a:solidFill>
+              <a:srgbClr val="1E4D2B"/>
+            </a:solidFill>
+            <a:prstDash val="solid"/>
+            <a:round/>
+            <a:headEnd type="none" w="sm" len="sm"/>
+            <a:tailEnd type="none" w="sm" len="sm"/>
+          </a:ln>
+        </p:spPr>
+        <p:txBody>
+          <a:bodyPr spcFirstLastPara="1" wrap="square" lIns="138153" tIns="138153" rIns="138153" bIns="138153" anchor="ctr" anchorCtr="0">
+            <a:noAutofit/>
+          </a:bodyPr>
+          <a:lstStyle/>
+          <a:p>
+            <a:pPr algn="ctr"/>
+            <a:r>
+              <a:rPr lang="en" sz="1058"/>
+              <a:t>Conquer</a:t>
+            </a:r>
+            <a:endParaRPr sz="1058" dirty="0"/>
+          </a:p>
+        </p:txBody>
+      </p:sp>
+      <p:sp>
+        <p:nvSpPr>
+          <p:cNvPr id="233" name="Google Shape;233;p44"/>
+          <p:cNvSpPr/>
+          <p:nvPr/>
+        </p:nvSpPr>
+        <p:spPr>
+          <a:xfrm>
+            <a:off x="4765124" y="5040748"/>
+            <a:ext cx="2270747" cy="1554027"/>
+          </a:xfrm>
+          <a:prstGeom prst="rect">
+            <a:avLst/>
+          </a:prstGeom>
+          <a:solidFill>
+            <a:srgbClr val="C8C371"/>
+          </a:solidFill>
+          <a:ln w="9525" cap="flat" cmpd="sng">
+            <a:solidFill>
+              <a:srgbClr val="1E4D2B"/>
+            </a:solidFill>
+            <a:prstDash val="solid"/>
+            <a:round/>
+            <a:headEnd type="none" w="sm" len="sm"/>
+            <a:tailEnd type="none" w="sm" len="sm"/>
+          </a:ln>
+        </p:spPr>
+        <p:txBody>
+          <a:bodyPr spcFirstLastPara="1" wrap="square" lIns="138153" tIns="138153" rIns="138153" bIns="138153" anchor="ctr" anchorCtr="0">
+            <a:noAutofit/>
+          </a:bodyPr>
+          <a:lstStyle/>
+          <a:p>
+            <a:pPr algn="ctr"/>
+            <a:r>
+              <a:rPr lang="en" sz="3022"/>
+              <a:t>Glue</a:t>
+            </a:r>
+            <a:endParaRPr sz="3022" dirty="0"/>
+          </a:p>
+        </p:txBody>
+      </p:sp>
+      <p:sp>
+        <p:nvSpPr>
+          <p:cNvPr id="234" name="Google Shape;234;p44"/>
+          <p:cNvSpPr txBox="1"/>
+          <p:nvPr/>
+        </p:nvSpPr>
+        <p:spPr>
+          <a:xfrm rot="-2447929">
+            <a:off x="709804" y="2846675"/>
+            <a:ext cx="2966695" cy="979983"/>
+          </a:xfrm>
+          <a:prstGeom prst="rect">
+            <a:avLst/>
+          </a:prstGeom>
+          <a:noFill/>
+          <a:ln>
+            <a:noFill/>
+          </a:ln>
+        </p:spPr>
+        <p:txBody>
+          <a:bodyPr spcFirstLastPara="1" wrap="square" lIns="138153" tIns="138153" rIns="138153" bIns="138153" anchor="t" anchorCtr="0">
+            <a:noAutofit/>
+          </a:bodyPr>
+          <a:lstStyle/>
+          <a:p>
+            <a:r>
+              <a:rPr lang="en" sz="3022"/>
+              <a:t>Remember</a:t>
+            </a:r>
+            <a:endParaRPr sz="3022" dirty="0"/>
+          </a:p>
+        </p:txBody>
+      </p:sp>
+      <p:sp>
+        <p:nvSpPr>
+          <p:cNvPr id="235" name="Google Shape;235;p44"/>
+          <p:cNvSpPr/>
+          <p:nvPr/>
+        </p:nvSpPr>
+        <p:spPr>
+          <a:xfrm>
+            <a:off x="8537853" y="3750880"/>
+            <a:ext cx="4069120" cy="1015467"/>
+          </a:xfrm>
+          <a:prstGeom prst="leftArrow">
+            <a:avLst>
+              <a:gd name="adj1" fmla="val 50000"/>
+              <a:gd name="adj2" fmla="val 50000"/>
+            </a:avLst>
+          </a:prstGeom>
+          <a:solidFill>
+            <a:srgbClr val="00FF00"/>
+          </a:solidFill>
+          <a:ln w="9525" cap="flat" cmpd="sng">
+            <a:solidFill>
+              <a:srgbClr val="1E4D2B"/>
+            </a:solidFill>
+            <a:prstDash val="solid"/>
+            <a:round/>
+            <a:headEnd type="none" w="sm" len="sm"/>
+            <a:tailEnd type="none" w="sm" len="sm"/>
+          </a:ln>
+        </p:spPr>
+        <p:txBody>
+          <a:bodyPr spcFirstLastPara="1" wrap="square" lIns="138153" tIns="138153" rIns="138153" bIns="138153" anchor="ctr" anchorCtr="0">
+            <a:noAutofit/>
+          </a:bodyPr>
+          <a:lstStyle/>
+          <a:p>
+            <a:r>
+              <a:rPr lang="en" sz="1600" dirty="0"/>
+              <a:t>These are functions (mostly)</a:t>
+            </a:r>
+            <a:endParaRPr sz="1600" dirty="0"/>
+          </a:p>
+        </p:txBody>
+      </p:sp>
+    </p:spTree>
+  </p:cSld>
+  <p:clrMapOvr>
+    <a:masterClrMapping/>
+  </p:clrMapOvr>
+</p:sld>
+</file>
+
+<file path=ppt/slides/slide22.xml><?xml version="1.0" encoding="utf-8"?>
+<p:sld xmlns:a="http://schemas.openxmlformats.org/drawingml/2006/main" xmlns:r="http://schemas.openxmlformats.org/officeDocument/2006/relationships" xmlns:p="http://schemas.openxmlformats.org/presentationml/2006/main" show="0">
+  <p:cSld>
+    <p:spTree>
+      <p:nvGrpSpPr>
+        <p:cNvPr id="1" name=""/>
+        <p:cNvGrpSpPr/>
+        <p:nvPr/>
+      </p:nvGrpSpPr>
+      <p:grpSpPr>
+        <a:xfrm>
+          <a:off x="0" y="0"/>
+          <a:ext cx="0" cy="0"/>
+          <a:chOff x="0" y="0"/>
+          <a:chExt cx="0" cy="0"/>
+        </a:xfrm>
+      </p:grpSpPr>
+      <p:sp>
+        <p:nvSpPr>
+          <p:cNvPr id="2" name="Title 1">
+            <a:extLst>
+              <a:ext uri="{FF2B5EF4-FFF2-40B4-BE49-F238E27FC236}">
+                <a16:creationId xmlns:a16="http://schemas.microsoft.com/office/drawing/2014/main" id="{D5DF162F-679B-1D49-B4A4-3C7BC8518723}"/>
+              </a:ext>
+            </a:extLst>
+          </p:cNvPr>
+          <p:cNvSpPr>
+            <a:spLocks noGrp="1"/>
+          </p:cNvSpPr>
+          <p:nvPr>
+            <p:ph type="title"/>
+          </p:nvPr>
+        </p:nvSpPr>
+        <p:spPr/>
+        <p:txBody>
+          <a:bodyPr/>
+          <a:lstStyle/>
+          <a:p>
+            <a:r>
+              <a:rPr lang="en-US" dirty="0"/>
+              <a:t>Let’s program</a:t>
+            </a:r>
+          </a:p>
+        </p:txBody>
+      </p:sp>
+      <p:sp>
+        <p:nvSpPr>
+          <p:cNvPr id="4" name="Rectangle 3">
+            <a:extLst>
+              <a:ext uri="{FF2B5EF4-FFF2-40B4-BE49-F238E27FC236}">
+                <a16:creationId xmlns:a16="http://schemas.microsoft.com/office/drawing/2014/main" id="{11A90B1C-1D85-AA44-93AC-6FFCF059E076}"/>
+              </a:ext>
+            </a:extLst>
+          </p:cNvPr>
+          <p:cNvSpPr/>
+          <p:nvPr/>
+        </p:nvSpPr>
+        <p:spPr>
+          <a:xfrm>
+            <a:off x="3035300" y="2455039"/>
+            <a:ext cx="8458200" cy="2862322"/>
+          </a:xfrm>
+          <a:prstGeom prst="rect">
+            <a:avLst/>
+          </a:prstGeom>
+        </p:spPr>
+        <p:txBody>
+          <a:bodyPr wrap="square">
+            <a:spAutoFit/>
+          </a:bodyPr>
+          <a:lstStyle/>
+          <a:p>
+            <a:r>
+              <a:rPr lang="en-US" dirty="0">
+                <a:solidFill>
+                  <a:srgbClr val="CC7832"/>
+                </a:solidFill>
+                <a:latin typeface="Consolas" panose="020B0609020204030204" pitchFamily="49" charset="0"/>
+                <a:cs typeface="Consolas" panose="020B0609020204030204" pitchFamily="49" charset="0"/>
+              </a:rPr>
+              <a:t>def </a:t>
+            </a:r>
+            <a:r>
+              <a:rPr lang="en-US" dirty="0" err="1">
+                <a:solidFill>
+                  <a:srgbClr val="FFC66D"/>
+                </a:solidFill>
+                <a:latin typeface="Consolas" panose="020B0609020204030204" pitchFamily="49" charset="0"/>
+                <a:cs typeface="Consolas" panose="020B0609020204030204" pitchFamily="49" charset="0"/>
+              </a:rPr>
+              <a:t>get_real_code</a:t>
+            </a:r>
+            <a:r>
+              <a:rPr lang="en-US" dirty="0">
+                <a:latin typeface="Consolas" panose="020B0609020204030204" pitchFamily="49" charset="0"/>
+                <a:cs typeface="Consolas" panose="020B0609020204030204" pitchFamily="49" charset="0"/>
+              </a:rPr>
+              <a:t>(code):</a:t>
+            </a:r>
+            <a:br>
+              <a:rPr lang="en-US" dirty="0">
+                <a:latin typeface="Consolas" panose="020B0609020204030204" pitchFamily="49" charset="0"/>
+                <a:cs typeface="Consolas" panose="020B0609020204030204" pitchFamily="49" charset="0"/>
+              </a:rPr>
+            </a:br>
+            <a:r>
+              <a:rPr lang="en-US" dirty="0">
+                <a:latin typeface="Consolas" panose="020B0609020204030204" pitchFamily="49" charset="0"/>
+                <a:cs typeface="Consolas" panose="020B0609020204030204" pitchFamily="49" charset="0"/>
+              </a:rPr>
+              <a:t>    </a:t>
+            </a:r>
+            <a:r>
+              <a:rPr lang="en-US" dirty="0">
+                <a:solidFill>
+                  <a:srgbClr val="CC7832"/>
+                </a:solidFill>
+                <a:latin typeface="Consolas" panose="020B0609020204030204" pitchFamily="49" charset="0"/>
+                <a:cs typeface="Consolas" panose="020B0609020204030204" pitchFamily="49" charset="0"/>
+              </a:rPr>
+              <a:t>return </a:t>
+            </a:r>
+            <a:r>
+              <a:rPr lang="en-US" dirty="0">
+                <a:latin typeface="Consolas" panose="020B0609020204030204" pitchFamily="49" charset="0"/>
+                <a:cs typeface="Consolas" panose="020B0609020204030204" pitchFamily="49" charset="0"/>
+              </a:rPr>
+              <a:t>(code * </a:t>
+            </a:r>
+            <a:r>
+              <a:rPr lang="en-US" dirty="0">
+                <a:solidFill>
+                  <a:srgbClr val="6897BB"/>
+                </a:solidFill>
+                <a:latin typeface="Consolas" panose="020B0609020204030204" pitchFamily="49" charset="0"/>
+                <a:cs typeface="Consolas" panose="020B0609020204030204" pitchFamily="49" charset="0"/>
+              </a:rPr>
+              <a:t>3 </a:t>
+            </a:r>
+            <a:r>
+              <a:rPr lang="en-US" dirty="0">
+                <a:latin typeface="Consolas" panose="020B0609020204030204" pitchFamily="49" charset="0"/>
+                <a:cs typeface="Consolas" panose="020B0609020204030204" pitchFamily="49" charset="0"/>
+              </a:rPr>
+              <a:t>/ </a:t>
+            </a:r>
+            <a:r>
+              <a:rPr lang="en-US" dirty="0">
+                <a:solidFill>
+                  <a:srgbClr val="6897BB"/>
+                </a:solidFill>
+                <a:latin typeface="Consolas" panose="020B0609020204030204" pitchFamily="49" charset="0"/>
+                <a:cs typeface="Consolas" panose="020B0609020204030204" pitchFamily="49" charset="0"/>
+              </a:rPr>
+              <a:t>2</a:t>
+            </a:r>
+            <a:r>
+              <a:rPr lang="en-US" dirty="0">
+                <a:latin typeface="Consolas" panose="020B0609020204030204" pitchFamily="49" charset="0"/>
+                <a:cs typeface="Consolas" panose="020B0609020204030204" pitchFamily="49" charset="0"/>
+              </a:rPr>
+              <a:t>) - </a:t>
+            </a:r>
+            <a:r>
+              <a:rPr lang="en-US" dirty="0">
+                <a:solidFill>
+                  <a:srgbClr val="6897BB"/>
+                </a:solidFill>
+                <a:latin typeface="Consolas" panose="020B0609020204030204" pitchFamily="49" charset="0"/>
+                <a:cs typeface="Consolas" panose="020B0609020204030204" pitchFamily="49" charset="0"/>
+              </a:rPr>
+              <a:t>2.1 </a:t>
+            </a:r>
+            <a:br>
+              <a:rPr lang="en-US" dirty="0">
+                <a:solidFill>
+                  <a:srgbClr val="6897BB"/>
+                </a:solidFill>
+                <a:latin typeface="Consolas" panose="020B0609020204030204" pitchFamily="49" charset="0"/>
+                <a:cs typeface="Consolas" panose="020B0609020204030204" pitchFamily="49" charset="0"/>
+              </a:rPr>
+            </a:br>
+            <a:br>
+              <a:rPr lang="en-US" dirty="0">
+                <a:solidFill>
+                  <a:srgbClr val="6897BB"/>
+                </a:solidFill>
+                <a:latin typeface="Consolas" panose="020B0609020204030204" pitchFamily="49" charset="0"/>
+                <a:cs typeface="Consolas" panose="020B0609020204030204" pitchFamily="49" charset="0"/>
+              </a:rPr>
+            </a:br>
+            <a:r>
+              <a:rPr lang="en-US" dirty="0">
+                <a:solidFill>
+                  <a:srgbClr val="CC7832"/>
+                </a:solidFill>
+                <a:latin typeface="Consolas" panose="020B0609020204030204" pitchFamily="49" charset="0"/>
+                <a:cs typeface="Consolas" panose="020B0609020204030204" pitchFamily="49" charset="0"/>
+              </a:rPr>
+              <a:t>def </a:t>
+            </a:r>
+            <a:r>
+              <a:rPr lang="en-US" dirty="0" err="1">
+                <a:solidFill>
+                  <a:srgbClr val="FFC66D"/>
+                </a:solidFill>
+                <a:latin typeface="Consolas" panose="020B0609020204030204" pitchFamily="49" charset="0"/>
+                <a:cs typeface="Consolas" panose="020B0609020204030204" pitchFamily="49" charset="0"/>
+              </a:rPr>
+              <a:t>print_machine_info</a:t>
+            </a:r>
+            <a:r>
+              <a:rPr lang="en-US" dirty="0">
+                <a:latin typeface="Consolas" panose="020B0609020204030204" pitchFamily="49" charset="0"/>
+                <a:cs typeface="Consolas" panose="020B0609020204030204" pitchFamily="49" charset="0"/>
+              </a:rPr>
+              <a:t>(computer</a:t>
+            </a:r>
+            <a:r>
+              <a:rPr lang="en-US" dirty="0">
+                <a:solidFill>
+                  <a:srgbClr val="CC7832"/>
+                </a:solidFill>
+                <a:latin typeface="Consolas" panose="020B0609020204030204" pitchFamily="49" charset="0"/>
+                <a:cs typeface="Consolas" panose="020B0609020204030204" pitchFamily="49" charset="0"/>
+              </a:rPr>
+              <a:t>, </a:t>
+            </a:r>
+            <a:r>
+              <a:rPr lang="en-US" dirty="0">
+                <a:latin typeface="Consolas" panose="020B0609020204030204" pitchFamily="49" charset="0"/>
+                <a:cs typeface="Consolas" panose="020B0609020204030204" pitchFamily="49" charset="0"/>
+              </a:rPr>
+              <a:t>code):</a:t>
+            </a:r>
+            <a:br>
+              <a:rPr lang="en-US" dirty="0">
+                <a:latin typeface="Consolas" panose="020B0609020204030204" pitchFamily="49" charset="0"/>
+                <a:cs typeface="Consolas" panose="020B0609020204030204" pitchFamily="49" charset="0"/>
+              </a:rPr>
+            </a:br>
+            <a:r>
+              <a:rPr lang="en-US" dirty="0">
+                <a:latin typeface="Consolas" panose="020B0609020204030204" pitchFamily="49" charset="0"/>
+                <a:cs typeface="Consolas" panose="020B0609020204030204" pitchFamily="49" charset="0"/>
+              </a:rPr>
+              <a:t>    </a:t>
+            </a:r>
+            <a:r>
+              <a:rPr lang="en-US" dirty="0">
+                <a:solidFill>
+                  <a:srgbClr val="8888C6"/>
+                </a:solidFill>
+                <a:latin typeface="Consolas" panose="020B0609020204030204" pitchFamily="49" charset="0"/>
+                <a:cs typeface="Consolas" panose="020B0609020204030204" pitchFamily="49" charset="0"/>
+              </a:rPr>
+              <a:t>print</a:t>
+            </a:r>
+            <a:r>
+              <a:rPr lang="en-US" dirty="0">
+                <a:latin typeface="Consolas" panose="020B0609020204030204" pitchFamily="49" charset="0"/>
+                <a:cs typeface="Consolas" panose="020B0609020204030204" pitchFamily="49" charset="0"/>
+              </a:rPr>
+              <a:t>(</a:t>
+            </a:r>
+            <a:r>
+              <a:rPr lang="en-US" dirty="0">
+                <a:solidFill>
+                  <a:srgbClr val="6A8759"/>
+                </a:solidFill>
+                <a:latin typeface="Consolas" panose="020B0609020204030204" pitchFamily="49" charset="0"/>
+                <a:cs typeface="Consolas" panose="020B0609020204030204" pitchFamily="49" charset="0"/>
+              </a:rPr>
+              <a:t>"The code to the " </a:t>
+            </a:r>
+            <a:r>
+              <a:rPr lang="en-US" dirty="0">
+                <a:latin typeface="Consolas" panose="020B0609020204030204" pitchFamily="49" charset="0"/>
+                <a:cs typeface="Consolas" panose="020B0609020204030204" pitchFamily="49" charset="0"/>
+              </a:rPr>
+              <a:t>+ computer + </a:t>
+            </a:r>
+            <a:r>
+              <a:rPr lang="en-US" dirty="0">
+                <a:solidFill>
+                  <a:srgbClr val="6A8759"/>
+                </a:solidFill>
+                <a:latin typeface="Consolas" panose="020B0609020204030204" pitchFamily="49" charset="0"/>
+                <a:cs typeface="Consolas" panose="020B0609020204030204" pitchFamily="49" charset="0"/>
+              </a:rPr>
+              <a:t>" is "</a:t>
+            </a:r>
+            <a:r>
+              <a:rPr lang="en-US" dirty="0">
+                <a:solidFill>
+                  <a:srgbClr val="CC7832"/>
+                </a:solidFill>
+                <a:latin typeface="Consolas" panose="020B0609020204030204" pitchFamily="49" charset="0"/>
+                <a:cs typeface="Consolas" panose="020B0609020204030204" pitchFamily="49" charset="0"/>
+              </a:rPr>
+              <a:t>, </a:t>
+            </a:r>
+            <a:r>
+              <a:rPr lang="en-US" dirty="0">
+                <a:solidFill>
+                  <a:srgbClr val="AA4926"/>
+                </a:solidFill>
+                <a:latin typeface="Consolas" panose="020B0609020204030204" pitchFamily="49" charset="0"/>
+                <a:cs typeface="Consolas" panose="020B0609020204030204" pitchFamily="49" charset="0"/>
+              </a:rPr>
+              <a:t>end</a:t>
+            </a:r>
+            <a:r>
+              <a:rPr lang="en-US" dirty="0">
+                <a:latin typeface="Consolas" panose="020B0609020204030204" pitchFamily="49" charset="0"/>
+                <a:cs typeface="Consolas" panose="020B0609020204030204" pitchFamily="49" charset="0"/>
+              </a:rPr>
+              <a:t>=</a:t>
+            </a:r>
+            <a:r>
+              <a:rPr lang="en-US" dirty="0">
+                <a:solidFill>
+                  <a:srgbClr val="6A8759"/>
+                </a:solidFill>
+                <a:latin typeface="Consolas" panose="020B0609020204030204" pitchFamily="49" charset="0"/>
+                <a:cs typeface="Consolas" panose="020B0609020204030204" pitchFamily="49" charset="0"/>
+              </a:rPr>
+              <a:t>''</a:t>
+            </a:r>
+            <a:r>
+              <a:rPr lang="en-US" dirty="0">
+                <a:latin typeface="Consolas" panose="020B0609020204030204" pitchFamily="49" charset="0"/>
+                <a:cs typeface="Consolas" panose="020B0609020204030204" pitchFamily="49" charset="0"/>
+              </a:rPr>
+              <a:t>)</a:t>
+            </a:r>
+            <a:br>
+              <a:rPr lang="en-US" dirty="0">
+                <a:latin typeface="Consolas" panose="020B0609020204030204" pitchFamily="49" charset="0"/>
+                <a:cs typeface="Consolas" panose="020B0609020204030204" pitchFamily="49" charset="0"/>
+              </a:rPr>
+            </a:br>
+            <a:r>
+              <a:rPr lang="en-US" dirty="0">
+                <a:latin typeface="Consolas" panose="020B0609020204030204" pitchFamily="49" charset="0"/>
+                <a:cs typeface="Consolas" panose="020B0609020204030204" pitchFamily="49" charset="0"/>
+              </a:rPr>
+              <a:t>    </a:t>
+            </a:r>
+            <a:r>
+              <a:rPr lang="en-US" dirty="0">
+                <a:solidFill>
+                  <a:srgbClr val="8888C6"/>
+                </a:solidFill>
+                <a:latin typeface="Consolas" panose="020B0609020204030204" pitchFamily="49" charset="0"/>
+                <a:cs typeface="Consolas" panose="020B0609020204030204" pitchFamily="49" charset="0"/>
+              </a:rPr>
+              <a:t>print</a:t>
+            </a:r>
+            <a:r>
+              <a:rPr lang="en-US" dirty="0">
+                <a:latin typeface="Consolas" panose="020B0609020204030204" pitchFamily="49" charset="0"/>
+                <a:cs typeface="Consolas" panose="020B0609020204030204" pitchFamily="49" charset="0"/>
+              </a:rPr>
+              <a:t>(</a:t>
+            </a:r>
+            <a:r>
+              <a:rPr lang="en-US" dirty="0" err="1">
+                <a:latin typeface="Consolas" panose="020B0609020204030204" pitchFamily="49" charset="0"/>
+                <a:cs typeface="Consolas" panose="020B0609020204030204" pitchFamily="49" charset="0"/>
+              </a:rPr>
+              <a:t>get_real_code</a:t>
+            </a:r>
+            <a:r>
+              <a:rPr lang="en-US" dirty="0">
+                <a:latin typeface="Consolas" panose="020B0609020204030204" pitchFamily="49" charset="0"/>
+                <a:cs typeface="Consolas" panose="020B0609020204030204" pitchFamily="49" charset="0"/>
+              </a:rPr>
+              <a:t>(code))</a:t>
+            </a:r>
+            <a:br>
+              <a:rPr lang="en-US" dirty="0">
+                <a:latin typeface="Consolas" panose="020B0609020204030204" pitchFamily="49" charset="0"/>
+                <a:cs typeface="Consolas" panose="020B0609020204030204" pitchFamily="49" charset="0"/>
+              </a:rPr>
+            </a:br>
+            <a:br>
+              <a:rPr lang="en-US" dirty="0">
+                <a:latin typeface="Consolas" panose="020B0609020204030204" pitchFamily="49" charset="0"/>
+                <a:cs typeface="Consolas" panose="020B0609020204030204" pitchFamily="49" charset="0"/>
+              </a:rPr>
+            </a:br>
+            <a:r>
+              <a:rPr lang="en-US" dirty="0">
+                <a:solidFill>
+                  <a:srgbClr val="CC7832"/>
+                </a:solidFill>
+                <a:latin typeface="Consolas" panose="020B0609020204030204" pitchFamily="49" charset="0"/>
+                <a:cs typeface="Consolas" panose="020B0609020204030204" pitchFamily="49" charset="0"/>
+              </a:rPr>
+              <a:t>def </a:t>
+            </a:r>
+            <a:r>
+              <a:rPr lang="en-US" dirty="0" err="1">
+                <a:solidFill>
+                  <a:srgbClr val="FFC66D"/>
+                </a:solidFill>
+                <a:latin typeface="Consolas" panose="020B0609020204030204" pitchFamily="49" charset="0"/>
+                <a:cs typeface="Consolas" panose="020B0609020204030204" pitchFamily="49" charset="0"/>
+              </a:rPr>
+              <a:t>use_formula</a:t>
+            </a:r>
+            <a:r>
+              <a:rPr lang="en-US" dirty="0">
+                <a:latin typeface="Consolas" panose="020B0609020204030204" pitchFamily="49" charset="0"/>
+                <a:cs typeface="Consolas" panose="020B0609020204030204" pitchFamily="49" charset="0"/>
+              </a:rPr>
+              <a:t>(code):</a:t>
+            </a:r>
+            <a:br>
+              <a:rPr lang="en-US" dirty="0">
+                <a:latin typeface="Consolas" panose="020B0609020204030204" pitchFamily="49" charset="0"/>
+                <a:cs typeface="Consolas" panose="020B0609020204030204" pitchFamily="49" charset="0"/>
+              </a:rPr>
+            </a:br>
+            <a:r>
+              <a:rPr lang="en-US" dirty="0">
+                <a:latin typeface="Consolas" panose="020B0609020204030204" pitchFamily="49" charset="0"/>
+                <a:cs typeface="Consolas" panose="020B0609020204030204" pitchFamily="49" charset="0"/>
+              </a:rPr>
+              <a:t>    </a:t>
+            </a:r>
+            <a:r>
+              <a:rPr lang="en-US" dirty="0" err="1">
+                <a:latin typeface="Consolas" panose="020B0609020204030204" pitchFamily="49" charset="0"/>
+                <a:cs typeface="Consolas" panose="020B0609020204030204" pitchFamily="49" charset="0"/>
+              </a:rPr>
+              <a:t>solve_cipher</a:t>
+            </a:r>
+            <a:r>
+              <a:rPr lang="en-US" dirty="0">
+                <a:latin typeface="Consolas" panose="020B0609020204030204" pitchFamily="49" charset="0"/>
+                <a:cs typeface="Consolas" panose="020B0609020204030204" pitchFamily="49" charset="0"/>
+              </a:rPr>
+              <a:t>(</a:t>
+            </a:r>
+            <a:r>
+              <a:rPr lang="en-US" dirty="0" err="1">
+                <a:latin typeface="Consolas" panose="020B0609020204030204" pitchFamily="49" charset="0"/>
+                <a:cs typeface="Consolas" panose="020B0609020204030204" pitchFamily="49" charset="0"/>
+              </a:rPr>
+              <a:t>get_real_code</a:t>
+            </a:r>
+            <a:r>
+              <a:rPr lang="en-US" dirty="0">
+                <a:latin typeface="Consolas" panose="020B0609020204030204" pitchFamily="49" charset="0"/>
+                <a:cs typeface="Consolas" panose="020B0609020204030204" pitchFamily="49" charset="0"/>
+              </a:rPr>
+              <a:t>(code) * </a:t>
+            </a:r>
+            <a:r>
+              <a:rPr lang="en-US" dirty="0">
+                <a:solidFill>
+                  <a:srgbClr val="6897BB"/>
+                </a:solidFill>
+                <a:latin typeface="Consolas" panose="020B0609020204030204" pitchFamily="49" charset="0"/>
+                <a:cs typeface="Consolas" panose="020B0609020204030204" pitchFamily="49" charset="0"/>
+              </a:rPr>
+              <a:t>10</a:t>
+            </a:r>
+            <a:r>
+              <a:rPr lang="en-US" dirty="0">
+                <a:latin typeface="Consolas" panose="020B0609020204030204" pitchFamily="49" charset="0"/>
+                <a:cs typeface="Consolas" panose="020B0609020204030204" pitchFamily="49" charset="0"/>
+              </a:rPr>
+              <a:t>)</a:t>
+            </a:r>
+            <a:endParaRPr lang="en-US" dirty="0"/>
+          </a:p>
+        </p:txBody>
+      </p:sp>
+    </p:spTree>
+    <p:extLst>
+      <p:ext uri="{BB962C8B-B14F-4D97-AF65-F5344CB8AC3E}">
+        <p14:creationId xmlns:p14="http://schemas.microsoft.com/office/powerpoint/2010/main" val="950301015"/>
+      </p:ext>
+    </p:extLst>
+  </p:cSld>
+  <p:clrMapOvr>
+    <a:masterClrMapping/>
+  </p:clrMapOvr>
+  <p:transition>
+    <p:fade/>
+  </p:transition>
+</p:sld>
+</file>
+
 <file path=ppt/slides/slide3.xml><?xml version="1.0" encoding="utf-8"?>
+<p:sld xmlns:a="http://schemas.openxmlformats.org/drawingml/2006/main" xmlns:r="http://schemas.openxmlformats.org/officeDocument/2006/relationships" xmlns:p="http://schemas.openxmlformats.org/presentationml/2006/main">
+  <p:cSld>
+    <p:spTree>
+      <p:nvGrpSpPr>
+        <p:cNvPr id="1" name=""/>
+        <p:cNvGrpSpPr/>
+        <p:nvPr/>
+      </p:nvGrpSpPr>
+      <p:grpSpPr>
+        <a:xfrm>
+          <a:off x="0" y="0"/>
+          <a:ext cx="0" cy="0"/>
+          <a:chOff x="0" y="0"/>
+          <a:chExt cx="0" cy="0"/>
+        </a:xfrm>
+      </p:grpSpPr>
+      <p:sp>
+        <p:nvSpPr>
+          <p:cNvPr id="2" name="Title 1">
+            <a:extLst>
+              <a:ext uri="{FF2B5EF4-FFF2-40B4-BE49-F238E27FC236}">
+                <a16:creationId xmlns:a16="http://schemas.microsoft.com/office/drawing/2014/main" id="{92EC8475-8203-0148-AB09-FC0157123413}"/>
+              </a:ext>
+            </a:extLst>
+          </p:cNvPr>
+          <p:cNvSpPr>
+            <a:spLocks noGrp="1"/>
+          </p:cNvSpPr>
+          <p:nvPr>
+            <p:ph type="title"/>
+          </p:nvPr>
+        </p:nvSpPr>
+        <p:spPr/>
+        <p:txBody>
+          <a:bodyPr/>
+          <a:lstStyle/>
+          <a:p>
+            <a:r>
+              <a:rPr lang="en-US" dirty="0"/>
+              <a:t>Action</a:t>
+            </a:r>
+          </a:p>
+        </p:txBody>
+      </p:sp>
+      <p:sp>
+        <p:nvSpPr>
+          <p:cNvPr id="3" name="Text Placeholder 2">
+            <a:extLst>
+              <a:ext uri="{FF2B5EF4-FFF2-40B4-BE49-F238E27FC236}">
+                <a16:creationId xmlns:a16="http://schemas.microsoft.com/office/drawing/2014/main" id="{E53CE281-1ED2-244C-8587-FD5BAFEB3A12}"/>
+              </a:ext>
+            </a:extLst>
+          </p:cNvPr>
+          <p:cNvSpPr>
+            <a:spLocks noGrp="1"/>
+          </p:cNvSpPr>
+          <p:nvPr>
+            <p:ph type="body" idx="1"/>
+          </p:nvPr>
+        </p:nvSpPr>
+        <p:spPr/>
+        <p:txBody>
+          <a:bodyPr/>
+          <a:lstStyle/>
+          <a:p>
+            <a:r>
+              <a:rPr lang="en-US" dirty="0"/>
+              <a:t>On person from each table</a:t>
+            </a:r>
+          </a:p>
+          <a:p>
+            <a:pPr lvl="1"/>
+            <a:r>
+              <a:rPr lang="en-US" dirty="0"/>
+              <a:t>Write different words on the whiteboard that describe your conversation on how you defined intelligence? </a:t>
+            </a:r>
+          </a:p>
+          <a:p>
+            <a:pPr lvl="2"/>
+            <a:r>
+              <a:rPr lang="en-US" dirty="0"/>
+              <a:t>Think word cloud – what are ways to describe something that is intelligent? </a:t>
+            </a:r>
+          </a:p>
+          <a:p>
+            <a:pPr lvl="2"/>
+            <a:endParaRPr lang="en-US" dirty="0"/>
+          </a:p>
+        </p:txBody>
+      </p:sp>
+    </p:spTree>
+    <p:extLst>
+      <p:ext uri="{BB962C8B-B14F-4D97-AF65-F5344CB8AC3E}">
+        <p14:creationId xmlns:p14="http://schemas.microsoft.com/office/powerpoint/2010/main" val="3959826077"/>
+      </p:ext>
+    </p:extLst>
+  </p:cSld>
+  <p:clrMapOvr>
+    <a:masterClrMapping/>
+  </p:clrMapOvr>
+  <p:transition>
+    <p:fade/>
+  </p:transition>
+</p:sld>
+</file>
+
+<file path=ppt/slides/slide4.xml><?xml version="1.0" encoding="utf-8"?>
 <p:sld xmlns:a="http://schemas.openxmlformats.org/drawingml/2006/main" xmlns:r="http://schemas.openxmlformats.org/officeDocument/2006/relationships" xmlns:p="http://schemas.openxmlformats.org/presentationml/2006/main">
   <p:cSld>
     <p:spTree>
@@ -14244,7 +15404,7 @@
           <a:lstStyle/>
           <a:p>
             <a:r>
-              <a:rPr lang="en" sz="5440" b="1">
+              <a:rPr lang="en" sz="5440" b="1" dirty="0">
                 <a:solidFill>
                   <a:srgbClr val="222222"/>
                 </a:solidFill>
@@ -14259,7 +15419,7 @@
               <a:t> </a:t>
             </a:r>
             <a:r>
-              <a:rPr lang="en" sz="6347">
+              <a:rPr lang="en" sz="6347" dirty="0">
                 <a:solidFill>
                   <a:srgbClr val="222222"/>
                 </a:solidFill>
@@ -14296,7 +15456,7 @@
               <a:buChar char="-"/>
             </a:pPr>
             <a:r>
-              <a:rPr lang="en" sz="3022">
+              <a:rPr lang="en" sz="3022" dirty="0">
                 <a:solidFill>
                   <a:srgbClr val="222222"/>
                 </a:solidFill>
@@ -14311,7 +15471,7 @@
               <a:t>Alan Turing - </a:t>
             </a:r>
             <a:r>
-              <a:rPr lang="en" sz="3022" u="sng">
+              <a:rPr lang="en" sz="3022" u="sng" dirty="0">
                 <a:solidFill>
                   <a:schemeClr val="hlink"/>
                 </a:solidFill>
@@ -14327,7 +15487,7 @@
               <a:t>Computing and Intelligence</a:t>
             </a:r>
             <a:r>
-              <a:rPr lang="en" sz="3022">
+              <a:rPr lang="en" sz="3022" dirty="0">
                 <a:solidFill>
                   <a:srgbClr val="222222"/>
                 </a:solidFill>
@@ -14356,41 +15516,6 @@
           </a:p>
         </p:txBody>
       </p:sp>
-      <p:sp>
-        <p:nvSpPr>
-          <p:cNvPr id="3" name="TextBox 2">
-            <a:extLst>
-              <a:ext uri="{FF2B5EF4-FFF2-40B4-BE49-F238E27FC236}">
-                <a16:creationId xmlns:a16="http://schemas.microsoft.com/office/drawing/2014/main" id="{58703E6B-3542-ED4F-81B6-CB3C70AFD29C}"/>
-              </a:ext>
-            </a:extLst>
-          </p:cNvPr>
-          <p:cNvSpPr txBox="1"/>
-          <p:nvPr/>
-        </p:nvSpPr>
-        <p:spPr>
-          <a:xfrm>
-            <a:off x="12084590" y="6908800"/>
-            <a:ext cx="1083951" cy="400110"/>
-          </a:xfrm>
-          <a:prstGeom prst="rect">
-            <a:avLst/>
-          </a:prstGeom>
-          <a:noFill/>
-        </p:spPr>
-        <p:txBody>
-          <a:bodyPr wrap="none" rtlCol="0">
-            <a:spAutoFit/>
-          </a:bodyPr>
-          <a:lstStyle/>
-          <a:p>
-            <a:r>
-              <a:rPr lang="en-US" dirty="0"/>
-              <a:t>Discuss</a:t>
-            </a:r>
-          </a:p>
-        </p:txBody>
-      </p:sp>
     </p:spTree>
   </p:cSld>
   <p:clrMapOvr>
@@ -14399,7 +15524,7 @@
 </p:sld>
 </file>
 
-<file path=ppt/slides/slide4.xml><?xml version="1.0" encoding="utf-8"?>
+<file path=ppt/slides/slide5.xml><?xml version="1.0" encoding="utf-8"?>
 <p:sld xmlns:a="http://schemas.openxmlformats.org/drawingml/2006/main" xmlns:r="http://schemas.openxmlformats.org/officeDocument/2006/relationships" xmlns:p="http://schemas.openxmlformats.org/presentationml/2006/main">
   <p:cSld>
     <p:spTree>
@@ -14523,7 +15648,7 @@
         <p:spPr>
           <a:xfrm>
             <a:off x="8338085" y="1974863"/>
-            <a:ext cx="5177973" cy="2676027"/>
+            <a:ext cx="5177973" cy="3240604"/>
           </a:xfrm>
           <a:prstGeom prst="rect">
             <a:avLst/>
@@ -14578,6 +15703,17 @@
             <a:r>
               <a:rPr lang="en" dirty="0"/>
               <a:t>Chinese Room Problem Critique</a:t>
+            </a:r>
+          </a:p>
+          <a:p>
+            <a:pPr lvl="1">
+              <a:spcBef>
+                <a:spcPts val="0"/>
+              </a:spcBef>
+            </a:pPr>
+            <a:r>
+              <a:rPr lang="en" dirty="0"/>
+              <a:t>What do you think?</a:t>
             </a:r>
             <a:endParaRPr dirty="0"/>
           </a:p>
@@ -14641,8 +15777,8 @@
         </p:nvSpPr>
         <p:spPr>
           <a:xfrm>
-            <a:off x="8968974" y="5306419"/>
-            <a:ext cx="4220533" cy="2122507"/>
+            <a:off x="8800293" y="5423474"/>
+            <a:ext cx="4851423" cy="2122507"/>
           </a:xfrm>
           <a:prstGeom prst="rect">
             <a:avLst/>
@@ -14658,7 +15794,7 @@
               <a:buNone/>
             </a:pPr>
             <a:r>
-              <a:rPr lang="en"/>
+              <a:rPr lang="en" dirty="0"/>
               <a:t>CHAT BOTS!</a:t>
             </a:r>
             <a:endParaRPr dirty="0"/>
@@ -14668,8 +15804,12 @@
               <a:buNone/>
             </a:pPr>
             <a:r>
-              <a:rPr lang="en"/>
-              <a:t>Jabberwacky being a prize winner.</a:t>
+              <a:rPr lang="en" dirty="0" err="1"/>
+              <a:t>Jabberwacky</a:t>
+            </a:r>
+            <a:r>
+              <a:rPr lang="en" dirty="0"/>
+              <a:t> being a prize winner.</a:t>
             </a:r>
             <a:endParaRPr dirty="0"/>
           </a:p>
@@ -14687,11 +15827,11 @@
               <a:buNone/>
             </a:pPr>
             <a:r>
-              <a:rPr lang="en"/>
+              <a:rPr lang="en" dirty="0"/>
               <a:t>Additional Reading: </a:t>
             </a:r>
             <a:r>
-              <a:rPr lang="en" sz="1662" u="sng">
+              <a:rPr lang="en" sz="1662" u="sng" dirty="0">
                 <a:solidFill>
                   <a:schemeClr val="accent4"/>
                 </a:solidFill>
@@ -14707,7 +15847,7 @@
               <a:t>Chatbots Past and Future</a:t>
             </a:r>
             <a:r>
-              <a:rPr lang="en"/>
+              <a:rPr lang="en" dirty="0"/>
               <a:t> </a:t>
             </a:r>
             <a:endParaRPr dirty="0"/>
@@ -14935,8 +16075,8 @@
 </p:sld>
 </file>
 
-<file path=ppt/slides/slide5.xml><?xml version="1.0" encoding="utf-8"?>
-<p:sld xmlns:a="http://schemas.openxmlformats.org/drawingml/2006/main" xmlns:r="http://schemas.openxmlformats.org/officeDocument/2006/relationships" xmlns:p="http://schemas.openxmlformats.org/presentationml/2006/main">
+<file path=ppt/slides/slide6.xml><?xml version="1.0" encoding="utf-8"?>
+<p:sld xmlns:a="http://schemas.openxmlformats.org/drawingml/2006/main" xmlns:r="http://schemas.openxmlformats.org/officeDocument/2006/relationships" xmlns:p="http://schemas.openxmlformats.org/presentationml/2006/main" show="0">
   <p:cSld>
     <p:spTree>
       <p:nvGrpSpPr>
@@ -15021,7 +16161,7 @@
 </p:sld>
 </file>
 
-<file path=ppt/slides/slide6.xml><?xml version="1.0" encoding="utf-8"?>
+<file path=ppt/slides/slide7.xml><?xml version="1.0" encoding="utf-8"?>
 <p:sld xmlns:a="http://schemas.openxmlformats.org/drawingml/2006/main" xmlns:r="http://schemas.openxmlformats.org/officeDocument/2006/relationships" xmlns:p="http://schemas.openxmlformats.org/presentationml/2006/main" show="0">
   <p:cSld>
     <p:spTree>
@@ -15260,7 +16400,7 @@
 </p:sld>
 </file>
 
-<file path=ppt/slides/slide7.xml><?xml version="1.0" encoding="utf-8"?>
+<file path=ppt/slides/slide8.xml><?xml version="1.0" encoding="utf-8"?>
 <p:sld xmlns:a="http://schemas.openxmlformats.org/drawingml/2006/main" xmlns:r="http://schemas.openxmlformats.org/officeDocument/2006/relationships" xmlns:p="http://schemas.openxmlformats.org/presentationml/2006/main">
   <p:cSld>
     <p:spTree>
@@ -15323,7 +16463,7 @@
         <p:spPr>
           <a:xfrm>
             <a:off x="628075" y="1683000"/>
-            <a:ext cx="5177973" cy="4744587"/>
+            <a:ext cx="5318186" cy="4744587"/>
           </a:xfrm>
           <a:prstGeom prst="rect">
             <a:avLst/>
@@ -15376,18 +16516,6 @@
               <a:t>Looked at all combinations</a:t>
             </a:r>
             <a:endParaRPr dirty="0"/>
-          </a:p>
-          <a:p>
-            <a:pPr lvl="1">
-              <a:spcBef>
-                <a:spcPts val="0"/>
-              </a:spcBef>
-            </a:pPr>
-            <a:r>
-              <a:rPr lang="en" i="1" dirty="0"/>
-              <a:t>WWII Hero has a great interactive example</a:t>
-            </a:r>
-            <a:endParaRPr i="1" dirty="0"/>
           </a:p>
           <a:p>
             <a:pPr>
@@ -15705,58 +16833,6 @@
           </a:ln>
         </p:spPr>
       </p:pic>
-      <p:sp>
-        <p:nvSpPr>
-          <p:cNvPr id="227" name="Google Shape;227;p44"/>
-          <p:cNvSpPr txBox="1"/>
-          <p:nvPr/>
-        </p:nvSpPr>
-        <p:spPr>
-          <a:xfrm>
-            <a:off x="5395842" y="7322440"/>
-            <a:ext cx="3025877" cy="449960"/>
-          </a:xfrm>
-          <a:prstGeom prst="rect">
-            <a:avLst/>
-          </a:prstGeom>
-          <a:noFill/>
-          <a:ln>
-            <a:noFill/>
-          </a:ln>
-        </p:spPr>
-        <p:txBody>
-          <a:bodyPr spcFirstLastPara="1" wrap="square" lIns="138153" tIns="138153" rIns="138153" bIns="138153" anchor="t" anchorCtr="0">
-            <a:noAutofit/>
-          </a:bodyPr>
-          <a:lstStyle/>
-          <a:p>
-            <a:r>
-              <a:rPr lang="en" sz="1600" dirty="0">
-                <a:latin typeface="Proxima Nova"/>
-                <a:ea typeface="Proxima Nova"/>
-                <a:cs typeface="Proxima Nova"/>
-                <a:sym typeface="Proxima Nova"/>
-              </a:rPr>
-              <a:t>Additional Reading: </a:t>
-            </a:r>
-            <a:r>
-              <a:rPr lang="en" sz="1600" u="sng" dirty="0">
-                <a:solidFill>
-                  <a:srgbClr val="105456"/>
-                </a:solidFill>
-                <a:hlinkClick r:id="rId8"/>
-              </a:rPr>
-              <a:t>WWII Hero</a:t>
-            </a:r>
-            <a:endParaRPr sz="1600" dirty="0">
-              <a:latin typeface="Proxima Nova"/>
-              <a:ea typeface="Proxima Nova"/>
-              <a:cs typeface="Proxima Nova"/>
-              <a:sym typeface="Proxima Nova"/>
-            </a:endParaRPr>
-          </a:p>
-        </p:txBody>
-      </p:sp>
     </p:spTree>
   </p:cSld>
   <p:clrMapOvr>
@@ -15765,7 +16841,7 @@
 </p:sld>
 </file>
 
-<file path=ppt/slides/slide8.xml><?xml version="1.0" encoding="utf-8"?>
+<file path=ppt/slides/slide9.xml><?xml version="1.0" encoding="utf-8"?>
 <p:sld xmlns:a="http://schemas.openxmlformats.org/drawingml/2006/main" xmlns:r="http://schemas.openxmlformats.org/officeDocument/2006/relationships" xmlns:p="http://schemas.openxmlformats.org/presentationml/2006/main">
   <p:cSld>
     <p:spTree>
@@ -16038,347 +17114,6 @@
             <a:r>
               <a:rPr lang="en" sz="907"/>
               <a:t> for author [Public domain], via Wikimedia Commons</a:t>
-            </a:r>
-            <a:endParaRPr sz="907" dirty="0"/>
-          </a:p>
-        </p:txBody>
-      </p:sp>
-    </p:spTree>
-  </p:cSld>
-  <p:clrMapOvr>
-    <a:masterClrMapping/>
-  </p:clrMapOvr>
-</p:sld>
-</file>
-
-<file path=ppt/slides/slide9.xml><?xml version="1.0" encoding="utf-8"?>
-<p:sld xmlns:a="http://schemas.openxmlformats.org/drawingml/2006/main" xmlns:r="http://schemas.openxmlformats.org/officeDocument/2006/relationships" xmlns:p="http://schemas.openxmlformats.org/presentationml/2006/main">
-  <p:cSld>
-    <p:spTree>
-      <p:nvGrpSpPr>
-        <p:cNvPr id="1" name="Shape 239"/>
-        <p:cNvGrpSpPr/>
-        <p:nvPr/>
-      </p:nvGrpSpPr>
-      <p:grpSpPr>
-        <a:xfrm>
-          <a:off x="0" y="0"/>
-          <a:ext cx="0" cy="0"/>
-          <a:chOff x="0" y="0"/>
-          <a:chExt cx="0" cy="0"/>
-        </a:xfrm>
-      </p:grpSpPr>
-      <p:sp>
-        <p:nvSpPr>
-          <p:cNvPr id="240" name="Google Shape;240;p46"/>
-          <p:cNvSpPr txBox="1">
-            <a:spLocks noGrp="1"/>
-          </p:cNvSpPr>
-          <p:nvPr>
-            <p:ph type="title"/>
-          </p:nvPr>
-        </p:nvSpPr>
-        <p:spPr>
-          <a:xfrm>
-            <a:off x="628075" y="751389"/>
-            <a:ext cx="12561413" cy="1015467"/>
-          </a:xfrm>
-          <a:prstGeom prst="rect">
-            <a:avLst/>
-          </a:prstGeom>
-        </p:spPr>
-        <p:txBody>
-          <a:bodyPr spcFirstLastPara="1" vert="horz" wrap="square" lIns="91422" tIns="91422" rIns="91422" bIns="91422" rtlCol="0" anchor="b" anchorCtr="0">
-            <a:noAutofit/>
-          </a:bodyPr>
-          <a:lstStyle/>
-          <a:p>
-            <a:r>
-              <a:rPr lang="en"/>
-              <a:t>World War II - USA</a:t>
-            </a:r>
-            <a:endParaRPr dirty="0"/>
-          </a:p>
-        </p:txBody>
-      </p:sp>
-      <p:sp>
-        <p:nvSpPr>
-          <p:cNvPr id="241" name="Google Shape;241;p46"/>
-          <p:cNvSpPr txBox="1">
-            <a:spLocks noGrp="1"/>
-          </p:cNvSpPr>
-          <p:nvPr>
-            <p:ph type="body" idx="1"/>
-          </p:nvPr>
-        </p:nvSpPr>
-        <p:spPr>
-          <a:xfrm>
-            <a:off x="628075" y="1785011"/>
-            <a:ext cx="5372000" cy="5236000"/>
-          </a:xfrm>
-          <a:prstGeom prst="rect">
-            <a:avLst/>
-          </a:prstGeom>
-        </p:spPr>
-        <p:txBody>
-          <a:bodyPr spcFirstLastPara="1" vert="horz" wrap="square" lIns="91422" tIns="91422" rIns="91422" bIns="91422" rtlCol="0" anchor="t" anchorCtr="0">
-            <a:noAutofit/>
-          </a:bodyPr>
-          <a:lstStyle/>
-          <a:p>
-            <a:pPr>
-              <a:buClr>
-                <a:schemeClr val="dk1"/>
-              </a:buClr>
-              <a:buFont typeface="Arial"/>
-              <a:buAutoNum type="arabicPeriod"/>
-            </a:pPr>
-            <a:r>
-              <a:rPr lang="en" dirty="0"/>
-              <a:t>Electronic Numerical Integrator and Computer (ENIAC) </a:t>
-            </a:r>
-            <a:endParaRPr dirty="0"/>
-          </a:p>
-          <a:p>
-            <a:pPr>
-              <a:spcBef>
-                <a:spcPts val="0"/>
-              </a:spcBef>
-              <a:buAutoNum type="arabicPeriod"/>
-            </a:pPr>
-            <a:r>
-              <a:rPr lang="en" dirty="0"/>
-              <a:t>The ‘silent’ programmers</a:t>
-            </a:r>
-            <a:endParaRPr dirty="0"/>
-          </a:p>
-          <a:p>
-            <a:pPr lvl="1">
-              <a:spcBef>
-                <a:spcPts val="0"/>
-              </a:spcBef>
-              <a:buAutoNum type="alphaLcPeriod"/>
-            </a:pPr>
-            <a:r>
-              <a:rPr lang="en" dirty="0"/>
-              <a:t>Jean Jennings (Bartik)</a:t>
-            </a:r>
-            <a:endParaRPr dirty="0"/>
-          </a:p>
-          <a:p>
-            <a:pPr lvl="1">
-              <a:spcBef>
-                <a:spcPts val="0"/>
-              </a:spcBef>
-              <a:buAutoNum type="alphaLcPeriod"/>
-            </a:pPr>
-            <a:r>
-              <a:rPr lang="en" dirty="0"/>
-              <a:t>Betty Snyder (Holberton)</a:t>
-            </a:r>
-            <a:endParaRPr dirty="0"/>
-          </a:p>
-          <a:p>
-            <a:pPr lvl="1">
-              <a:spcBef>
-                <a:spcPts val="0"/>
-              </a:spcBef>
-              <a:buAutoNum type="alphaLcPeriod"/>
-            </a:pPr>
-            <a:r>
-              <a:rPr lang="en" dirty="0"/>
-              <a:t>Frances Bilas (Spence)</a:t>
-            </a:r>
-            <a:endParaRPr dirty="0"/>
-          </a:p>
-          <a:p>
-            <a:pPr lvl="1">
-              <a:spcBef>
-                <a:spcPts val="0"/>
-              </a:spcBef>
-              <a:buAutoNum type="alphaLcPeriod"/>
-            </a:pPr>
-            <a:r>
-              <a:rPr lang="en" dirty="0"/>
-              <a:t>Kay McNulty (Mauchly Antonelli)</a:t>
-            </a:r>
-            <a:endParaRPr dirty="0"/>
-          </a:p>
-          <a:p>
-            <a:pPr lvl="1">
-              <a:spcBef>
-                <a:spcPts val="0"/>
-              </a:spcBef>
-              <a:buAutoNum type="alphaLcPeriod"/>
-            </a:pPr>
-            <a:r>
-              <a:rPr lang="en" dirty="0"/>
-              <a:t>Marlyn Wescoff (Meltzer)</a:t>
-            </a:r>
-            <a:endParaRPr dirty="0"/>
-          </a:p>
-          <a:p>
-            <a:pPr lvl="1">
-              <a:spcBef>
-                <a:spcPts val="0"/>
-              </a:spcBef>
-              <a:buAutoNum type="alphaLcPeriod"/>
-            </a:pPr>
-            <a:r>
-              <a:rPr lang="en" dirty="0"/>
-              <a:t>Ruth Lichterman (Teitelbaum).</a:t>
-            </a:r>
-            <a:endParaRPr dirty="0"/>
-          </a:p>
-          <a:p>
-            <a:pPr>
-              <a:spcBef>
-                <a:spcPts val="0"/>
-              </a:spcBef>
-              <a:buAutoNum type="arabicPeriod"/>
-            </a:pPr>
-            <a:r>
-              <a:rPr lang="en" dirty="0"/>
-              <a:t>Was considered “unskilled” labor</a:t>
-            </a:r>
-            <a:endParaRPr dirty="0"/>
-          </a:p>
-          <a:p>
-            <a:pPr lvl="1">
-              <a:spcBef>
-                <a:spcPts val="0"/>
-              </a:spcBef>
-              <a:buAutoNum type="alphaLcPeriod"/>
-            </a:pPr>
-            <a:r>
-              <a:rPr lang="en" dirty="0"/>
-              <a:t>degrees in mathematics.</a:t>
-            </a:r>
-            <a:endParaRPr dirty="0"/>
-          </a:p>
-          <a:p>
-            <a:pPr>
-              <a:spcBef>
-                <a:spcPts val="0"/>
-              </a:spcBef>
-              <a:buAutoNum type="arabicPeriod"/>
-            </a:pPr>
-            <a:r>
-              <a:rPr lang="en" dirty="0"/>
-              <a:t>After the war?</a:t>
-            </a:r>
-            <a:endParaRPr dirty="0"/>
-          </a:p>
-          <a:p>
-            <a:pPr lvl="1">
-              <a:spcBef>
-                <a:spcPts val="0"/>
-              </a:spcBef>
-              <a:buAutoNum type="alphaLcPeriod"/>
-            </a:pPr>
-            <a:r>
-              <a:rPr lang="en" dirty="0"/>
-              <a:t>They continued on after, had more, but limited freedom.</a:t>
-            </a:r>
-            <a:endParaRPr dirty="0"/>
-          </a:p>
-          <a:p>
-            <a:pPr lvl="1">
-              <a:spcBef>
-                <a:spcPts val="0"/>
-              </a:spcBef>
-              <a:buAutoNum type="alphaLcPeriod"/>
-            </a:pPr>
-            <a:r>
-              <a:rPr lang="en" dirty="0"/>
-              <a:t>Defined the field</a:t>
-            </a:r>
-            <a:endParaRPr dirty="0"/>
-          </a:p>
-          <a:p>
-            <a:pPr lvl="1">
-              <a:spcBef>
-                <a:spcPts val="0"/>
-              </a:spcBef>
-              <a:buAutoNum type="alphaLcPeriod"/>
-            </a:pPr>
-            <a:r>
-              <a:rPr lang="en" dirty="0"/>
-              <a:t>Changed the world </a:t>
-            </a:r>
-            <a:endParaRPr dirty="0"/>
-          </a:p>
-        </p:txBody>
-      </p:sp>
-      <p:pic>
-        <p:nvPicPr>
-          <p:cNvPr id="242" name="Google Shape;242;p46">
-            <a:extLst>
-              <a:ext uri="{C183D7F6-B498-43B3-948B-1728B52AA6E4}">
-                <adec:decorative xmlns:adec="http://schemas.microsoft.com/office/drawing/2017/decorative" val="1"/>
-              </a:ext>
-            </a:extLst>
-          </p:cNvPr>
-          <p:cNvPicPr preferRelativeResize="0"/>
-          <p:nvPr/>
-        </p:nvPicPr>
-        <p:blipFill>
-          <a:blip r:embed="rId3">
-            <a:alphaModFix/>
-          </a:blip>
-          <a:stretch>
-            <a:fillRect/>
-          </a:stretch>
-        </p:blipFill>
-        <p:spPr>
-          <a:xfrm>
-            <a:off x="6211423" y="1658559"/>
-            <a:ext cx="7472029" cy="4926864"/>
-          </a:xfrm>
-          <a:prstGeom prst="rect">
-            <a:avLst/>
-          </a:prstGeom>
-          <a:noFill/>
-          <a:ln>
-            <a:noFill/>
-          </a:ln>
-        </p:spPr>
-      </p:pic>
-      <p:sp>
-        <p:nvSpPr>
-          <p:cNvPr id="243" name="Google Shape;243;p46"/>
-          <p:cNvSpPr txBox="1"/>
-          <p:nvPr/>
-        </p:nvSpPr>
-        <p:spPr>
-          <a:xfrm>
-            <a:off x="6764262" y="6650438"/>
-            <a:ext cx="6162613" cy="374000"/>
-          </a:xfrm>
-          <a:prstGeom prst="rect">
-            <a:avLst/>
-          </a:prstGeom>
-          <a:noFill/>
-          <a:ln>
-            <a:noFill/>
-          </a:ln>
-        </p:spPr>
-        <p:txBody>
-          <a:bodyPr spcFirstLastPara="1" wrap="square" lIns="138153" tIns="138153" rIns="138153" bIns="138153" anchor="t" anchorCtr="0">
-            <a:noAutofit/>
-          </a:bodyPr>
-          <a:lstStyle/>
-          <a:p>
-            <a:r>
-              <a:rPr lang="en" sz="907"/>
-              <a:t>Programmers Betty Jean Jennings (left) and Fran Bilas (right) operate ENIAC's main control panel</a:t>
-            </a:r>
-            <a:endParaRPr sz="907" dirty="0"/>
-          </a:p>
-          <a:p>
-            <a:r>
-              <a:rPr lang="en" sz="907"/>
-              <a:t>By United States Army (Image from http://ftp.arl.army.mil/~mike/comphist/) [Public domain], via Wikimedia Commons</a:t>
             </a:r>
             <a:endParaRPr sz="907" dirty="0"/>
           </a:p>

--- a/Slides/On-Campus/02_01_turing_expressions_and_functions.pptx
+++ b/Slides/On-Campus/02_01_turing_expressions_and_functions.pptx
@@ -771,6 +771,298 @@
 </p:notes>
 </file>
 
+<file path=ppt/notesSlides/notesSlide10.xml><?xml version="1.0" encoding="utf-8"?>
+<p:notes xmlns:a="http://schemas.openxmlformats.org/drawingml/2006/main" xmlns:r="http://schemas.openxmlformats.org/officeDocument/2006/relationships" xmlns:p="http://schemas.openxmlformats.org/presentationml/2006/main">
+  <p:cSld>
+    <p:spTree>
+      <p:nvGrpSpPr>
+        <p:cNvPr id="1" name=""/>
+        <p:cNvGrpSpPr/>
+        <p:nvPr/>
+      </p:nvGrpSpPr>
+      <p:grpSpPr>
+        <a:xfrm>
+          <a:off x="0" y="0"/>
+          <a:ext cx="0" cy="0"/>
+          <a:chOff x="0" y="0"/>
+          <a:chExt cx="0" cy="0"/>
+        </a:xfrm>
+      </p:grpSpPr>
+      <p:sp>
+        <p:nvSpPr>
+          <p:cNvPr id="2" name="Slide Image Placeholder 1"/>
+          <p:cNvSpPr>
+            <a:spLocks noGrp="1" noRot="1" noChangeAspect="1"/>
+          </p:cNvSpPr>
+          <p:nvPr>
+            <p:ph type="sldImg"/>
+          </p:nvPr>
+        </p:nvSpPr>
+        <p:spPr/>
+      </p:sp>
+      <p:sp>
+        <p:nvSpPr>
+          <p:cNvPr id="3" name="Notes Placeholder 2"/>
+          <p:cNvSpPr>
+            <a:spLocks noGrp="1"/>
+          </p:cNvSpPr>
+          <p:nvPr>
+            <p:ph type="body" idx="1"/>
+          </p:nvPr>
+        </p:nvSpPr>
+        <p:spPr/>
+        <p:txBody>
+          <a:bodyPr/>
+          <a:lstStyle/>
+          <a:p>
+            <a:endParaRPr lang="en-US" dirty="0"/>
+          </a:p>
+        </p:txBody>
+      </p:sp>
+      <p:sp>
+        <p:nvSpPr>
+          <p:cNvPr id="4" name="Slide Number Placeholder 3"/>
+          <p:cNvSpPr>
+            <a:spLocks noGrp="1"/>
+          </p:cNvSpPr>
+          <p:nvPr>
+            <p:ph type="sldNum" sz="quarter" idx="5"/>
+          </p:nvPr>
+        </p:nvSpPr>
+        <p:spPr/>
+        <p:txBody>
+          <a:bodyPr/>
+          <a:lstStyle/>
+          <a:p>
+            <a:fld id="{1A032F50-0B60-B34B-8422-4E195A5AE2C1}" type="slidenum">
+              <a:rPr lang="en-US" smtClean="0"/>
+              <a:t>14</a:t>
+            </a:fld>
+            <a:endParaRPr lang="en-US"/>
+          </a:p>
+        </p:txBody>
+      </p:sp>
+    </p:spTree>
+    <p:extLst>
+      <p:ext uri="{BB962C8B-B14F-4D97-AF65-F5344CB8AC3E}">
+        <p14:creationId xmlns:p14="http://schemas.microsoft.com/office/powerpoint/2010/main" val="2195303885"/>
+      </p:ext>
+    </p:extLst>
+  </p:cSld>
+  <p:clrMapOvr>
+    <a:masterClrMapping/>
+  </p:clrMapOvr>
+</p:notes>
+</file>
+
+<file path=ppt/notesSlides/notesSlide11.xml><?xml version="1.0" encoding="utf-8"?>
+<p:notes xmlns:a="http://schemas.openxmlformats.org/drawingml/2006/main" xmlns:r="http://schemas.openxmlformats.org/officeDocument/2006/relationships" xmlns:p="http://schemas.openxmlformats.org/presentationml/2006/main" showMasterSp="0" showMasterPhAnim="0">
+  <p:cSld>
+    <p:spTree>
+      <p:nvGrpSpPr>
+        <p:cNvPr id="1" name="Shape 188"/>
+        <p:cNvGrpSpPr/>
+        <p:nvPr/>
+      </p:nvGrpSpPr>
+      <p:grpSpPr>
+        <a:xfrm>
+          <a:off x="0" y="0"/>
+          <a:ext cx="0" cy="0"/>
+          <a:chOff x="0" y="0"/>
+          <a:chExt cx="0" cy="0"/>
+        </a:xfrm>
+      </p:grpSpPr>
+      <p:sp>
+        <p:nvSpPr>
+          <p:cNvPr id="189" name="Google Shape;189;g6e361b03c5_0_0:notes"/>
+          <p:cNvSpPr>
+            <a:spLocks noGrp="1" noRot="1" noChangeAspect="1"/>
+          </p:cNvSpPr>
+          <p:nvPr>
+            <p:ph type="sldImg" idx="2"/>
+          </p:nvPr>
+        </p:nvSpPr>
+        <p:spPr>
+          <a:xfrm>
+            <a:off x="381000" y="685800"/>
+            <a:ext cx="6096000" cy="3429000"/>
+          </a:xfrm>
+          <a:custGeom>
+            <a:avLst/>
+            <a:gdLst/>
+            <a:ahLst/>
+            <a:cxnLst/>
+            <a:rect l="l" t="t" r="r" b="b"/>
+            <a:pathLst>
+              <a:path w="120000" h="120000" extrusionOk="0">
+                <a:moveTo>
+                  <a:pt x="0" y="0"/>
+                </a:moveTo>
+                <a:lnTo>
+                  <a:pt x="120000" y="0"/>
+                </a:lnTo>
+                <a:lnTo>
+                  <a:pt x="120000" y="120000"/>
+                </a:lnTo>
+                <a:lnTo>
+                  <a:pt x="0" y="120000"/>
+                </a:lnTo>
+                <a:close/>
+              </a:path>
+            </a:pathLst>
+          </a:custGeom>
+        </p:spPr>
+      </p:sp>
+      <p:sp>
+        <p:nvSpPr>
+          <p:cNvPr id="190" name="Google Shape;190;g6e361b03c5_0_0:notes"/>
+          <p:cNvSpPr txBox="1">
+            <a:spLocks noGrp="1"/>
+          </p:cNvSpPr>
+          <p:nvPr>
+            <p:ph type="body" idx="1"/>
+          </p:nvPr>
+        </p:nvSpPr>
+        <p:spPr>
+          <a:xfrm>
+            <a:off x="685800" y="4343400"/>
+            <a:ext cx="5486400" cy="4114800"/>
+          </a:xfrm>
+          <a:prstGeom prst="rect">
+            <a:avLst/>
+          </a:prstGeom>
+        </p:spPr>
+        <p:txBody>
+          <a:bodyPr spcFirstLastPara="1" wrap="square" lIns="91425" tIns="91425" rIns="91425" bIns="91425" anchor="t" anchorCtr="0">
+            <a:noAutofit/>
+          </a:bodyPr>
+          <a:lstStyle/>
+          <a:p>
+            <a:pPr marL="0" lvl="0" indent="0" algn="l" rtl="0">
+              <a:spcBef>
+                <a:spcPts val="0"/>
+              </a:spcBef>
+              <a:spcAft>
+                <a:spcPts val="0"/>
+              </a:spcAft>
+              <a:buNone/>
+            </a:pPr>
+            <a:endParaRPr dirty="0"/>
+          </a:p>
+        </p:txBody>
+      </p:sp>
+    </p:spTree>
+  </p:cSld>
+  <p:clrMapOvr>
+    <a:masterClrMapping/>
+  </p:clrMapOvr>
+</p:notes>
+</file>
+
+<file path=ppt/notesSlides/notesSlide12.xml><?xml version="1.0" encoding="utf-8"?>
+<p:notes xmlns:a="http://schemas.openxmlformats.org/drawingml/2006/main" xmlns:r="http://schemas.openxmlformats.org/officeDocument/2006/relationships" xmlns:p="http://schemas.openxmlformats.org/presentationml/2006/main" showMasterSp="0" showMasterPhAnim="0">
+  <p:cSld>
+    <p:spTree>
+      <p:nvGrpSpPr>
+        <p:cNvPr id="1" name="Shape 224"/>
+        <p:cNvGrpSpPr/>
+        <p:nvPr/>
+      </p:nvGrpSpPr>
+      <p:grpSpPr>
+        <a:xfrm>
+          <a:off x="0" y="0"/>
+          <a:ext cx="0" cy="0"/>
+          <a:chOff x="0" y="0"/>
+          <a:chExt cx="0" cy="0"/>
+        </a:xfrm>
+      </p:grpSpPr>
+      <p:sp>
+        <p:nvSpPr>
+          <p:cNvPr id="225" name="Google Shape;225;g6e361b03c5_0_42:notes"/>
+          <p:cNvSpPr>
+            <a:spLocks noGrp="1" noRot="1" noChangeAspect="1"/>
+          </p:cNvSpPr>
+          <p:nvPr>
+            <p:ph type="sldImg" idx="2"/>
+          </p:nvPr>
+        </p:nvSpPr>
+        <p:spPr>
+          <a:xfrm>
+            <a:off x="381000" y="685800"/>
+            <a:ext cx="6096000" cy="3429000"/>
+          </a:xfrm>
+          <a:custGeom>
+            <a:avLst/>
+            <a:gdLst/>
+            <a:ahLst/>
+            <a:cxnLst/>
+            <a:rect l="l" t="t" r="r" b="b"/>
+            <a:pathLst>
+              <a:path w="120000" h="120000" extrusionOk="0">
+                <a:moveTo>
+                  <a:pt x="0" y="0"/>
+                </a:moveTo>
+                <a:lnTo>
+                  <a:pt x="120000" y="0"/>
+                </a:lnTo>
+                <a:lnTo>
+                  <a:pt x="120000" y="120000"/>
+                </a:lnTo>
+                <a:lnTo>
+                  <a:pt x="0" y="120000"/>
+                </a:lnTo>
+                <a:close/>
+              </a:path>
+            </a:pathLst>
+          </a:custGeom>
+        </p:spPr>
+      </p:sp>
+      <p:sp>
+        <p:nvSpPr>
+          <p:cNvPr id="226" name="Google Shape;226;g6e361b03c5_0_42:notes"/>
+          <p:cNvSpPr txBox="1">
+            <a:spLocks noGrp="1"/>
+          </p:cNvSpPr>
+          <p:nvPr>
+            <p:ph type="body" idx="1"/>
+          </p:nvPr>
+        </p:nvSpPr>
+        <p:spPr>
+          <a:xfrm>
+            <a:off x="685800" y="4343400"/>
+            <a:ext cx="5486400" cy="4114800"/>
+          </a:xfrm>
+          <a:prstGeom prst="rect">
+            <a:avLst/>
+          </a:prstGeom>
+        </p:spPr>
+        <p:txBody>
+          <a:bodyPr spcFirstLastPara="1" wrap="square" lIns="91425" tIns="91425" rIns="91425" bIns="91425" anchor="t" anchorCtr="0">
+            <a:noAutofit/>
+          </a:bodyPr>
+          <a:lstStyle/>
+          <a:p>
+            <a:pPr marL="0" lvl="0" indent="0" algn="l" rtl="0">
+              <a:spcBef>
+                <a:spcPts val="0"/>
+              </a:spcBef>
+              <a:spcAft>
+                <a:spcPts val="0"/>
+              </a:spcAft>
+              <a:buNone/>
+            </a:pPr>
+            <a:endParaRPr dirty="0"/>
+          </a:p>
+        </p:txBody>
+      </p:sp>
+    </p:spTree>
+  </p:cSld>
+  <p:clrMapOvr>
+    <a:masterClrMapping/>
+  </p:clrMapOvr>
+</p:notes>
+</file>
+
 <file path=ppt/notesSlides/notesSlide2.xml><?xml version="1.0" encoding="utf-8"?>
 <p:notes xmlns:a="http://schemas.openxmlformats.org/drawingml/2006/main" xmlns:r="http://schemas.openxmlformats.org/officeDocument/2006/relationships" xmlns:p="http://schemas.openxmlformats.org/presentationml/2006/main" showMasterSp="0" showMasterPhAnim="0">
   <p:cSld>
@@ -1396,11 +1688,11 @@
 </file>
 
 <file path=ppt/notesSlides/notesSlide8.xml><?xml version="1.0" encoding="utf-8"?>
-<p:notes xmlns:a="http://schemas.openxmlformats.org/drawingml/2006/main" xmlns:r="http://schemas.openxmlformats.org/officeDocument/2006/relationships" xmlns:p="http://schemas.openxmlformats.org/presentationml/2006/main" showMasterSp="0" showMasterPhAnim="0">
+<p:notes xmlns:a="http://schemas.openxmlformats.org/drawingml/2006/main" xmlns:r="http://schemas.openxmlformats.org/officeDocument/2006/relationships" xmlns:p="http://schemas.openxmlformats.org/presentationml/2006/main">
   <p:cSld>
     <p:spTree>
       <p:nvGrpSpPr>
-        <p:cNvPr id="1" name="Shape 188"/>
+        <p:cNvPr id="1" name=""/>
         <p:cNvGrpSpPr/>
         <p:nvPr/>
       </p:nvGrpSpPr>
@@ -1414,84 +1706,64 @@
       </p:grpSpPr>
       <p:sp>
         <p:nvSpPr>
-          <p:cNvPr id="189" name="Google Shape;189;g6e361b03c5_0_0:notes"/>
+          <p:cNvPr id="2" name="Slide Image Placeholder 1"/>
           <p:cNvSpPr>
             <a:spLocks noGrp="1" noRot="1" noChangeAspect="1"/>
           </p:cNvSpPr>
           <p:nvPr>
-            <p:ph type="sldImg" idx="2"/>
+            <p:ph type="sldImg"/>
           </p:nvPr>
         </p:nvSpPr>
-        <p:spPr>
-          <a:xfrm>
-            <a:off x="381000" y="685800"/>
-            <a:ext cx="6096000" cy="3429000"/>
-          </a:xfrm>
-          <a:custGeom>
-            <a:avLst/>
-            <a:gdLst/>
-            <a:ahLst/>
-            <a:cxnLst/>
-            <a:rect l="l" t="t" r="r" b="b"/>
-            <a:pathLst>
-              <a:path w="120000" h="120000" extrusionOk="0">
-                <a:moveTo>
-                  <a:pt x="0" y="0"/>
-                </a:moveTo>
-                <a:lnTo>
-                  <a:pt x="120000" y="0"/>
-                </a:lnTo>
-                <a:lnTo>
-                  <a:pt x="120000" y="120000"/>
-                </a:lnTo>
-                <a:lnTo>
-                  <a:pt x="0" y="120000"/>
-                </a:lnTo>
-                <a:close/>
-              </a:path>
-            </a:pathLst>
-          </a:custGeom>
-        </p:spPr>
+        <p:spPr/>
       </p:sp>
       <p:sp>
         <p:nvSpPr>
-          <p:cNvPr id="190" name="Google Shape;190;g6e361b03c5_0_0:notes"/>
-          <p:cNvSpPr txBox="1">
+          <p:cNvPr id="3" name="Notes Placeholder 2"/>
+          <p:cNvSpPr>
             <a:spLocks noGrp="1"/>
           </p:cNvSpPr>
           <p:nvPr>
             <p:ph type="body" idx="1"/>
           </p:nvPr>
         </p:nvSpPr>
-        <p:spPr>
-          <a:xfrm>
-            <a:off x="685800" y="4343400"/>
-            <a:ext cx="5486400" cy="4114800"/>
-          </a:xfrm>
-          <a:prstGeom prst="rect">
-            <a:avLst/>
-          </a:prstGeom>
-        </p:spPr>
+        <p:spPr/>
         <p:txBody>
-          <a:bodyPr spcFirstLastPara="1" wrap="square" lIns="91425" tIns="91425" rIns="91425" bIns="91425" anchor="t" anchorCtr="0">
-            <a:noAutofit/>
-          </a:bodyPr>
+          <a:bodyPr/>
           <a:lstStyle/>
           <a:p>
-            <a:pPr marL="0" lvl="0" indent="0" algn="l" rtl="0">
-              <a:spcBef>
-                <a:spcPts val="0"/>
-              </a:spcBef>
-              <a:spcAft>
-                <a:spcPts val="0"/>
-              </a:spcAft>
-              <a:buNone/>
-            </a:pPr>
-            <a:endParaRPr dirty="0"/>
+            <a:endParaRPr lang="en-US" dirty="0"/>
+          </a:p>
+        </p:txBody>
+      </p:sp>
+      <p:sp>
+        <p:nvSpPr>
+          <p:cNvPr id="4" name="Slide Number Placeholder 3"/>
+          <p:cNvSpPr>
+            <a:spLocks noGrp="1"/>
+          </p:cNvSpPr>
+          <p:nvPr>
+            <p:ph type="sldNum" sz="quarter" idx="5"/>
+          </p:nvPr>
+        </p:nvSpPr>
+        <p:spPr/>
+        <p:txBody>
+          <a:bodyPr/>
+          <a:lstStyle/>
+          <a:p>
+            <a:fld id="{1A032F50-0B60-B34B-8422-4E195A5AE2C1}" type="slidenum">
+              <a:rPr lang="en-US" smtClean="0"/>
+              <a:t>11</a:t>
+            </a:fld>
+            <a:endParaRPr lang="en-US"/>
           </a:p>
         </p:txBody>
       </p:sp>
     </p:spTree>
+    <p:extLst>
+      <p:ext uri="{BB962C8B-B14F-4D97-AF65-F5344CB8AC3E}">
+        <p14:creationId xmlns:p14="http://schemas.microsoft.com/office/powerpoint/2010/main" val="4099541239"/>
+      </p:ext>
+    </p:extLst>
   </p:cSld>
   <p:clrMapOvr>
     <a:masterClrMapping/>
@@ -1500,11 +1772,11 @@
 </file>
 
 <file path=ppt/notesSlides/notesSlide9.xml><?xml version="1.0" encoding="utf-8"?>
-<p:notes xmlns:a="http://schemas.openxmlformats.org/drawingml/2006/main" xmlns:r="http://schemas.openxmlformats.org/officeDocument/2006/relationships" xmlns:p="http://schemas.openxmlformats.org/presentationml/2006/main" showMasterSp="0" showMasterPhAnim="0">
+<p:notes xmlns:a="http://schemas.openxmlformats.org/drawingml/2006/main" xmlns:r="http://schemas.openxmlformats.org/officeDocument/2006/relationships" xmlns:p="http://schemas.openxmlformats.org/presentationml/2006/main">
   <p:cSld>
     <p:spTree>
       <p:nvGrpSpPr>
-        <p:cNvPr id="1" name="Shape 224"/>
+        <p:cNvPr id="1" name=""/>
         <p:cNvGrpSpPr/>
         <p:nvPr/>
       </p:nvGrpSpPr>
@@ -1518,84 +1790,64 @@
       </p:grpSpPr>
       <p:sp>
         <p:nvSpPr>
-          <p:cNvPr id="225" name="Google Shape;225;g6e361b03c5_0_42:notes"/>
+          <p:cNvPr id="2" name="Slide Image Placeholder 1"/>
           <p:cNvSpPr>
             <a:spLocks noGrp="1" noRot="1" noChangeAspect="1"/>
           </p:cNvSpPr>
           <p:nvPr>
-            <p:ph type="sldImg" idx="2"/>
+            <p:ph type="sldImg"/>
           </p:nvPr>
         </p:nvSpPr>
-        <p:spPr>
-          <a:xfrm>
-            <a:off x="381000" y="685800"/>
-            <a:ext cx="6096000" cy="3429000"/>
-          </a:xfrm>
-          <a:custGeom>
-            <a:avLst/>
-            <a:gdLst/>
-            <a:ahLst/>
-            <a:cxnLst/>
-            <a:rect l="l" t="t" r="r" b="b"/>
-            <a:pathLst>
-              <a:path w="120000" h="120000" extrusionOk="0">
-                <a:moveTo>
-                  <a:pt x="0" y="0"/>
-                </a:moveTo>
-                <a:lnTo>
-                  <a:pt x="120000" y="0"/>
-                </a:lnTo>
-                <a:lnTo>
-                  <a:pt x="120000" y="120000"/>
-                </a:lnTo>
-                <a:lnTo>
-                  <a:pt x="0" y="120000"/>
-                </a:lnTo>
-                <a:close/>
-              </a:path>
-            </a:pathLst>
-          </a:custGeom>
-        </p:spPr>
+        <p:spPr/>
       </p:sp>
       <p:sp>
         <p:nvSpPr>
-          <p:cNvPr id="226" name="Google Shape;226;g6e361b03c5_0_42:notes"/>
-          <p:cNvSpPr txBox="1">
+          <p:cNvPr id="3" name="Notes Placeholder 2"/>
+          <p:cNvSpPr>
             <a:spLocks noGrp="1"/>
           </p:cNvSpPr>
           <p:nvPr>
             <p:ph type="body" idx="1"/>
           </p:nvPr>
         </p:nvSpPr>
-        <p:spPr>
-          <a:xfrm>
-            <a:off x="685800" y="4343400"/>
-            <a:ext cx="5486400" cy="4114800"/>
-          </a:xfrm>
-          <a:prstGeom prst="rect">
-            <a:avLst/>
-          </a:prstGeom>
-        </p:spPr>
+        <p:spPr/>
         <p:txBody>
-          <a:bodyPr spcFirstLastPara="1" wrap="square" lIns="91425" tIns="91425" rIns="91425" bIns="91425" anchor="t" anchorCtr="0">
-            <a:noAutofit/>
-          </a:bodyPr>
+          <a:bodyPr/>
           <a:lstStyle/>
           <a:p>
-            <a:pPr marL="0" lvl="0" indent="0" algn="l" rtl="0">
-              <a:spcBef>
-                <a:spcPts val="0"/>
-              </a:spcBef>
-              <a:spcAft>
-                <a:spcPts val="0"/>
-              </a:spcAft>
-              <a:buNone/>
-            </a:pPr>
-            <a:endParaRPr dirty="0"/>
+            <a:endParaRPr lang="en-US" dirty="0"/>
+          </a:p>
+        </p:txBody>
+      </p:sp>
+      <p:sp>
+        <p:nvSpPr>
+          <p:cNvPr id="4" name="Slide Number Placeholder 3"/>
+          <p:cNvSpPr>
+            <a:spLocks noGrp="1"/>
+          </p:cNvSpPr>
+          <p:nvPr>
+            <p:ph type="sldNum" sz="quarter" idx="5"/>
+          </p:nvPr>
+        </p:nvSpPr>
+        <p:spPr/>
+        <p:txBody>
+          <a:bodyPr/>
+          <a:lstStyle/>
+          <a:p>
+            <a:fld id="{1A032F50-0B60-B34B-8422-4E195A5AE2C1}" type="slidenum">
+              <a:rPr lang="en-US" smtClean="0"/>
+              <a:t>12</a:t>
+            </a:fld>
+            <a:endParaRPr lang="en-US"/>
           </a:p>
         </p:txBody>
       </p:sp>
     </p:spTree>
+    <p:extLst>
+      <p:ext uri="{BB962C8B-B14F-4D97-AF65-F5344CB8AC3E}">
+        <p14:creationId xmlns:p14="http://schemas.microsoft.com/office/powerpoint/2010/main" val="3850519901"/>
+      </p:ext>
+    </p:extLst>
   </p:cSld>
   <p:clrMapOvr>
     <a:masterClrMapping/>
